--- a/devoir1_presentation.pptx
+++ b/devoir1_presentation.pptx
@@ -4,13 +4,19 @@
   <p:sldMasterIdLst>
     <p:sldMasterId id="2147483869" r:id="rId1"/>
   </p:sldMasterIdLst>
+  <p:notesMasterIdLst>
+    <p:notesMasterId r:id="rId11"/>
+  </p:notesMasterIdLst>
   <p:sldIdLst>
     <p:sldId id="256" r:id="rId2"/>
     <p:sldId id="257" r:id="rId3"/>
     <p:sldId id="258" r:id="rId4"/>
     <p:sldId id="259" r:id="rId5"/>
     <p:sldId id="260" r:id="rId6"/>
-    <p:sldId id="261" r:id="rId7"/>
+    <p:sldId id="263" r:id="rId7"/>
+    <p:sldId id="264" r:id="rId8"/>
+    <p:sldId id="262" r:id="rId9"/>
+    <p:sldId id="265" r:id="rId10"/>
   </p:sldIdLst>
   <p:sldSz cx="12192000" cy="6858000"/>
   <p:notesSz cx="6858000" cy="9144000"/>
@@ -109,7 +115,361 @@
       </a:defRPr>
     </a:lvl9pPr>
   </p:defaultTextStyle>
+  <p:extLst>
+    <p:ext uri="{EFAFB233-063F-42B5-8137-9DF3F51BA10A}">
+      <p15:sldGuideLst xmlns:p15="http://schemas.microsoft.com/office/powerpoint/2012/main"/>
+    </p:ext>
+  </p:extLst>
 </p:presentation>
+</file>
+
+<file path=ppt/notesMasters/notesMaster1.xml><?xml version="1.0" encoding="utf-8"?>
+<p:notesMaster xmlns:a="http://schemas.openxmlformats.org/drawingml/2006/main" xmlns:r="http://schemas.openxmlformats.org/officeDocument/2006/relationships" xmlns:p="http://schemas.openxmlformats.org/presentationml/2006/main">
+  <p:cSld>
+    <p:bg>
+      <p:bgRef idx="1001">
+        <a:schemeClr val="bg1"/>
+      </p:bgRef>
+    </p:bg>
+    <p:spTree>
+      <p:nvGrpSpPr>
+        <p:cNvPr id="1" name=""/>
+        <p:cNvGrpSpPr/>
+        <p:nvPr/>
+      </p:nvGrpSpPr>
+      <p:grpSpPr>
+        <a:xfrm>
+          <a:off x="0" y="0"/>
+          <a:ext cx="0" cy="0"/>
+          <a:chOff x="0" y="0"/>
+          <a:chExt cx="0" cy="0"/>
+        </a:xfrm>
+      </p:grpSpPr>
+      <p:sp>
+        <p:nvSpPr>
+          <p:cNvPr id="2" name="Espace réservé de l'en-tête 1"/>
+          <p:cNvSpPr>
+            <a:spLocks noGrp="1"/>
+          </p:cNvSpPr>
+          <p:nvPr>
+            <p:ph type="hdr" sz="quarter"/>
+          </p:nvPr>
+        </p:nvSpPr>
+        <p:spPr>
+          <a:xfrm>
+            <a:off x="0" y="0"/>
+            <a:ext cx="2971800" cy="458788"/>
+          </a:xfrm>
+          <a:prstGeom prst="rect">
+            <a:avLst/>
+          </a:prstGeom>
+        </p:spPr>
+        <p:txBody>
+          <a:bodyPr vert="horz" lIns="91440" tIns="45720" rIns="91440" bIns="45720" rtlCol="0"/>
+          <a:lstStyle>
+            <a:lvl1pPr algn="l">
+              <a:defRPr sz="1200"/>
+            </a:lvl1pPr>
+          </a:lstStyle>
+          <a:p>
+            <a:endParaRPr lang="fr-FR"/>
+          </a:p>
+        </p:txBody>
+      </p:sp>
+      <p:sp>
+        <p:nvSpPr>
+          <p:cNvPr id="3" name="Espace réservé de la date 2"/>
+          <p:cNvSpPr>
+            <a:spLocks noGrp="1"/>
+          </p:cNvSpPr>
+          <p:nvPr>
+            <p:ph type="dt" idx="1"/>
+          </p:nvPr>
+        </p:nvSpPr>
+        <p:spPr>
+          <a:xfrm>
+            <a:off x="3884613" y="0"/>
+            <a:ext cx="2971800" cy="458788"/>
+          </a:xfrm>
+          <a:prstGeom prst="rect">
+            <a:avLst/>
+          </a:prstGeom>
+        </p:spPr>
+        <p:txBody>
+          <a:bodyPr vert="horz" lIns="91440" tIns="45720" rIns="91440" bIns="45720" rtlCol="0"/>
+          <a:lstStyle>
+            <a:lvl1pPr algn="r">
+              <a:defRPr sz="1200"/>
+            </a:lvl1pPr>
+          </a:lstStyle>
+          <a:p>
+            <a:fld id="{605459CE-6628-4ABB-BF7E-0BF21DF79269}" type="datetimeFigureOut">
+              <a:rPr lang="fr-FR" smtClean="0"/>
+              <a:t>10/10/2022</a:t>
+            </a:fld>
+            <a:endParaRPr lang="fr-FR"/>
+          </a:p>
+        </p:txBody>
+      </p:sp>
+      <p:sp>
+        <p:nvSpPr>
+          <p:cNvPr id="4" name="Espace réservé de l'image des diapositives 3"/>
+          <p:cNvSpPr>
+            <a:spLocks noGrp="1" noRot="1" noChangeAspect="1"/>
+          </p:cNvSpPr>
+          <p:nvPr>
+            <p:ph type="sldImg" idx="2"/>
+          </p:nvPr>
+        </p:nvSpPr>
+        <p:spPr>
+          <a:xfrm>
+            <a:off x="685800" y="1143000"/>
+            <a:ext cx="5486400" cy="3086100"/>
+          </a:xfrm>
+          <a:prstGeom prst="rect">
+            <a:avLst/>
+          </a:prstGeom>
+          <a:noFill/>
+          <a:ln w="12700">
+            <a:solidFill>
+              <a:prstClr val="black"/>
+            </a:solidFill>
+          </a:ln>
+        </p:spPr>
+        <p:txBody>
+          <a:bodyPr vert="horz" lIns="91440" tIns="45720" rIns="91440" bIns="45720" rtlCol="0" anchor="ctr"/>
+          <a:lstStyle/>
+          <a:p>
+            <a:endParaRPr lang="fr-FR"/>
+          </a:p>
+        </p:txBody>
+      </p:sp>
+      <p:sp>
+        <p:nvSpPr>
+          <p:cNvPr id="5" name="Espace réservé des notes 4"/>
+          <p:cNvSpPr>
+            <a:spLocks noGrp="1"/>
+          </p:cNvSpPr>
+          <p:nvPr>
+            <p:ph type="body" sz="quarter" idx="3"/>
+          </p:nvPr>
+        </p:nvSpPr>
+        <p:spPr>
+          <a:xfrm>
+            <a:off x="685800" y="4400550"/>
+            <a:ext cx="5486400" cy="3600450"/>
+          </a:xfrm>
+          <a:prstGeom prst="rect">
+            <a:avLst/>
+          </a:prstGeom>
+        </p:spPr>
+        <p:txBody>
+          <a:bodyPr vert="horz" lIns="91440" tIns="45720" rIns="91440" bIns="45720" rtlCol="0"/>
+          <a:lstStyle/>
+          <a:p>
+            <a:pPr lvl="0"/>
+            <a:r>
+              <a:rPr lang="fr-FR"/>
+              <a:t>Cliquez pour modifier les styles du texte du masque</a:t>
+            </a:r>
+          </a:p>
+          <a:p>
+            <a:pPr lvl="1"/>
+            <a:r>
+              <a:rPr lang="fr-FR"/>
+              <a:t>Deuxième niveau</a:t>
+            </a:r>
+          </a:p>
+          <a:p>
+            <a:pPr lvl="2"/>
+            <a:r>
+              <a:rPr lang="fr-FR"/>
+              <a:t>Troisième niveau</a:t>
+            </a:r>
+          </a:p>
+          <a:p>
+            <a:pPr lvl="3"/>
+            <a:r>
+              <a:rPr lang="fr-FR"/>
+              <a:t>Quatrième niveau</a:t>
+            </a:r>
+          </a:p>
+          <a:p>
+            <a:pPr lvl="4"/>
+            <a:r>
+              <a:rPr lang="fr-FR"/>
+              <a:t>Cinquième niveau</a:t>
+            </a:r>
+          </a:p>
+        </p:txBody>
+      </p:sp>
+      <p:sp>
+        <p:nvSpPr>
+          <p:cNvPr id="6" name="Espace réservé du pied de page 5"/>
+          <p:cNvSpPr>
+            <a:spLocks noGrp="1"/>
+          </p:cNvSpPr>
+          <p:nvPr>
+            <p:ph type="ftr" sz="quarter" idx="4"/>
+          </p:nvPr>
+        </p:nvSpPr>
+        <p:spPr>
+          <a:xfrm>
+            <a:off x="0" y="8685213"/>
+            <a:ext cx="2971800" cy="458787"/>
+          </a:xfrm>
+          <a:prstGeom prst="rect">
+            <a:avLst/>
+          </a:prstGeom>
+        </p:spPr>
+        <p:txBody>
+          <a:bodyPr vert="horz" lIns="91440" tIns="45720" rIns="91440" bIns="45720" rtlCol="0" anchor="b"/>
+          <a:lstStyle>
+            <a:lvl1pPr algn="l">
+              <a:defRPr sz="1200"/>
+            </a:lvl1pPr>
+          </a:lstStyle>
+          <a:p>
+            <a:endParaRPr lang="fr-FR"/>
+          </a:p>
+        </p:txBody>
+      </p:sp>
+      <p:sp>
+        <p:nvSpPr>
+          <p:cNvPr id="7" name="Espace réservé du numéro de diapositive 6"/>
+          <p:cNvSpPr>
+            <a:spLocks noGrp="1"/>
+          </p:cNvSpPr>
+          <p:nvPr>
+            <p:ph type="sldNum" sz="quarter" idx="5"/>
+          </p:nvPr>
+        </p:nvSpPr>
+        <p:spPr>
+          <a:xfrm>
+            <a:off x="3884613" y="8685213"/>
+            <a:ext cx="2971800" cy="458787"/>
+          </a:xfrm>
+          <a:prstGeom prst="rect">
+            <a:avLst/>
+          </a:prstGeom>
+        </p:spPr>
+        <p:txBody>
+          <a:bodyPr vert="horz" lIns="91440" tIns="45720" rIns="91440" bIns="45720" rtlCol="0" anchor="b"/>
+          <a:lstStyle>
+            <a:lvl1pPr algn="r">
+              <a:defRPr sz="1200"/>
+            </a:lvl1pPr>
+          </a:lstStyle>
+          <a:p>
+            <a:fld id="{E29575E0-3863-42F8-9367-EB04BAB4D3F8}" type="slidenum">
+              <a:rPr lang="fr-FR" smtClean="0"/>
+              <a:t>‹N°›</a:t>
+            </a:fld>
+            <a:endParaRPr lang="fr-FR"/>
+          </a:p>
+        </p:txBody>
+      </p:sp>
+    </p:spTree>
+    <p:extLst>
+      <p:ext uri="{BB962C8B-B14F-4D97-AF65-F5344CB8AC3E}">
+        <p14:creationId xmlns:p14="http://schemas.microsoft.com/office/powerpoint/2010/main" val="3399230755"/>
+      </p:ext>
+    </p:extLst>
+  </p:cSld>
+  <p:clrMap bg1="lt1" tx1="dk1" bg2="lt2" tx2="dk2" accent1="accent1" accent2="accent2" accent3="accent3" accent4="accent4" accent5="accent5" accent6="accent6" hlink="hlink" folHlink="folHlink"/>
+  <p:notesStyle>
+    <a:lvl1pPr marL="0" algn="l" defTabSz="914400" rtl="0" eaLnBrk="1" latinLnBrk="0" hangingPunct="1">
+      <a:defRPr sz="1200" kern="1200">
+        <a:solidFill>
+          <a:schemeClr val="tx1"/>
+        </a:solidFill>
+        <a:latin typeface="+mn-lt"/>
+        <a:ea typeface="+mn-ea"/>
+        <a:cs typeface="+mn-cs"/>
+      </a:defRPr>
+    </a:lvl1pPr>
+    <a:lvl2pPr marL="457200" algn="l" defTabSz="914400" rtl="0" eaLnBrk="1" latinLnBrk="0" hangingPunct="1">
+      <a:defRPr sz="1200" kern="1200">
+        <a:solidFill>
+          <a:schemeClr val="tx1"/>
+        </a:solidFill>
+        <a:latin typeface="+mn-lt"/>
+        <a:ea typeface="+mn-ea"/>
+        <a:cs typeface="+mn-cs"/>
+      </a:defRPr>
+    </a:lvl2pPr>
+    <a:lvl3pPr marL="914400" algn="l" defTabSz="914400" rtl="0" eaLnBrk="1" latinLnBrk="0" hangingPunct="1">
+      <a:defRPr sz="1200" kern="1200">
+        <a:solidFill>
+          <a:schemeClr val="tx1"/>
+        </a:solidFill>
+        <a:latin typeface="+mn-lt"/>
+        <a:ea typeface="+mn-ea"/>
+        <a:cs typeface="+mn-cs"/>
+      </a:defRPr>
+    </a:lvl3pPr>
+    <a:lvl4pPr marL="1371600" algn="l" defTabSz="914400" rtl="0" eaLnBrk="1" latinLnBrk="0" hangingPunct="1">
+      <a:defRPr sz="1200" kern="1200">
+        <a:solidFill>
+          <a:schemeClr val="tx1"/>
+        </a:solidFill>
+        <a:latin typeface="+mn-lt"/>
+        <a:ea typeface="+mn-ea"/>
+        <a:cs typeface="+mn-cs"/>
+      </a:defRPr>
+    </a:lvl4pPr>
+    <a:lvl5pPr marL="1828800" algn="l" defTabSz="914400" rtl="0" eaLnBrk="1" latinLnBrk="0" hangingPunct="1">
+      <a:defRPr sz="1200" kern="1200">
+        <a:solidFill>
+          <a:schemeClr val="tx1"/>
+        </a:solidFill>
+        <a:latin typeface="+mn-lt"/>
+        <a:ea typeface="+mn-ea"/>
+        <a:cs typeface="+mn-cs"/>
+      </a:defRPr>
+    </a:lvl5pPr>
+    <a:lvl6pPr marL="2286000" algn="l" defTabSz="914400" rtl="0" eaLnBrk="1" latinLnBrk="0" hangingPunct="1">
+      <a:defRPr sz="1200" kern="1200">
+        <a:solidFill>
+          <a:schemeClr val="tx1"/>
+        </a:solidFill>
+        <a:latin typeface="+mn-lt"/>
+        <a:ea typeface="+mn-ea"/>
+        <a:cs typeface="+mn-cs"/>
+      </a:defRPr>
+    </a:lvl6pPr>
+    <a:lvl7pPr marL="2743200" algn="l" defTabSz="914400" rtl="0" eaLnBrk="1" latinLnBrk="0" hangingPunct="1">
+      <a:defRPr sz="1200" kern="1200">
+        <a:solidFill>
+          <a:schemeClr val="tx1"/>
+        </a:solidFill>
+        <a:latin typeface="+mn-lt"/>
+        <a:ea typeface="+mn-ea"/>
+        <a:cs typeface="+mn-cs"/>
+      </a:defRPr>
+    </a:lvl7pPr>
+    <a:lvl8pPr marL="3200400" algn="l" defTabSz="914400" rtl="0" eaLnBrk="1" latinLnBrk="0" hangingPunct="1">
+      <a:defRPr sz="1200" kern="1200">
+        <a:solidFill>
+          <a:schemeClr val="tx1"/>
+        </a:solidFill>
+        <a:latin typeface="+mn-lt"/>
+        <a:ea typeface="+mn-ea"/>
+        <a:cs typeface="+mn-cs"/>
+      </a:defRPr>
+    </a:lvl8pPr>
+    <a:lvl9pPr marL="3657600" algn="l" defTabSz="914400" rtl="0" eaLnBrk="1" latinLnBrk="0" hangingPunct="1">
+      <a:defRPr sz="1200" kern="1200">
+        <a:solidFill>
+          <a:schemeClr val="tx1"/>
+        </a:solidFill>
+        <a:latin typeface="+mn-lt"/>
+        <a:ea typeface="+mn-ea"/>
+        <a:cs typeface="+mn-cs"/>
+      </a:defRPr>
+    </a:lvl9pPr>
+  </p:notesStyle>
+</p:notesMaster>
 </file>
 
 <file path=ppt/slideLayouts/slideLayout1.xml><?xml version="1.0" encoding="utf-8"?>
@@ -257,9 +617,9 @@
           <a:bodyPr/>
           <a:lstStyle/>
           <a:p>
-            <a:fld id="{794DEECC-35BF-4E34-AE1F-FE7F4671F508}" type="datetimeFigureOut">
+            <a:fld id="{C9E7D29E-36C1-4DDC-B4BC-C8B2E6384AE6}" type="datetime1">
               <a:rPr lang="fr-FR" smtClean="0"/>
-              <a:t>07/10/2022</a:t>
+              <a:t>10/10/2022</a:t>
             </a:fld>
             <a:endParaRPr lang="fr-FR"/>
           </a:p>
@@ -455,9 +815,9 @@
           <a:bodyPr/>
           <a:lstStyle/>
           <a:p>
-            <a:fld id="{794DEECC-35BF-4E34-AE1F-FE7F4671F508}" type="datetimeFigureOut">
+            <a:fld id="{443AAF03-1242-47B0-938C-8D5E3BE081CB}" type="datetime1">
               <a:rPr lang="fr-FR" smtClean="0"/>
-              <a:t>07/10/2022</a:t>
+              <a:t>10/10/2022</a:t>
             </a:fld>
             <a:endParaRPr lang="fr-FR"/>
           </a:p>
@@ -663,9 +1023,9 @@
           <a:bodyPr/>
           <a:lstStyle/>
           <a:p>
-            <a:fld id="{794DEECC-35BF-4E34-AE1F-FE7F4671F508}" type="datetimeFigureOut">
+            <a:fld id="{059C4350-597D-4A9D-AC9C-C85F197C809F}" type="datetime1">
               <a:rPr lang="fr-FR" smtClean="0"/>
-              <a:t>07/10/2022</a:t>
+              <a:t>10/10/2022</a:t>
             </a:fld>
             <a:endParaRPr lang="fr-FR"/>
           </a:p>
@@ -861,9 +1221,9 @@
           <a:bodyPr/>
           <a:lstStyle/>
           <a:p>
-            <a:fld id="{794DEECC-35BF-4E34-AE1F-FE7F4671F508}" type="datetimeFigureOut">
+            <a:fld id="{3827B80E-DB54-4932-A458-069A7AF2444A}" type="datetime1">
               <a:rPr lang="fr-FR" smtClean="0"/>
-              <a:t>07/10/2022</a:t>
+              <a:t>10/10/2022</a:t>
             </a:fld>
             <a:endParaRPr lang="fr-FR"/>
           </a:p>
@@ -1136,9 +1496,9 @@
           <a:bodyPr/>
           <a:lstStyle/>
           <a:p>
-            <a:fld id="{794DEECC-35BF-4E34-AE1F-FE7F4671F508}" type="datetimeFigureOut">
+            <a:fld id="{C7A1212E-1EE5-4439-8700-908A0CF06CB1}" type="datetime1">
               <a:rPr lang="fr-FR" smtClean="0"/>
-              <a:t>07/10/2022</a:t>
+              <a:t>10/10/2022</a:t>
             </a:fld>
             <a:endParaRPr lang="fr-FR"/>
           </a:p>
@@ -1401,9 +1761,9 @@
           <a:bodyPr/>
           <a:lstStyle/>
           <a:p>
-            <a:fld id="{794DEECC-35BF-4E34-AE1F-FE7F4671F508}" type="datetimeFigureOut">
+            <a:fld id="{75B255CD-28DC-48D1-84A0-F9593FCF36ED}" type="datetime1">
               <a:rPr lang="fr-FR" smtClean="0"/>
-              <a:t>07/10/2022</a:t>
+              <a:t>10/10/2022</a:t>
             </a:fld>
             <a:endParaRPr lang="fr-FR"/>
           </a:p>
@@ -1813,9 +2173,9 @@
           <a:bodyPr/>
           <a:lstStyle/>
           <a:p>
-            <a:fld id="{794DEECC-35BF-4E34-AE1F-FE7F4671F508}" type="datetimeFigureOut">
+            <a:fld id="{24CF0856-B006-4D29-820D-7C8F83F04BB3}" type="datetime1">
               <a:rPr lang="fr-FR" smtClean="0"/>
-              <a:t>07/10/2022</a:t>
+              <a:t>10/10/2022</a:t>
             </a:fld>
             <a:endParaRPr lang="fr-FR"/>
           </a:p>
@@ -1954,9 +2314,9 @@
           <a:bodyPr/>
           <a:lstStyle/>
           <a:p>
-            <a:fld id="{794DEECC-35BF-4E34-AE1F-FE7F4671F508}" type="datetimeFigureOut">
+            <a:fld id="{240B25A9-04C6-41CB-9E34-6E9E0CCBBA76}" type="datetime1">
               <a:rPr lang="fr-FR" smtClean="0"/>
-              <a:t>07/10/2022</a:t>
+              <a:t>10/10/2022</a:t>
             </a:fld>
             <a:endParaRPr lang="fr-FR"/>
           </a:p>
@@ -2067,9 +2427,9 @@
           <a:bodyPr/>
           <a:lstStyle/>
           <a:p>
-            <a:fld id="{794DEECC-35BF-4E34-AE1F-FE7F4671F508}" type="datetimeFigureOut">
+            <a:fld id="{A0A2F300-3527-4094-9716-670123BBAF60}" type="datetime1">
               <a:rPr lang="fr-FR" smtClean="0"/>
-              <a:t>07/10/2022</a:t>
+              <a:t>10/10/2022</a:t>
             </a:fld>
             <a:endParaRPr lang="fr-FR"/>
           </a:p>
@@ -2378,9 +2738,9 @@
           <a:bodyPr/>
           <a:lstStyle/>
           <a:p>
-            <a:fld id="{794DEECC-35BF-4E34-AE1F-FE7F4671F508}" type="datetimeFigureOut">
+            <a:fld id="{FB0771D9-5B77-4143-B8CE-0081241BDCC3}" type="datetime1">
               <a:rPr lang="fr-FR" smtClean="0"/>
-              <a:t>07/10/2022</a:t>
+              <a:t>10/10/2022</a:t>
             </a:fld>
             <a:endParaRPr lang="fr-FR"/>
           </a:p>
@@ -2666,9 +3026,9 @@
           <a:bodyPr/>
           <a:lstStyle/>
           <a:p>
-            <a:fld id="{794DEECC-35BF-4E34-AE1F-FE7F4671F508}" type="datetimeFigureOut">
+            <a:fld id="{D18CE255-EE39-4295-899F-65CD8495BD63}" type="datetime1">
               <a:rPr lang="fr-FR" smtClean="0"/>
-              <a:t>07/10/2022</a:t>
+              <a:t>10/10/2022</a:t>
             </a:fld>
             <a:endParaRPr lang="fr-FR"/>
           </a:p>
@@ -2907,9 +3267,9 @@
             </a:lvl1pPr>
           </a:lstStyle>
           <a:p>
-            <a:fld id="{794DEECC-35BF-4E34-AE1F-FE7F4671F508}" type="datetimeFigureOut">
+            <a:fld id="{FAAD8EE7-7449-40B6-9DC1-4C09890017F9}" type="datetime1">
               <a:rPr lang="fr-FR" smtClean="0"/>
-              <a:t>07/10/2022</a:t>
+              <a:t>10/10/2022</a:t>
             </a:fld>
             <a:endParaRPr lang="fr-FR"/>
           </a:p>
@@ -3026,6 +3386,7 @@
     <p:sldLayoutId id="2147483879" r:id="rId10"/>
     <p:sldLayoutId id="2147483880" r:id="rId11"/>
   </p:sldLayoutIdLst>
+  <p:hf hdr="0" ftr="0" dt="0"/>
   <p:txStyles>
     <p:titleStyle>
       <a:lvl1pPr algn="l" defTabSz="914400" rtl="0" eaLnBrk="1" latinLnBrk="0" hangingPunct="1">
@@ -3406,6 +3767,80 @@
           </a:p>
         </p:txBody>
       </p:sp>
+      <p:sp>
+        <p:nvSpPr>
+          <p:cNvPr id="4" name="Espace réservé du numéro de diapositive 3">
+            <a:extLst>
+              <a:ext uri="{FF2B5EF4-FFF2-40B4-BE49-F238E27FC236}">
+                <a16:creationId xmlns:a16="http://schemas.microsoft.com/office/drawing/2014/main" id="{3044E4C7-1A0C-F0FC-0629-53B5B836C846}"/>
+              </a:ext>
+            </a:extLst>
+          </p:cNvPr>
+          <p:cNvSpPr>
+            <a:spLocks noGrp="1"/>
+          </p:cNvSpPr>
+          <p:nvPr>
+            <p:ph type="sldNum" sz="quarter" idx="12"/>
+          </p:nvPr>
+        </p:nvSpPr>
+        <p:spPr/>
+        <p:txBody>
+          <a:bodyPr/>
+          <a:lstStyle/>
+          <a:p>
+            <a:fld id="{D1861D36-3F08-40F2-A6FB-3D64786A8D8E}" type="slidenum">
+              <a:rPr lang="fr-FR" smtClean="0"/>
+              <a:t>1</a:t>
+            </a:fld>
+            <a:endParaRPr lang="fr-FR"/>
+          </a:p>
+        </p:txBody>
+      </p:sp>
+      <p:sp>
+        <p:nvSpPr>
+          <p:cNvPr id="5" name="ZoneTexte 4">
+            <a:extLst>
+              <a:ext uri="{FF2B5EF4-FFF2-40B4-BE49-F238E27FC236}">
+                <a16:creationId xmlns:a16="http://schemas.microsoft.com/office/drawing/2014/main" id="{49D00BFF-4A06-7C64-B6B2-BA50C9E9F1F4}"/>
+              </a:ext>
+            </a:extLst>
+          </p:cNvPr>
+          <p:cNvSpPr txBox="1"/>
+          <p:nvPr/>
+        </p:nvSpPr>
+        <p:spPr>
+          <a:xfrm>
+            <a:off x="2300796" y="5424589"/>
+            <a:ext cx="7590408" cy="369332"/>
+          </a:xfrm>
+          <a:prstGeom prst="rect">
+            <a:avLst/>
+          </a:prstGeom>
+          <a:noFill/>
+        </p:spPr>
+        <p:txBody>
+          <a:bodyPr wrap="square" rtlCol="0">
+            <a:spAutoFit/>
+          </a:bodyPr>
+          <a:lstStyle/>
+          <a:p>
+            <a:r>
+              <a:rPr lang="fr-FR" dirty="0"/>
+              <a:t>Lien répertoire GitHub : </a:t>
+            </a:r>
+            <a:r>
+              <a:rPr lang="fr-FR" dirty="0">
+                <a:hlinkClick r:id="rId2"/>
+              </a:rPr>
+              <a:t>https://github.com/emiliestud/mec8211_devoirs.git</a:t>
+            </a:r>
+            <a:r>
+              <a:rPr lang="fr-FR" dirty="0"/>
+              <a:t> </a:t>
+            </a:r>
+          </a:p>
+        </p:txBody>
+      </p:sp>
     </p:spTree>
     <p:extLst>
       <p:ext uri="{BB962C8B-B14F-4D97-AF65-F5344CB8AC3E}">
@@ -3486,8 +3921,8 @@
             </p:nvSpPr>
             <p:spPr>
               <a:xfrm>
-                <a:off x="1056447" y="1528365"/>
-                <a:ext cx="10515600" cy="4351338"/>
+                <a:off x="745729" y="1734754"/>
+                <a:ext cx="10515600" cy="2928484"/>
               </a:xfrm>
             </p:spPr>
             <p:txBody>
@@ -3933,63 +4368,95 @@
               <a:p>
                 <a:r>
                   <a:rPr lang="fr-FR" sz="2000" dirty="0"/>
-                  <a:t>Conditions aux frontières de Dirichlet : </a:t>
+                  <a:t>Conditions aux frontières :</a:t>
+                </a:r>
+              </a:p>
+              <a:p>
+                <a:pPr lvl="1"/>
+                <a:r>
+                  <a:rPr lang="fr-FR" sz="1600" dirty="0"/>
+                  <a:t>De Neumann car concentration en sel axisymétrique : </a:t>
                 </a:r>
                 <a14:m>
                   <m:oMath xmlns:m="http://schemas.openxmlformats.org/officeDocument/2006/math">
                     <m:r>
-                      <a:rPr lang="fr-FR" sz="2000" b="0" i="1" smtClean="0">
+                      <a:rPr lang="fr-FR" sz="1600" b="0" i="1" smtClean="0">
                         <a:latin typeface="Cambria Math" panose="02040503050406030204" pitchFamily="18" charset="0"/>
                       </a:rPr>
                       <m:t>∀</m:t>
                     </m:r>
                     <m:r>
-                      <a:rPr lang="fr-FR" sz="2000" b="0" i="1" smtClean="0">
+                      <a:rPr lang="fr-FR" sz="1600" b="0" i="1" smtClean="0">
                         <a:latin typeface="Cambria Math" panose="02040503050406030204" pitchFamily="18" charset="0"/>
                       </a:rPr>
                       <m:t>𝑡</m:t>
                     </m:r>
                     <m:r>
-                      <a:rPr lang="fr-FR" sz="2000" b="0" i="1" smtClean="0">
-                        <a:latin typeface="Cambria Math" panose="02040503050406030204" pitchFamily="18" charset="0"/>
-                      </a:rPr>
-                      <m:t>, </m:t>
-                    </m:r>
-                    <m:r>
-                      <a:rPr lang="fr-FR" sz="2000" b="0" i="1" smtClean="0">
-                        <a:latin typeface="Cambria Math" panose="02040503050406030204" pitchFamily="18" charset="0"/>
-                      </a:rPr>
-                      <m:t>𝐶</m:t>
-                    </m:r>
+                      <a:rPr lang="fr-FR" sz="1600" b="0" i="1" smtClean="0">
+                        <a:latin typeface="Cambria Math" panose="02040503050406030204" pitchFamily="18" charset="0"/>
+                      </a:rPr>
+                      <m:t>,</m:t>
+                    </m:r>
+                    <m:f>
+                      <m:fPr>
+                        <m:ctrlPr>
+                          <a:rPr lang="fr-FR" sz="1600" b="0" i="1" smtClean="0">
+                            <a:latin typeface="Cambria Math" panose="02040503050406030204" pitchFamily="18" charset="0"/>
+                          </a:rPr>
+                        </m:ctrlPr>
+                      </m:fPr>
+                      <m:num>
+                        <m:r>
+                          <a:rPr lang="fr-FR" sz="1600" b="0" i="1" smtClean="0">
+                            <a:latin typeface="Cambria Math" panose="02040503050406030204" pitchFamily="18" charset="0"/>
+                          </a:rPr>
+                          <m:t>𝜕</m:t>
+                        </m:r>
+                        <m:r>
+                          <a:rPr lang="fr-FR" sz="1600" b="0" i="1" smtClean="0">
+                            <a:latin typeface="Cambria Math" panose="02040503050406030204" pitchFamily="18" charset="0"/>
+                          </a:rPr>
+                          <m:t>𝐶</m:t>
+                        </m:r>
+                      </m:num>
+                      <m:den>
+                        <m:r>
+                          <a:rPr lang="fr-FR" sz="1600" b="0" i="1" smtClean="0">
+                            <a:latin typeface="Cambria Math" panose="02040503050406030204" pitchFamily="18" charset="0"/>
+                          </a:rPr>
+                          <m:t>𝜕</m:t>
+                        </m:r>
+                        <m:r>
+                          <a:rPr lang="fr-FR" sz="1600" b="0" i="1" smtClean="0">
+                            <a:latin typeface="Cambria Math" panose="02040503050406030204" pitchFamily="18" charset="0"/>
+                          </a:rPr>
+                          <m:t>𝑟</m:t>
+                        </m:r>
+                      </m:den>
+                    </m:f>
                     <m:d>
                       <m:dPr>
                         <m:ctrlPr>
-                          <a:rPr lang="fr-FR" sz="2000" b="0" i="1" smtClean="0">
+                          <a:rPr lang="fr-FR" sz="1600" b="0" i="1" smtClean="0">
                             <a:latin typeface="Cambria Math" panose="02040503050406030204" pitchFamily="18" charset="0"/>
                           </a:rPr>
                         </m:ctrlPr>
                       </m:dPr>
                       <m:e>
                         <m:r>
-                          <a:rPr lang="fr-FR" sz="2000" b="0" i="1" smtClean="0">
-                            <a:latin typeface="Cambria Math" panose="02040503050406030204" pitchFamily="18" charset="0"/>
-                          </a:rPr>
-                          <m:t>−</m:t>
-                        </m:r>
-                        <m:r>
-                          <a:rPr lang="fr-FR" sz="2000" b="0" i="1" smtClean="0">
-                            <a:latin typeface="Cambria Math" panose="02040503050406030204" pitchFamily="18" charset="0"/>
-                          </a:rPr>
-                          <m:t>𝑅</m:t>
-                        </m:r>
-                        <m:r>
-                          <a:rPr lang="fr-FR" sz="2000" b="0" i="1" smtClean="0">
+                          <a:rPr lang="fr-FR" sz="1600" b="0" i="1" smtClean="0">
+                            <a:latin typeface="Cambria Math" panose="02040503050406030204" pitchFamily="18" charset="0"/>
+                          </a:rPr>
+                          <m:t>0</m:t>
+                        </m:r>
+                        <m:r>
+                          <a:rPr lang="fr-FR" sz="1600" b="0" i="1" smtClean="0">
                             <a:latin typeface="Cambria Math" panose="02040503050406030204" pitchFamily="18" charset="0"/>
                           </a:rPr>
                           <m:t>,</m:t>
                         </m:r>
                         <m:r>
-                          <a:rPr lang="fr-FR" sz="2000" b="0" i="1" smtClean="0">
+                          <a:rPr lang="fr-FR" sz="1600" b="0" i="1" smtClean="0">
                             <a:latin typeface="Cambria Math" panose="02040503050406030204" pitchFamily="18" charset="0"/>
                           </a:rPr>
                           <m:t>𝑡</m:t>
@@ -3997,13 +4464,98 @@
                       </m:e>
                     </m:d>
                     <m:r>
-                      <a:rPr lang="fr-FR" sz="2000" b="0" i="1" smtClean="0">
+                      <a:rPr lang="fr-FR" sz="1600" b="0" i="1" smtClean="0">
                         <a:latin typeface="Cambria Math" panose="02040503050406030204" pitchFamily="18" charset="0"/>
                       </a:rPr>
                       <m:t>=</m:t>
                     </m:r>
-                    <m:r>
-                      <a:rPr lang="fr-FR" sz="2000" b="0" i="1" smtClean="0">
+                    <m:sSub>
+                      <m:sSubPr>
+                        <m:ctrlPr>
+                          <a:rPr lang="fr-FR" sz="1600" b="0" i="1" smtClean="0">
+                            <a:latin typeface="Cambria Math" panose="02040503050406030204" pitchFamily="18" charset="0"/>
+                          </a:rPr>
+                        </m:ctrlPr>
+                      </m:sSubPr>
+                      <m:e>
+                        <m:r>
+                          <a:rPr lang="fr-FR" sz="1600" b="0" i="1" smtClean="0">
+                            <a:latin typeface="Cambria Math" panose="02040503050406030204" pitchFamily="18" charset="0"/>
+                          </a:rPr>
+                          <m:t>𝐶</m:t>
+                        </m:r>
+                      </m:e>
+                      <m:sub>
+                        <m:r>
+                          <a:rPr lang="fr-FR" sz="1600" b="0" i="1" smtClean="0">
+                            <a:latin typeface="Cambria Math" panose="02040503050406030204" pitchFamily="18" charset="0"/>
+                          </a:rPr>
+                          <m:t>𝑒</m:t>
+                        </m:r>
+                      </m:sub>
+                    </m:sSub>
+                    <m:r>
+                      <a:rPr lang="fr-FR" sz="1600" b="0" i="1" smtClean="0">
+                        <a:latin typeface="Cambria Math" panose="02040503050406030204" pitchFamily="18" charset="0"/>
+                      </a:rPr>
+                      <m:t>=10 </m:t>
+                    </m:r>
+                    <m:r>
+                      <a:rPr lang="fr-FR" sz="1600" b="0" i="1" smtClean="0">
+                        <a:latin typeface="Cambria Math" panose="02040503050406030204" pitchFamily="18" charset="0"/>
+                      </a:rPr>
+                      <m:t>𝑚𝑜𝑙</m:t>
+                    </m:r>
+                    <m:r>
+                      <a:rPr lang="fr-FR" sz="1600" b="0" i="1" smtClean="0">
+                        <a:latin typeface="Cambria Math" panose="02040503050406030204" pitchFamily="18" charset="0"/>
+                      </a:rPr>
+                      <m:t>/</m:t>
+                    </m:r>
+                    <m:r>
+                      <a:rPr lang="fr-FR" sz="1600" b="0" i="1" smtClean="0">
+                        <a:latin typeface="Cambria Math" panose="02040503050406030204" pitchFamily="18" charset="0"/>
+                      </a:rPr>
+                      <m:t>𝑚</m:t>
+                    </m:r>
+                    <m:r>
+                      <a:rPr lang="fr-FR" sz="1600" b="0" i="1" smtClean="0">
+                        <a:latin typeface="Cambria Math" panose="02040503050406030204" pitchFamily="18" charset="0"/>
+                      </a:rPr>
+                      <m:t>³</m:t>
+                    </m:r>
+                  </m:oMath>
+                </a14:m>
+                <a:endParaRPr lang="fr-FR" sz="1600" dirty="0"/>
+              </a:p>
+              <a:p>
+                <a:pPr lvl="1"/>
+                <a:r>
+                  <a:rPr lang="fr-FR" sz="1600" dirty="0"/>
+                  <a:t>de Dirichlet : </a:t>
+                </a:r>
+                <a14:m>
+                  <m:oMath xmlns:m="http://schemas.openxmlformats.org/officeDocument/2006/math">
+                    <m:r>
+                      <a:rPr lang="fr-FR" sz="1600" b="0" i="1" smtClean="0">
+                        <a:latin typeface="Cambria Math" panose="02040503050406030204" pitchFamily="18" charset="0"/>
+                      </a:rPr>
+                      <m:t>∀</m:t>
+                    </m:r>
+                    <m:r>
+                      <a:rPr lang="fr-FR" sz="1600" b="0" i="1" smtClean="0">
+                        <a:latin typeface="Cambria Math" panose="02040503050406030204" pitchFamily="18" charset="0"/>
+                      </a:rPr>
+                      <m:t>𝑡</m:t>
+                    </m:r>
+                    <m:r>
+                      <a:rPr lang="fr-FR" sz="1600" b="0" i="1" smtClean="0">
+                        <a:latin typeface="Cambria Math" panose="02040503050406030204" pitchFamily="18" charset="0"/>
+                      </a:rPr>
+                      <m:t>, </m:t>
+                    </m:r>
+                    <m:r>
+                      <a:rPr lang="fr-FR" sz="1600" b="0" i="1" smtClean="0">
                         <a:latin typeface="Cambria Math" panose="02040503050406030204" pitchFamily="18" charset="0"/>
                       </a:rPr>
                       <m:t>𝐶</m:t>
@@ -4011,26 +4563,26 @@
                     <m:d>
                       <m:dPr>
                         <m:ctrlPr>
-                          <a:rPr lang="fr-FR" sz="2000" b="0" i="1" smtClean="0">
+                          <a:rPr lang="fr-FR" sz="1600" b="0" i="1" smtClean="0">
                             <a:latin typeface="Cambria Math" panose="02040503050406030204" pitchFamily="18" charset="0"/>
                           </a:rPr>
                         </m:ctrlPr>
                       </m:dPr>
                       <m:e>
                         <m:r>
-                          <a:rPr lang="fr-FR" sz="2000" b="0" i="1" smtClean="0">
+                          <a:rPr lang="fr-FR" sz="1600" b="0" i="1" smtClean="0">
                             <a:latin typeface="Cambria Math" panose="02040503050406030204" pitchFamily="18" charset="0"/>
                           </a:rPr>
                           <m:t>𝑅</m:t>
                         </m:r>
                         <m:r>
-                          <a:rPr lang="fr-FR" sz="2000" b="0" i="1" smtClean="0">
+                          <a:rPr lang="fr-FR" sz="1600" b="0" i="1" smtClean="0">
                             <a:latin typeface="Cambria Math" panose="02040503050406030204" pitchFamily="18" charset="0"/>
                           </a:rPr>
                           <m:t>,</m:t>
                         </m:r>
                         <m:r>
-                          <a:rPr lang="fr-FR" sz="2000" b="0" i="1" smtClean="0">
+                          <a:rPr lang="fr-FR" sz="1600" b="0" i="1" smtClean="0">
                             <a:latin typeface="Cambria Math" panose="02040503050406030204" pitchFamily="18" charset="0"/>
                           </a:rPr>
                           <m:t>𝑡</m:t>
@@ -4038,7 +4590,7 @@
                       </m:e>
                     </m:d>
                     <m:r>
-                      <a:rPr lang="fr-FR" sz="2000" b="0" i="1" smtClean="0">
+                      <a:rPr lang="fr-FR" sz="1600" b="0" i="1" smtClean="0">
                         <a:latin typeface="Cambria Math" panose="02040503050406030204" pitchFamily="18" charset="0"/>
                       </a:rPr>
                       <m:t>=</m:t>
@@ -4046,14 +4598,14 @@
                     <m:sSub>
                       <m:sSubPr>
                         <m:ctrlPr>
-                          <a:rPr lang="fr-FR" sz="2000" b="0" i="1" smtClean="0">
+                          <a:rPr lang="fr-FR" sz="1600" b="0" i="1" smtClean="0">
                             <a:latin typeface="Cambria Math" panose="02040503050406030204" pitchFamily="18" charset="0"/>
                           </a:rPr>
                         </m:ctrlPr>
                       </m:sSubPr>
                       <m:e>
                         <m:r>
-                          <a:rPr lang="fr-FR" sz="2000" b="0" i="1" smtClean="0">
+                          <a:rPr lang="fr-FR" sz="1600" b="0" i="1" smtClean="0">
                             <a:latin typeface="Cambria Math" panose="02040503050406030204" pitchFamily="18" charset="0"/>
                           </a:rPr>
                           <m:t>𝐶</m:t>
@@ -4061,7 +4613,7 @@
                       </m:e>
                       <m:sub>
                         <m:r>
-                          <a:rPr lang="fr-FR" sz="2000" b="0" i="1" smtClean="0">
+                          <a:rPr lang="fr-FR" sz="1600" b="0" i="1" smtClean="0">
                             <a:latin typeface="Cambria Math" panose="02040503050406030204" pitchFamily="18" charset="0"/>
                           </a:rPr>
                           <m:t>𝑒</m:t>
@@ -4069,38 +4621,38 @@
                       </m:sub>
                     </m:sSub>
                     <m:r>
-                      <a:rPr lang="fr-FR" sz="2000" b="0" i="1" smtClean="0">
+                      <a:rPr lang="fr-FR" sz="1600" b="0" i="1" smtClean="0">
                         <a:latin typeface="Cambria Math" panose="02040503050406030204" pitchFamily="18" charset="0"/>
                       </a:rPr>
                       <m:t>=10 </m:t>
                     </m:r>
                     <m:r>
-                      <a:rPr lang="fr-FR" sz="2000" b="0" i="1" smtClean="0">
+                      <a:rPr lang="fr-FR" sz="1600" b="0" i="1" smtClean="0">
                         <a:latin typeface="Cambria Math" panose="02040503050406030204" pitchFamily="18" charset="0"/>
                       </a:rPr>
                       <m:t>𝑚𝑜𝑙</m:t>
                     </m:r>
                     <m:r>
-                      <a:rPr lang="fr-FR" sz="2000" b="0" i="1" smtClean="0">
+                      <a:rPr lang="fr-FR" sz="1600" b="0" i="1" smtClean="0">
                         <a:latin typeface="Cambria Math" panose="02040503050406030204" pitchFamily="18" charset="0"/>
                       </a:rPr>
                       <m:t>/</m:t>
                     </m:r>
                     <m:r>
-                      <a:rPr lang="fr-FR" sz="2000" b="0" i="1" smtClean="0">
+                      <a:rPr lang="fr-FR" sz="1600" b="0" i="1" smtClean="0">
                         <a:latin typeface="Cambria Math" panose="02040503050406030204" pitchFamily="18" charset="0"/>
                       </a:rPr>
                       <m:t>𝑚</m:t>
                     </m:r>
                     <m:r>
-                      <a:rPr lang="fr-FR" sz="2000" b="0" i="1" smtClean="0">
+                      <a:rPr lang="fr-FR" sz="1600" b="0" i="1" smtClean="0">
                         <a:latin typeface="Cambria Math" panose="02040503050406030204" pitchFamily="18" charset="0"/>
                       </a:rPr>
                       <m:t>³</m:t>
                     </m:r>
                   </m:oMath>
                 </a14:m>
-                <a:endParaRPr lang="fr-FR" sz="2000" dirty="0"/>
+                <a:endParaRPr lang="fr-FR" sz="1600" dirty="0"/>
               </a:p>
               <a:p>
                 <a:r>
@@ -4200,13 +4752,13 @@
             </p:nvSpPr>
             <p:spPr>
               <a:xfrm>
-                <a:off x="1056447" y="1528365"/>
-                <a:ext cx="10515600" cy="4351338"/>
+                <a:off x="745729" y="1734754"/>
+                <a:ext cx="10515600" cy="2928484"/>
               </a:xfrm>
               <a:blipFill>
                 <a:blip r:embed="rId2"/>
                 <a:stretch>
-                  <a:fillRect l="-522" t="-1541"/>
+                  <a:fillRect l="-522" t="-2292" b="-3333"/>
                 </a:stretch>
               </a:blipFill>
             </p:spPr>
@@ -4227,10 +4779,10 @@
       </mc:AlternateContent>
       <p:grpSp>
         <p:nvGrpSpPr>
-          <p:cNvPr id="14" name="Groupe 13">
+          <p:cNvPr id="16" name="Groupe 15">
             <a:extLst>
               <a:ext uri="{FF2B5EF4-FFF2-40B4-BE49-F238E27FC236}">
-                <a16:creationId xmlns:a16="http://schemas.microsoft.com/office/drawing/2014/main" id="{79A2EBE2-A3DC-C8BB-2A6B-F4C89FF7E2FE}"/>
+                <a16:creationId xmlns:a16="http://schemas.microsoft.com/office/drawing/2014/main" id="{EE0CFDE8-1A2B-CF45-D3D3-12424DB5CD1D}"/>
               </a:ext>
             </a:extLst>
           </p:cNvPr>
@@ -4239,18 +4791,18 @@
         </p:nvGrpSpPr>
         <p:grpSpPr>
           <a:xfrm>
-            <a:off x="6874123" y="3483931"/>
-            <a:ext cx="4565402" cy="3374069"/>
-            <a:chOff x="6684065" y="3429000"/>
-            <a:chExt cx="4565402" cy="3374069"/>
+            <a:off x="7057941" y="4107837"/>
+            <a:ext cx="4732353" cy="2772795"/>
+            <a:chOff x="7057941" y="4107837"/>
+            <a:chExt cx="4732353" cy="2772795"/>
           </a:xfrm>
         </p:grpSpPr>
         <p:pic>
           <p:nvPicPr>
-            <p:cNvPr id="5" name="Image 4">
+            <p:cNvPr id="11" name="Image 10">
               <a:extLst>
                 <a:ext uri="{FF2B5EF4-FFF2-40B4-BE49-F238E27FC236}">
-                  <a16:creationId xmlns:a16="http://schemas.microsoft.com/office/drawing/2014/main" id="{41297323-1D0C-81E6-E039-2B91361EEEB5}"/>
+                  <a16:creationId xmlns:a16="http://schemas.microsoft.com/office/drawing/2014/main" id="{D2DB5EDD-5F37-650D-D851-82A9C9DAC3FA}"/>
                 </a:ext>
               </a:extLst>
             </p:cNvPr>
@@ -4267,13 +4819,13 @@
                 </a:ext>
               </a:extLst>
             </a:blip>
-            <a:srcRect l="27541" t="14799" r="35136" b="18367"/>
+            <a:srcRect l="41010" t="19932" r="42483" b="18045"/>
             <a:stretch/>
           </p:blipFill>
           <p:spPr>
-            <a:xfrm>
-              <a:off x="7363152" y="3429000"/>
-              <a:ext cx="3349726" cy="3374069"/>
+            <a:xfrm rot="16200000">
+              <a:off x="8304560" y="3074862"/>
+              <a:ext cx="2239116" cy="4732353"/>
             </a:xfrm>
             <a:prstGeom prst="rect">
               <a:avLst/>
@@ -4282,10 +4834,10 @@
         </p:pic>
         <p:sp>
           <p:nvSpPr>
-            <p:cNvPr id="6" name="ZoneTexte 5">
+            <p:cNvPr id="7" name="ZoneTexte 6">
               <a:extLst>
                 <a:ext uri="{FF2B5EF4-FFF2-40B4-BE49-F238E27FC236}">
-                  <a16:creationId xmlns:a16="http://schemas.microsoft.com/office/drawing/2014/main" id="{01EC33C4-B908-0118-D0F1-22D77EDA04B8}"/>
+                  <a16:creationId xmlns:a16="http://schemas.microsoft.com/office/drawing/2014/main" id="{564729A7-D490-64AE-456D-9E897909957D}"/>
                 </a:ext>
               </a:extLst>
             </p:cNvPr>
@@ -4294,8 +4846,8 @@
           </p:nvSpPr>
           <p:spPr>
             <a:xfrm>
-              <a:off x="6684065" y="4799231"/>
-              <a:ext cx="760144" cy="646331"/>
+              <a:off x="8917355" y="4107837"/>
+              <a:ext cx="1027845" cy="369332"/>
             </a:xfrm>
             <a:prstGeom prst="rect">
               <a:avLst/>
@@ -4315,18 +4867,7 @@
                     <a:srgbClr val="FF0000"/>
                   </a:solidFill>
                 </a:rPr>
-                <a:t>i=1</a:t>
-              </a:r>
-            </a:p>
-            <a:p>
-              <a:pPr algn="ctr"/>
-              <a:r>
-                <a:rPr lang="fr-FR" dirty="0">
-                  <a:solidFill>
-                    <a:srgbClr val="FF0000"/>
-                  </a:solidFill>
-                </a:rPr>
-                <a:t>r</a:t>
+                <a:t>i=4 r</a:t>
               </a:r>
               <a:r>
                 <a:rPr lang="fr-FR" baseline="-25000" dirty="0">
@@ -4334,7 +4875,7 @@
                     <a:srgbClr val="FF0000"/>
                   </a:solidFill>
                 </a:rPr>
-                <a:t>1</a:t>
+                <a:t>4</a:t>
               </a:r>
               <a:r>
                 <a:rPr lang="fr-FR" dirty="0">
@@ -4342,17 +4883,17 @@
                     <a:srgbClr val="FF0000"/>
                   </a:solidFill>
                 </a:rPr>
-                <a:t> = -R</a:t>
+                <a:t> = R</a:t>
               </a:r>
             </a:p>
           </p:txBody>
         </p:sp>
         <p:sp>
           <p:nvSpPr>
-            <p:cNvPr id="7" name="ZoneTexte 6">
+            <p:cNvPr id="8" name="ZoneTexte 7">
               <a:extLst>
                 <a:ext uri="{FF2B5EF4-FFF2-40B4-BE49-F238E27FC236}">
-                  <a16:creationId xmlns:a16="http://schemas.microsoft.com/office/drawing/2014/main" id="{564729A7-D490-64AE-456D-9E897909957D}"/>
+                  <a16:creationId xmlns:a16="http://schemas.microsoft.com/office/drawing/2014/main" id="{E20A9723-4ECE-5F87-4C12-DB1002792F58}"/>
                 </a:ext>
               </a:extLst>
             </p:cNvPr>
@@ -4361,8 +4902,8 @@
           </p:nvSpPr>
           <p:spPr>
             <a:xfrm>
-              <a:off x="9299282" y="4401918"/>
-              <a:ext cx="896399" cy="646331"/>
+              <a:off x="9582236" y="4770059"/>
+              <a:ext cx="1351653" cy="369332"/>
             </a:xfrm>
             <a:prstGeom prst="rect">
               <a:avLst/>
@@ -4382,17 +4923,7 @@
                     <a:srgbClr val="FF0000"/>
                   </a:solidFill>
                 </a:rPr>
-                <a:t>i=4</a:t>
-              </a:r>
-            </a:p>
-            <a:p>
-              <a:r>
-                <a:rPr lang="fr-FR" dirty="0">
-                  <a:solidFill>
-                    <a:srgbClr val="FF0000"/>
-                  </a:solidFill>
-                </a:rPr>
-                <a:t>r</a:t>
+                <a:t>i=3 r</a:t>
               </a:r>
               <a:r>
                 <a:rPr lang="fr-FR" baseline="-25000" dirty="0">
@@ -4400,7 +4931,7 @@
                     <a:srgbClr val="FF0000"/>
                   </a:solidFill>
                 </a:rPr>
-                <a:t>4</a:t>
+                <a:t>3</a:t>
               </a:r>
               <a:r>
                 <a:rPr lang="fr-FR" dirty="0">
@@ -4408,140 +4939,7 @@
                     <a:srgbClr val="FF0000"/>
                   </a:solidFill>
                 </a:rPr>
-                <a:t> = R/2</a:t>
-              </a:r>
-            </a:p>
-          </p:txBody>
-        </p:sp>
-        <p:sp>
-          <p:nvSpPr>
-            <p:cNvPr id="8" name="ZoneTexte 7">
-              <a:extLst>
-                <a:ext uri="{FF2B5EF4-FFF2-40B4-BE49-F238E27FC236}">
-                  <a16:creationId xmlns:a16="http://schemas.microsoft.com/office/drawing/2014/main" id="{E20A9723-4ECE-5F87-4C12-DB1002792F58}"/>
-                </a:ext>
-              </a:extLst>
-            </p:cNvPr>
-            <p:cNvSpPr txBox="1"/>
-            <p:nvPr/>
-          </p:nvSpPr>
-          <p:spPr>
-            <a:xfrm>
-              <a:off x="10559855" y="4886791"/>
-              <a:ext cx="689612" cy="646331"/>
-            </a:xfrm>
-            <a:prstGeom prst="rect">
-              <a:avLst/>
-            </a:prstGeom>
-            <a:noFill/>
-          </p:spPr>
-          <p:txBody>
-            <a:bodyPr wrap="none" rtlCol="0">
-              <a:spAutoFit/>
-            </a:bodyPr>
-            <a:lstStyle/>
-            <a:p>
-              <a:pPr algn="ctr"/>
-              <a:r>
-                <a:rPr lang="fr-FR" dirty="0">
-                  <a:solidFill>
-                    <a:srgbClr val="FF0000"/>
-                  </a:solidFill>
-                </a:rPr>
-                <a:t>i=5</a:t>
-              </a:r>
-            </a:p>
-            <a:p>
-              <a:pPr algn="ctr"/>
-              <a:r>
-                <a:rPr lang="fr-FR" dirty="0">
-                  <a:solidFill>
-                    <a:srgbClr val="FF0000"/>
-                  </a:solidFill>
-                </a:rPr>
-                <a:t>r</a:t>
-              </a:r>
-              <a:r>
-                <a:rPr lang="fr-FR" baseline="-25000" dirty="0">
-                  <a:solidFill>
-                    <a:srgbClr val="FF0000"/>
-                  </a:solidFill>
-                </a:rPr>
-                <a:t>5</a:t>
-              </a:r>
-              <a:r>
-                <a:rPr lang="fr-FR" dirty="0">
-                  <a:solidFill>
-                    <a:srgbClr val="FF0000"/>
-                  </a:solidFill>
-                </a:rPr>
-                <a:t> = R</a:t>
-              </a:r>
-            </a:p>
-          </p:txBody>
-        </p:sp>
-        <p:sp>
-          <p:nvSpPr>
-            <p:cNvPr id="9" name="ZoneTexte 8">
-              <a:extLst>
-                <a:ext uri="{FF2B5EF4-FFF2-40B4-BE49-F238E27FC236}">
-                  <a16:creationId xmlns:a16="http://schemas.microsoft.com/office/drawing/2014/main" id="{DC097BA0-CDB3-98F1-7644-032DBCF2D137}"/>
-                </a:ext>
-              </a:extLst>
-            </p:cNvPr>
-            <p:cNvSpPr txBox="1"/>
-            <p:nvPr/>
-          </p:nvSpPr>
-          <p:spPr>
-            <a:xfrm>
-              <a:off x="7707104" y="4401919"/>
-              <a:ext cx="966931" cy="646331"/>
-            </a:xfrm>
-            <a:prstGeom prst="rect">
-              <a:avLst/>
-            </a:prstGeom>
-            <a:noFill/>
-          </p:spPr>
-          <p:txBody>
-            <a:bodyPr wrap="none" rtlCol="0">
-              <a:spAutoFit/>
-            </a:bodyPr>
-            <a:lstStyle/>
-            <a:p>
-              <a:pPr algn="ctr"/>
-              <a:r>
-                <a:rPr lang="fr-FR" dirty="0">
-                  <a:solidFill>
-                    <a:srgbClr val="FF0000"/>
-                  </a:solidFill>
-                </a:rPr>
-                <a:t>i=2</a:t>
-              </a:r>
-            </a:p>
-            <a:p>
-              <a:r>
-                <a:rPr lang="fr-FR" dirty="0">
-                  <a:solidFill>
-                    <a:srgbClr val="FF0000"/>
-                  </a:solidFill>
-                </a:rPr>
-                <a:t>r</a:t>
-              </a:r>
-              <a:r>
-                <a:rPr lang="fr-FR" baseline="-25000" dirty="0">
-                  <a:solidFill>
-                    <a:srgbClr val="FF0000"/>
-                  </a:solidFill>
-                </a:rPr>
-                <a:t>2</a:t>
-              </a:r>
-              <a:r>
-                <a:rPr lang="fr-FR" dirty="0">
-                  <a:solidFill>
-                    <a:srgbClr val="FF0000"/>
-                  </a:solidFill>
-                </a:rPr>
-                <a:t> = -R/2</a:t>
+                <a:t> = 3R/4</a:t>
               </a:r>
             </a:p>
           </p:txBody>
@@ -4560,8 +4958,8 @@
           </p:nvSpPr>
           <p:spPr>
             <a:xfrm>
-              <a:off x="8674035" y="4476065"/>
-              <a:ext cx="720070" cy="646331"/>
+              <a:off x="8952867" y="6511300"/>
+              <a:ext cx="1984421" cy="369332"/>
             </a:xfrm>
             <a:prstGeom prst="rect">
               <a:avLst/>
@@ -4569,7 +4967,7 @@
             <a:noFill/>
           </p:spPr>
           <p:txBody>
-            <a:bodyPr wrap="none" rtlCol="0">
+            <a:bodyPr wrap="square" rtlCol="0">
               <a:spAutoFit/>
             </a:bodyPr>
             <a:lstStyle/>
@@ -4580,18 +4978,7 @@
                     <a:srgbClr val="FF0000"/>
                   </a:solidFill>
                 </a:rPr>
-                <a:t>i=3</a:t>
-              </a:r>
-            </a:p>
-            <a:p>
-              <a:pPr algn="ctr"/>
-              <a:r>
-                <a:rPr lang="fr-FR" dirty="0">
-                  <a:solidFill>
-                    <a:srgbClr val="FF0000"/>
-                  </a:solidFill>
-                </a:rPr>
-                <a:t>r</a:t>
+                <a:t>i= 0 r</a:t>
               </a:r>
               <a:r>
                 <a:rPr lang="fr-FR" baseline="-25000" dirty="0">
@@ -4599,7 +4986,7 @@
                     <a:srgbClr val="FF0000"/>
                   </a:solidFill>
                 </a:rPr>
-                <a:t>3</a:t>
+                <a:t>0</a:t>
               </a:r>
               <a:r>
                 <a:rPr lang="fr-FR" dirty="0">
@@ -4612,7 +4999,146 @@
             </a:p>
           </p:txBody>
         </p:sp>
+        <p:sp>
+          <p:nvSpPr>
+            <p:cNvPr id="12" name="ZoneTexte 11">
+              <a:extLst>
+                <a:ext uri="{FF2B5EF4-FFF2-40B4-BE49-F238E27FC236}">
+                  <a16:creationId xmlns:a16="http://schemas.microsoft.com/office/drawing/2014/main" id="{85C6DEAA-ECA0-ACF7-EF52-5563B797E59A}"/>
+                </a:ext>
+              </a:extLst>
+            </p:cNvPr>
+            <p:cNvSpPr txBox="1"/>
+            <p:nvPr/>
+          </p:nvSpPr>
+          <p:spPr>
+            <a:xfrm>
+              <a:off x="9582236" y="5293723"/>
+              <a:ext cx="1984421" cy="369332"/>
+            </a:xfrm>
+            <a:prstGeom prst="rect">
+              <a:avLst/>
+            </a:prstGeom>
+            <a:noFill/>
+          </p:spPr>
+          <p:txBody>
+            <a:bodyPr wrap="square" rtlCol="0">
+              <a:spAutoFit/>
+            </a:bodyPr>
+            <a:lstStyle/>
+            <a:p>
+              <a:r>
+                <a:rPr lang="fr-FR" dirty="0">
+                  <a:solidFill>
+                    <a:srgbClr val="FF0000"/>
+                  </a:solidFill>
+                </a:rPr>
+                <a:t>i= 2 r</a:t>
+              </a:r>
+              <a:r>
+                <a:rPr lang="fr-FR" baseline="-25000" dirty="0">
+                  <a:solidFill>
+                    <a:srgbClr val="FF0000"/>
+                  </a:solidFill>
+                </a:rPr>
+                <a:t>2</a:t>
+              </a:r>
+              <a:r>
+                <a:rPr lang="fr-FR" dirty="0">
+                  <a:solidFill>
+                    <a:srgbClr val="FF0000"/>
+                  </a:solidFill>
+                </a:rPr>
+                <a:t> = R/2</a:t>
+              </a:r>
+            </a:p>
+          </p:txBody>
+        </p:sp>
+        <p:sp>
+          <p:nvSpPr>
+            <p:cNvPr id="13" name="ZoneTexte 12">
+              <a:extLst>
+                <a:ext uri="{FF2B5EF4-FFF2-40B4-BE49-F238E27FC236}">
+                  <a16:creationId xmlns:a16="http://schemas.microsoft.com/office/drawing/2014/main" id="{697E43DB-61C2-B4C0-4D83-9D357D804C70}"/>
+                </a:ext>
+              </a:extLst>
+            </p:cNvPr>
+            <p:cNvSpPr txBox="1"/>
+            <p:nvPr/>
+          </p:nvSpPr>
+          <p:spPr>
+            <a:xfrm>
+              <a:off x="9582236" y="5821933"/>
+              <a:ext cx="1984421" cy="369332"/>
+            </a:xfrm>
+            <a:prstGeom prst="rect">
+              <a:avLst/>
+            </a:prstGeom>
+            <a:noFill/>
+          </p:spPr>
+          <p:txBody>
+            <a:bodyPr wrap="square" rtlCol="0">
+              <a:spAutoFit/>
+            </a:bodyPr>
+            <a:lstStyle/>
+            <a:p>
+              <a:r>
+                <a:rPr lang="fr-FR" dirty="0">
+                  <a:solidFill>
+                    <a:srgbClr val="FF0000"/>
+                  </a:solidFill>
+                </a:rPr>
+                <a:t>i= 1 r</a:t>
+              </a:r>
+              <a:r>
+                <a:rPr lang="fr-FR" baseline="-25000" dirty="0">
+                  <a:solidFill>
+                    <a:srgbClr val="FF0000"/>
+                  </a:solidFill>
+                </a:rPr>
+                <a:t>1</a:t>
+              </a:r>
+              <a:r>
+                <a:rPr lang="fr-FR" dirty="0">
+                  <a:solidFill>
+                    <a:srgbClr val="FF0000"/>
+                  </a:solidFill>
+                </a:rPr>
+                <a:t> = R/4</a:t>
+              </a:r>
+            </a:p>
+          </p:txBody>
+        </p:sp>
       </p:grpSp>
+      <p:sp>
+        <p:nvSpPr>
+          <p:cNvPr id="15" name="Espace réservé du numéro de diapositive 14">
+            <a:extLst>
+              <a:ext uri="{FF2B5EF4-FFF2-40B4-BE49-F238E27FC236}">
+                <a16:creationId xmlns:a16="http://schemas.microsoft.com/office/drawing/2014/main" id="{62BBAA38-A151-D3D5-6B4A-8B0E6D2AA0B7}"/>
+              </a:ext>
+            </a:extLst>
+          </p:cNvPr>
+          <p:cNvSpPr>
+            <a:spLocks noGrp="1"/>
+          </p:cNvSpPr>
+          <p:nvPr>
+            <p:ph type="sldNum" sz="quarter" idx="12"/>
+          </p:nvPr>
+        </p:nvSpPr>
+        <p:spPr/>
+        <p:txBody>
+          <a:bodyPr/>
+          <a:lstStyle/>
+          <a:p>
+            <a:fld id="{D1861D36-3F08-40F2-A6FB-3D64786A8D8E}" type="slidenum">
+              <a:rPr lang="fr-FR" smtClean="0"/>
+              <a:t>2</a:t>
+            </a:fld>
+            <a:endParaRPr lang="fr-FR"/>
+          </a:p>
+        </p:txBody>
+      </p:sp>
     </p:spTree>
     <p:extLst>
       <p:ext uri="{BB962C8B-B14F-4D97-AF65-F5344CB8AC3E}">
@@ -4694,7 +5220,7 @@
             <p:spPr/>
             <p:txBody>
               <a:bodyPr>
-                <a:normAutofit/>
+                <a:normAutofit fontScale="92500" lnSpcReduction="10000"/>
               </a:bodyPr>
               <a:lstStyle/>
               <a:p>
@@ -4813,7 +5339,9 @@
                           </m:dPr>
                           <m:e>
                             <m:r>
-                              <a:rPr lang="fr-FR" sz="2400"/>
+                              <a:rPr lang="fr-FR" sz="2400">
+                                <a:latin typeface="Cambria Math" panose="02040503050406030204" pitchFamily="18" charset="0"/>
+                              </a:rPr>
                               <m:t>​</m:t>
                             </m:r>
                           </m:e>
@@ -5056,7 +5584,9 @@
                           </m:dPr>
                           <m:e>
                             <m:r>
-                              <a:rPr lang="fr-FR" sz="2400"/>
+                              <a:rPr lang="fr-FR" sz="2400">
+                                <a:latin typeface="Cambria Math" panose="02040503050406030204" pitchFamily="18" charset="0"/>
+                              </a:rPr>
                               <m:t>​</m:t>
                             </m:r>
                           </m:e>
@@ -5873,7 +6403,7 @@
                         <m:f>
                           <m:fPr>
                             <m:ctrlPr>
-                              <a:rPr lang="fr-FR" sz="2400" b="0" i="0" smtClean="0">
+                              <a:rPr lang="fr-FR" sz="2400" b="0" i="1" smtClean="0">
                                 <a:latin typeface="Cambria Math" panose="02040503050406030204" pitchFamily="18" charset="0"/>
                               </a:rPr>
                             </m:ctrlPr>
@@ -5890,7 +6420,7 @@
                             <m:sSub>
                               <m:sSubPr>
                                 <m:ctrlPr>
-                                  <a:rPr lang="fr-FR" sz="2400" b="0" i="0" smtClean="0">
+                                  <a:rPr lang="fr-FR" sz="2400" b="0" i="1" smtClean="0">
                                     <a:latin typeface="Cambria Math" panose="02040503050406030204" pitchFamily="18" charset="0"/>
                                   </a:rPr>
                                 </m:ctrlPr>
@@ -6828,24 +7358,31 @@
               <a:p>
                 <a:r>
                   <a:rPr lang="fr-FR" sz="2400" dirty="0"/>
-                  <a:t>Conditions aux frontières de Dirichlet discrètes : </a:t>
+                  <a:t>Conditions aux frontières </a:t>
+                </a:r>
+              </a:p>
+              <a:p>
+                <a:pPr lvl="1"/>
+                <a:r>
+                  <a:rPr lang="fr-FR" sz="2000" dirty="0"/>
+                  <a:t>de Dirichlet discrètes : </a:t>
                 </a:r>
                 <a14:m>
                   <m:oMath xmlns:m="http://schemas.openxmlformats.org/officeDocument/2006/math">
                     <m:r>
-                      <a:rPr lang="fr-FR" sz="2400" b="0" i="1" smtClean="0">
+                      <a:rPr lang="fr-FR" sz="2000" b="0" i="1" smtClean="0">
                         <a:latin typeface="Cambria Math" panose="02040503050406030204" pitchFamily="18" charset="0"/>
                       </a:rPr>
                       <m:t>∀</m:t>
                     </m:r>
                     <m:r>
-                      <a:rPr lang="fr-FR" sz="2400" b="0" i="1" smtClean="0">
+                      <a:rPr lang="fr-FR" sz="2000" b="0" i="1" smtClean="0">
                         <a:latin typeface="Cambria Math" panose="02040503050406030204" pitchFamily="18" charset="0"/>
                       </a:rPr>
                       <m:t>𝑡</m:t>
                     </m:r>
                     <m:r>
-                      <a:rPr lang="fr-FR" sz="2400" b="0" i="1" smtClean="0">
+                      <a:rPr lang="fr-FR" sz="2000" b="0" i="1" smtClean="0">
                         <a:latin typeface="Cambria Math" panose="02040503050406030204" pitchFamily="18" charset="0"/>
                       </a:rPr>
                       <m:t>, </m:t>
@@ -6853,14 +7390,14 @@
                     <m:sSubSup>
                       <m:sSubSupPr>
                         <m:ctrlPr>
-                          <a:rPr lang="fr-FR" sz="2400" b="0" i="1" smtClean="0">
+                          <a:rPr lang="fr-FR" sz="2000" b="0" i="1" smtClean="0">
                             <a:latin typeface="Cambria Math" panose="02040503050406030204" pitchFamily="18" charset="0"/>
                           </a:rPr>
                         </m:ctrlPr>
                       </m:sSubSupPr>
                       <m:e>
                         <m:r>
-                          <a:rPr lang="fr-FR" sz="2400" b="0" i="1" smtClean="0">
+                          <a:rPr lang="fr-FR" sz="2000" b="0" i="1" smtClean="0">
                             <a:latin typeface="Cambria Math" panose="02040503050406030204" pitchFamily="18" charset="0"/>
                           </a:rPr>
                           <m:t>𝐶</m:t>
@@ -6868,15 +7405,15 @@
                       </m:e>
                       <m:sub>
                         <m:r>
-                          <a:rPr lang="fr-FR" sz="2400" b="0" i="1" smtClean="0">
-                            <a:latin typeface="Cambria Math" panose="02040503050406030204" pitchFamily="18" charset="0"/>
-                          </a:rPr>
-                          <m:t>1</m:t>
+                          <a:rPr lang="fr-FR" sz="2000" b="0" i="1" smtClean="0">
+                            <a:latin typeface="Cambria Math" panose="02040503050406030204" pitchFamily="18" charset="0"/>
+                          </a:rPr>
+                          <m:t>5</m:t>
                         </m:r>
                       </m:sub>
                       <m:sup>
                         <m:r>
-                          <a:rPr lang="fr-FR" sz="2400" b="0" i="1" smtClean="0">
+                          <a:rPr lang="fr-FR" sz="2000" b="0" i="1" smtClean="0">
                             <a:latin typeface="Cambria Math" panose="02040503050406030204" pitchFamily="18" charset="0"/>
                           </a:rPr>
                           <m:t>𝑡</m:t>
@@ -6884,7 +7421,7 @@
                       </m:sup>
                     </m:sSubSup>
                     <m:r>
-                      <a:rPr lang="fr-FR" sz="2400" b="0" i="1" smtClean="0">
+                      <a:rPr lang="fr-FR" sz="2000" b="0" i="1" smtClean="0">
                         <a:latin typeface="Cambria Math" panose="02040503050406030204" pitchFamily="18" charset="0"/>
                       </a:rPr>
                       <m:t>=</m:t>
@@ -6892,14 +7429,14 @@
                     <m:sSub>
                       <m:sSubPr>
                         <m:ctrlPr>
-                          <a:rPr lang="fr-FR" sz="2400" b="0" i="1" smtClean="0">
+                          <a:rPr lang="fr-FR" sz="2000" b="0" i="1" smtClean="0">
                             <a:latin typeface="Cambria Math" panose="02040503050406030204" pitchFamily="18" charset="0"/>
                           </a:rPr>
                         </m:ctrlPr>
                       </m:sSubPr>
                       <m:e>
                         <m:r>
-                          <a:rPr lang="fr-FR" sz="2400" b="0" i="1" smtClean="0">
+                          <a:rPr lang="fr-FR" sz="2000" b="0" i="1" smtClean="0">
                             <a:latin typeface="Cambria Math" panose="02040503050406030204" pitchFamily="18" charset="0"/>
                           </a:rPr>
                           <m:t>𝐶</m:t>
@@ -6907,7 +7444,386 @@
                       </m:e>
                       <m:sub>
                         <m:r>
-                          <a:rPr lang="fr-FR" sz="2400" b="0" i="1" smtClean="0">
+                          <a:rPr lang="fr-FR" sz="2000" b="0" i="1" smtClean="0">
+                            <a:latin typeface="Cambria Math" panose="02040503050406030204" pitchFamily="18" charset="0"/>
+                          </a:rPr>
+                          <m:t>𝑒</m:t>
+                        </m:r>
+                      </m:sub>
+                    </m:sSub>
+                  </m:oMath>
+                </a14:m>
+                <a:endParaRPr lang="fr-FR" sz="2000" dirty="0"/>
+              </a:p>
+              <a:p>
+                <a:pPr lvl="1"/>
+                <a:r>
+                  <a:rPr lang="fr-FR" sz="2000" dirty="0"/>
+                  <a:t>De Neumann discrètes : </a:t>
+                </a:r>
+                <a14:m>
+                  <m:oMath xmlns:m="http://schemas.openxmlformats.org/officeDocument/2006/math">
+                    <m:r>
+                      <a:rPr lang="fr-FR" sz="2000" b="0" i="1" smtClean="0">
+                        <a:latin typeface="Cambria Math" panose="02040503050406030204" pitchFamily="18" charset="0"/>
+                      </a:rPr>
+                      <m:t>∀</m:t>
+                    </m:r>
+                    <m:r>
+                      <a:rPr lang="fr-FR" sz="2000" b="0" i="1" smtClean="0">
+                        <a:latin typeface="Cambria Math" panose="02040503050406030204" pitchFamily="18" charset="0"/>
+                      </a:rPr>
+                      <m:t>𝑡</m:t>
+                    </m:r>
+                    <m:r>
+                      <a:rPr lang="fr-FR" sz="2000" b="0" i="1" smtClean="0">
+                        <a:latin typeface="Cambria Math" panose="02040503050406030204" pitchFamily="18" charset="0"/>
+                      </a:rPr>
+                      <m:t>,</m:t>
+                    </m:r>
+                    <m:f>
+                      <m:fPr>
+                        <m:ctrlPr>
+                          <a:rPr lang="fr-FR" sz="2000" b="0" i="1" smtClean="0">
+                            <a:latin typeface="Cambria Math" panose="02040503050406030204" pitchFamily="18" charset="0"/>
+                          </a:rPr>
+                        </m:ctrlPr>
+                      </m:fPr>
+                      <m:num>
+                        <m:sSubSup>
+                          <m:sSubSupPr>
+                            <m:ctrlPr>
+                              <a:rPr lang="fr-FR" sz="2000" b="0" i="1" smtClean="0">
+                                <a:latin typeface="Cambria Math" panose="02040503050406030204" pitchFamily="18" charset="0"/>
+                              </a:rPr>
+                            </m:ctrlPr>
+                          </m:sSubSupPr>
+                          <m:e>
+                            <m:r>
+                              <a:rPr lang="fr-FR" sz="2000" b="0" i="1" smtClean="0">
+                                <a:latin typeface="Cambria Math" panose="02040503050406030204" pitchFamily="18" charset="0"/>
+                              </a:rPr>
+                              <m:t>𝐶</m:t>
+                            </m:r>
+                          </m:e>
+                          <m:sub>
+                            <m:r>
+                              <a:rPr lang="fr-FR" sz="2000" b="0" i="1" smtClean="0">
+                                <a:latin typeface="Cambria Math" panose="02040503050406030204" pitchFamily="18" charset="0"/>
+                              </a:rPr>
+                              <m:t>1</m:t>
+                            </m:r>
+                          </m:sub>
+                          <m:sup>
+                            <m:r>
+                              <a:rPr lang="fr-FR" sz="2000" b="0" i="1" smtClean="0">
+                                <a:latin typeface="Cambria Math" panose="02040503050406030204" pitchFamily="18" charset="0"/>
+                              </a:rPr>
+                              <m:t>𝑡</m:t>
+                            </m:r>
+                          </m:sup>
+                        </m:sSubSup>
+                        <m:r>
+                          <a:rPr lang="fr-FR" sz="2000" b="0" i="1" smtClean="0">
+                            <a:latin typeface="Cambria Math" panose="02040503050406030204" pitchFamily="18" charset="0"/>
+                          </a:rPr>
+                          <m:t>−</m:t>
+                        </m:r>
+                        <m:sSubSup>
+                          <m:sSubSupPr>
+                            <m:ctrlPr>
+                              <a:rPr lang="fr-FR" sz="2000" b="0" i="1" smtClean="0">
+                                <a:latin typeface="Cambria Math" panose="02040503050406030204" pitchFamily="18" charset="0"/>
+                              </a:rPr>
+                            </m:ctrlPr>
+                          </m:sSubSupPr>
+                          <m:e>
+                            <m:r>
+                              <a:rPr lang="fr-FR" sz="2000" b="0" i="1" smtClean="0">
+                                <a:latin typeface="Cambria Math" panose="02040503050406030204" pitchFamily="18" charset="0"/>
+                              </a:rPr>
+                              <m:t>𝐶</m:t>
+                            </m:r>
+                          </m:e>
+                          <m:sub>
+                            <m:r>
+                              <a:rPr lang="fr-FR" sz="2000" b="0" i="1" smtClean="0">
+                                <a:latin typeface="Cambria Math" panose="02040503050406030204" pitchFamily="18" charset="0"/>
+                              </a:rPr>
+                              <m:t>0</m:t>
+                            </m:r>
+                          </m:sub>
+                          <m:sup>
+                            <m:r>
+                              <a:rPr lang="fr-FR" sz="2000" b="0" i="1" smtClean="0">
+                                <a:latin typeface="Cambria Math" panose="02040503050406030204" pitchFamily="18" charset="0"/>
+                              </a:rPr>
+                              <m:t>𝑡</m:t>
+                            </m:r>
+                          </m:sup>
+                        </m:sSubSup>
+                      </m:num>
+                      <m:den>
+                        <m:r>
+                          <m:rPr>
+                            <m:sty m:val="p"/>
+                          </m:rPr>
+                          <a:rPr lang="fr-FR" sz="2000" b="0" i="0" smtClean="0">
+                            <a:latin typeface="Cambria Math" panose="02040503050406030204" pitchFamily="18" charset="0"/>
+                          </a:rPr>
+                          <m:t>Δr</m:t>
+                        </m:r>
+                      </m:den>
+                    </m:f>
+                    <m:r>
+                      <a:rPr lang="fr-FR" sz="2000" b="0" i="1" smtClean="0">
+                        <a:latin typeface="Cambria Math" panose="02040503050406030204" pitchFamily="18" charset="0"/>
+                      </a:rPr>
+                      <m:t>=0⇒∀</m:t>
+                    </m:r>
+                    <m:r>
+                      <a:rPr lang="fr-FR" sz="2000" b="0" i="1" smtClean="0">
+                        <a:latin typeface="Cambria Math" panose="02040503050406030204" pitchFamily="18" charset="0"/>
+                      </a:rPr>
+                      <m:t>𝑡</m:t>
+                    </m:r>
+                    <m:r>
+                      <a:rPr lang="fr-FR" sz="2000" b="0" i="1" smtClean="0">
+                        <a:latin typeface="Cambria Math" panose="02040503050406030204" pitchFamily="18" charset="0"/>
+                      </a:rPr>
+                      <m:t>, </m:t>
+                    </m:r>
+                    <m:sSubSup>
+                      <m:sSubSupPr>
+                        <m:ctrlPr>
+                          <a:rPr lang="fr-FR" sz="2000" b="0" i="1" smtClean="0">
+                            <a:latin typeface="Cambria Math" panose="02040503050406030204" pitchFamily="18" charset="0"/>
+                          </a:rPr>
+                        </m:ctrlPr>
+                      </m:sSubSupPr>
+                      <m:e>
+                        <m:r>
+                          <a:rPr lang="fr-FR" sz="2000" b="0" i="1" smtClean="0">
+                            <a:latin typeface="Cambria Math" panose="02040503050406030204" pitchFamily="18" charset="0"/>
+                          </a:rPr>
+                          <m:t>𝐶</m:t>
+                        </m:r>
+                      </m:e>
+                      <m:sub>
+                        <m:r>
+                          <a:rPr lang="fr-FR" sz="2000" b="0" i="1" smtClean="0">
+                            <a:latin typeface="Cambria Math" panose="02040503050406030204" pitchFamily="18" charset="0"/>
+                          </a:rPr>
+                          <m:t>0</m:t>
+                        </m:r>
+                      </m:sub>
+                      <m:sup>
+                        <m:r>
+                          <a:rPr lang="fr-FR" sz="2000" b="0" i="1" smtClean="0">
+                            <a:latin typeface="Cambria Math" panose="02040503050406030204" pitchFamily="18" charset="0"/>
+                          </a:rPr>
+                          <m:t>𝑡</m:t>
+                        </m:r>
+                      </m:sup>
+                    </m:sSubSup>
+                    <m:r>
+                      <a:rPr lang="fr-FR" sz="2000" b="0" i="1" smtClean="0">
+                        <a:latin typeface="Cambria Math" panose="02040503050406030204" pitchFamily="18" charset="0"/>
+                      </a:rPr>
+                      <m:t>=</m:t>
+                    </m:r>
+                    <m:sSubSup>
+                      <m:sSubSupPr>
+                        <m:ctrlPr>
+                          <a:rPr lang="fr-FR" sz="2000" b="0" i="1" smtClean="0">
+                            <a:latin typeface="Cambria Math" panose="02040503050406030204" pitchFamily="18" charset="0"/>
+                          </a:rPr>
+                        </m:ctrlPr>
+                      </m:sSubSupPr>
+                      <m:e>
+                        <m:r>
+                          <a:rPr lang="fr-FR" sz="2000" b="0" i="1" smtClean="0">
+                            <a:latin typeface="Cambria Math" panose="02040503050406030204" pitchFamily="18" charset="0"/>
+                          </a:rPr>
+                          <m:t>𝐶</m:t>
+                        </m:r>
+                      </m:e>
+                      <m:sub>
+                        <m:r>
+                          <a:rPr lang="fr-FR" sz="2000" b="0" i="1" smtClean="0">
+                            <a:latin typeface="Cambria Math" panose="02040503050406030204" pitchFamily="18" charset="0"/>
+                          </a:rPr>
+                          <m:t>1</m:t>
+                        </m:r>
+                      </m:sub>
+                      <m:sup>
+                        <m:r>
+                          <a:rPr lang="fr-FR" sz="2000" b="0" i="1" smtClean="0">
+                            <a:latin typeface="Cambria Math" panose="02040503050406030204" pitchFamily="18" charset="0"/>
+                          </a:rPr>
+                          <m:t>𝑡</m:t>
+                        </m:r>
+                      </m:sup>
+                    </m:sSubSup>
+                  </m:oMath>
+                </a14:m>
+                <a:endParaRPr lang="fr-FR" sz="2000" dirty="0"/>
+              </a:p>
+              <a:p>
+                <a:r>
+                  <a:rPr lang="fr-FR" sz="2400" dirty="0"/>
+                  <a:t>Conditions initiales :</a:t>
+                </a:r>
+                <a14:m>
+                  <m:oMath xmlns:m="http://schemas.openxmlformats.org/officeDocument/2006/math">
+                    <m:r>
+                      <a:rPr lang="fr-FR" sz="2400" i="1">
+                        <a:latin typeface="Cambria Math" panose="02040503050406030204" pitchFamily="18" charset="0"/>
+                      </a:rPr>
+                      <m:t>∀</m:t>
+                    </m:r>
+                    <m:r>
+                      <a:rPr lang="fr-FR" sz="2400" i="1">
+                        <a:latin typeface="Cambria Math" panose="02040503050406030204" pitchFamily="18" charset="0"/>
+                      </a:rPr>
+                      <m:t>𝑖</m:t>
+                    </m:r>
+                    <m:r>
+                      <a:rPr lang="fr-FR" sz="2400" i="1">
+                        <a:latin typeface="Cambria Math" panose="02040503050406030204" pitchFamily="18" charset="0"/>
+                      </a:rPr>
+                      <m:t>∈</m:t>
+                    </m:r>
+                    <m:d>
+                      <m:dPr>
+                        <m:begChr m:val="{"/>
+                        <m:endChr m:val="}"/>
+                        <m:ctrlPr>
+                          <a:rPr lang="fr-FR" sz="2400" i="1">
+                            <a:latin typeface="Cambria Math" panose="02040503050406030204" pitchFamily="18" charset="0"/>
+                          </a:rPr>
+                        </m:ctrlPr>
+                      </m:dPr>
+                      <m:e>
+                        <m:r>
+                          <a:rPr lang="fr-FR" sz="2400" i="1">
+                            <a:latin typeface="Cambria Math" panose="02040503050406030204" pitchFamily="18" charset="0"/>
+                          </a:rPr>
+                          <m:t>1;2;3</m:t>
+                        </m:r>
+                      </m:e>
+                    </m:d>
+                    <m:r>
+                      <a:rPr lang="fr-FR" sz="2400" i="1">
+                        <a:latin typeface="Cambria Math" panose="02040503050406030204" pitchFamily="18" charset="0"/>
+                      </a:rPr>
+                      <m:t> , </m:t>
+                    </m:r>
+                    <m:sSubSup>
+                      <m:sSubSupPr>
+                        <m:ctrlPr>
+                          <a:rPr lang="fr-FR" sz="2400" i="1">
+                            <a:latin typeface="Cambria Math" panose="02040503050406030204" pitchFamily="18" charset="0"/>
+                          </a:rPr>
+                        </m:ctrlPr>
+                      </m:sSubSupPr>
+                      <m:e>
+                        <m:r>
+                          <a:rPr lang="fr-FR" sz="2400" i="1">
+                            <a:latin typeface="Cambria Math" panose="02040503050406030204" pitchFamily="18" charset="0"/>
+                          </a:rPr>
+                          <m:t>𝐶</m:t>
+                        </m:r>
+                      </m:e>
+                      <m:sub>
+                        <m:r>
+                          <a:rPr lang="fr-FR" sz="2400" i="1">
+                            <a:latin typeface="Cambria Math" panose="02040503050406030204" pitchFamily="18" charset="0"/>
+                          </a:rPr>
+                          <m:t>𝑖</m:t>
+                        </m:r>
+                      </m:sub>
+                      <m:sup>
+                        <m:r>
+                          <a:rPr lang="fr-FR" sz="2400" i="1">
+                            <a:latin typeface="Cambria Math" panose="02040503050406030204" pitchFamily="18" charset="0"/>
+                          </a:rPr>
+                          <m:t>0</m:t>
+                        </m:r>
+                      </m:sup>
+                    </m:sSubSup>
+                    <m:r>
+                      <a:rPr lang="fr-FR" sz="2400" i="1">
+                        <a:latin typeface="Cambria Math" panose="02040503050406030204" pitchFamily="18" charset="0"/>
+                      </a:rPr>
+                      <m:t>=0</m:t>
+                    </m:r>
+                  </m:oMath>
+                </a14:m>
+                <a:r>
+                  <a:rPr lang="fr-FR" sz="2400" dirty="0"/>
+                  <a:t> (et </a:t>
+                </a:r>
+                <a14:m>
+                  <m:oMath xmlns:m="http://schemas.openxmlformats.org/officeDocument/2006/math">
+                    <m:sSubSup>
+                      <m:sSubSupPr>
+                        <m:ctrlPr>
+                          <a:rPr lang="fr-FR" sz="2400" i="1">
+                            <a:latin typeface="Cambria Math" panose="02040503050406030204" pitchFamily="18" charset="0"/>
+                          </a:rPr>
+                        </m:ctrlPr>
+                      </m:sSubSupPr>
+                      <m:e>
+                        <m:r>
+                          <a:rPr lang="fr-FR" sz="2400" i="1">
+                            <a:latin typeface="Cambria Math" panose="02040503050406030204" pitchFamily="18" charset="0"/>
+                          </a:rPr>
+                          <m:t>𝐶</m:t>
+                        </m:r>
+                      </m:e>
+                      <m:sub>
+                        <m:r>
+                          <a:rPr lang="fr-FR" sz="2400" i="1">
+                            <a:latin typeface="Cambria Math" panose="02040503050406030204" pitchFamily="18" charset="0"/>
+                          </a:rPr>
+                          <m:t>5</m:t>
+                        </m:r>
+                      </m:sub>
+                      <m:sup>
+                        <m:r>
+                          <a:rPr lang="fr-FR" sz="2400" i="1">
+                            <a:latin typeface="Cambria Math" panose="02040503050406030204" pitchFamily="18" charset="0"/>
+                          </a:rPr>
+                          <m:t>0</m:t>
+                        </m:r>
+                      </m:sup>
+                    </m:sSubSup>
+                    <m:r>
+                      <a:rPr lang="fr-FR" sz="2400" i="1">
+                        <a:latin typeface="Cambria Math" panose="02040503050406030204" pitchFamily="18" charset="0"/>
+                      </a:rPr>
+                      <m:t>=</m:t>
+                    </m:r>
+                    <m:sSub>
+                      <m:sSubPr>
+                        <m:ctrlPr>
+                          <a:rPr lang="fr-FR" sz="2400" i="1">
+                            <a:latin typeface="Cambria Math" panose="02040503050406030204" pitchFamily="18" charset="0"/>
+                          </a:rPr>
+                        </m:ctrlPr>
+                      </m:sSubPr>
+                      <m:e>
+                        <m:r>
+                          <a:rPr lang="fr-FR" sz="2400" i="1">
+                            <a:latin typeface="Cambria Math" panose="02040503050406030204" pitchFamily="18" charset="0"/>
+                          </a:rPr>
+                          <m:t>𝐶</m:t>
+                        </m:r>
+                      </m:e>
+                      <m:sub>
+                        <m:r>
+                          <a:rPr lang="fr-FR" sz="2400" i="1">
                             <a:latin typeface="Cambria Math" panose="02040503050406030204" pitchFamily="18" charset="0"/>
                           </a:rPr>
                           <m:t>𝑒</m:t>
@@ -6918,145 +7834,8 @@
                 </a14:m>
                 <a:r>
                   <a:rPr lang="fr-FR" sz="2400" dirty="0"/>
-                  <a:t> and </a:t>
+                  <a:t>)</a:t>
                 </a:r>
-                <a14:m>
-                  <m:oMath xmlns:m="http://schemas.openxmlformats.org/officeDocument/2006/math">
-                    <m:sSubSup>
-                      <m:sSubSupPr>
-                        <m:ctrlPr>
-                          <a:rPr lang="fr-FR" sz="2400" b="0" i="1" smtClean="0">
-                            <a:latin typeface="Cambria Math" panose="02040503050406030204" pitchFamily="18" charset="0"/>
-                          </a:rPr>
-                        </m:ctrlPr>
-                      </m:sSubSupPr>
-                      <m:e>
-                        <m:r>
-                          <a:rPr lang="fr-FR" sz="2400" b="0" i="1" smtClean="0">
-                            <a:latin typeface="Cambria Math" panose="02040503050406030204" pitchFamily="18" charset="0"/>
-                          </a:rPr>
-                          <m:t>𝐶</m:t>
-                        </m:r>
-                      </m:e>
-                      <m:sub>
-                        <m:r>
-                          <a:rPr lang="fr-FR" sz="2400" b="0" i="1" smtClean="0">
-                            <a:latin typeface="Cambria Math" panose="02040503050406030204" pitchFamily="18" charset="0"/>
-                          </a:rPr>
-                          <m:t>5</m:t>
-                        </m:r>
-                      </m:sub>
-                      <m:sup>
-                        <m:r>
-                          <a:rPr lang="fr-FR" sz="2400" b="0" i="1" smtClean="0">
-                            <a:latin typeface="Cambria Math" panose="02040503050406030204" pitchFamily="18" charset="0"/>
-                          </a:rPr>
-                          <m:t>𝑡</m:t>
-                        </m:r>
-                      </m:sup>
-                    </m:sSubSup>
-                    <m:r>
-                      <a:rPr lang="fr-FR" sz="2400" b="0" i="1" smtClean="0">
-                        <a:latin typeface="Cambria Math" panose="02040503050406030204" pitchFamily="18" charset="0"/>
-                      </a:rPr>
-                      <m:t>=</m:t>
-                    </m:r>
-                    <m:sSub>
-                      <m:sSubPr>
-                        <m:ctrlPr>
-                          <a:rPr lang="fr-FR" sz="2400" b="0" i="1" smtClean="0">
-                            <a:latin typeface="Cambria Math" panose="02040503050406030204" pitchFamily="18" charset="0"/>
-                          </a:rPr>
-                        </m:ctrlPr>
-                      </m:sSubPr>
-                      <m:e>
-                        <m:r>
-                          <a:rPr lang="fr-FR" sz="2400" b="0" i="1" smtClean="0">
-                            <a:latin typeface="Cambria Math" panose="02040503050406030204" pitchFamily="18" charset="0"/>
-                          </a:rPr>
-                          <m:t>𝐶</m:t>
-                        </m:r>
-                      </m:e>
-                      <m:sub>
-                        <m:r>
-                          <a:rPr lang="fr-FR" sz="2400" b="0" i="1" smtClean="0">
-                            <a:latin typeface="Cambria Math" panose="02040503050406030204" pitchFamily="18" charset="0"/>
-                          </a:rPr>
-                          <m:t>𝑒</m:t>
-                        </m:r>
-                      </m:sub>
-                    </m:sSub>
-                  </m:oMath>
-                </a14:m>
-                <a:endParaRPr lang="fr-FR" sz="2400" dirty="0"/>
-              </a:p>
-              <a:p>
-                <a:r>
-                  <a:rPr lang="fr-FR" sz="2400" dirty="0"/>
-                  <a:t>Conditions initiales : </a:t>
-                </a:r>
-                <a14:m>
-                  <m:oMath xmlns:m="http://schemas.openxmlformats.org/officeDocument/2006/math">
-                    <m:r>
-                      <a:rPr lang="fr-FR" sz="2400" b="0" i="1" smtClean="0">
-                        <a:latin typeface="Cambria Math" panose="02040503050406030204" pitchFamily="18" charset="0"/>
-                      </a:rPr>
-                      <m:t>∀</m:t>
-                    </m:r>
-                    <m:r>
-                      <a:rPr lang="fr-FR" sz="2400" b="0" i="1" smtClean="0">
-                        <a:latin typeface="Cambria Math" panose="02040503050406030204" pitchFamily="18" charset="0"/>
-                      </a:rPr>
-                      <m:t>𝑖</m:t>
-                    </m:r>
-                    <m:r>
-                      <a:rPr lang="fr-FR" sz="2400" b="0" i="1" smtClean="0">
-                        <a:latin typeface="Cambria Math" panose="02040503050406030204" pitchFamily="18" charset="0"/>
-                      </a:rPr>
-                      <m:t>, </m:t>
-                    </m:r>
-                    <m:sSubSup>
-                      <m:sSubSupPr>
-                        <m:ctrlPr>
-                          <a:rPr lang="fr-FR" sz="2400" b="0" i="1" smtClean="0">
-                            <a:latin typeface="Cambria Math" panose="02040503050406030204" pitchFamily="18" charset="0"/>
-                          </a:rPr>
-                        </m:ctrlPr>
-                      </m:sSubSupPr>
-                      <m:e>
-                        <m:r>
-                          <a:rPr lang="fr-FR" sz="2400" b="0" i="1" smtClean="0">
-                            <a:latin typeface="Cambria Math" panose="02040503050406030204" pitchFamily="18" charset="0"/>
-                          </a:rPr>
-                          <m:t>𝐶</m:t>
-                        </m:r>
-                      </m:e>
-                      <m:sub>
-                        <m:r>
-                          <a:rPr lang="fr-FR" sz="2400" b="0" i="1" smtClean="0">
-                            <a:latin typeface="Cambria Math" panose="02040503050406030204" pitchFamily="18" charset="0"/>
-                          </a:rPr>
-                          <m:t>𝑖</m:t>
-                        </m:r>
-                      </m:sub>
-                      <m:sup>
-                        <m:r>
-                          <a:rPr lang="fr-FR" sz="2400" b="0" i="1" smtClean="0">
-                            <a:latin typeface="Cambria Math" panose="02040503050406030204" pitchFamily="18" charset="0"/>
-                          </a:rPr>
-                          <m:t>0</m:t>
-                        </m:r>
-                      </m:sup>
-                    </m:sSubSup>
-                    <m:r>
-                      <a:rPr lang="fr-FR" sz="2400" b="0" i="1" smtClean="0">
-                        <a:latin typeface="Cambria Math" panose="02040503050406030204" pitchFamily="18" charset="0"/>
-                      </a:rPr>
-                      <m:t>=0</m:t>
-                    </m:r>
-                  </m:oMath>
-                </a14:m>
-                <a:endParaRPr lang="fr-FR" sz="2400" dirty="0"/>
               </a:p>
             </p:txBody>
           </p:sp>
@@ -7082,7 +7861,7 @@
               <a:blipFill>
                 <a:blip r:embed="rId2"/>
                 <a:stretch>
-                  <a:fillRect l="-928"/>
+                  <a:fillRect l="-754" b="-2101"/>
                 </a:stretch>
               </a:blipFill>
             </p:spPr>
@@ -7101,6 +7880,35 @@
           </p:sp>
         </mc:Fallback>
       </mc:AlternateContent>
+      <p:sp>
+        <p:nvSpPr>
+          <p:cNvPr id="4" name="Espace réservé du numéro de diapositive 3">
+            <a:extLst>
+              <a:ext uri="{FF2B5EF4-FFF2-40B4-BE49-F238E27FC236}">
+                <a16:creationId xmlns:a16="http://schemas.microsoft.com/office/drawing/2014/main" id="{25CBECCE-EE0B-6467-7717-56BFDCAC6619}"/>
+              </a:ext>
+            </a:extLst>
+          </p:cNvPr>
+          <p:cNvSpPr>
+            <a:spLocks noGrp="1"/>
+          </p:cNvSpPr>
+          <p:nvPr>
+            <p:ph type="sldNum" sz="quarter" idx="12"/>
+          </p:nvPr>
+        </p:nvSpPr>
+        <p:spPr/>
+        <p:txBody>
+          <a:bodyPr/>
+          <a:lstStyle/>
+          <a:p>
+            <a:fld id="{D1861D36-3F08-40F2-A6FB-3D64786A8D8E}" type="slidenum">
+              <a:rPr lang="fr-FR" smtClean="0"/>
+              <a:t>3</a:t>
+            </a:fld>
+            <a:endParaRPr lang="fr-FR"/>
+          </a:p>
+        </p:txBody>
+      </p:sp>
     </p:spTree>
     <p:extLst>
       <p:ext uri="{BB962C8B-B14F-4D97-AF65-F5344CB8AC3E}">
@@ -7148,7 +7956,7 @@
             <p:spPr>
               <a:xfrm>
                 <a:off x="461639" y="426128"/>
-                <a:ext cx="10955044" cy="8133830"/>
+                <a:ext cx="10955044" cy="7802521"/>
               </a:xfrm>
               <a:prstGeom prst="rect">
                 <a:avLst/>
@@ -7401,7 +8209,9 @@
                           </m:dPr>
                           <m:e>
                             <m:r>
-                              <a:rPr lang="fr-FR"/>
+                              <a:rPr lang="fr-FR">
+                                <a:latin typeface="Cambria Math" panose="02040503050406030204" pitchFamily="18" charset="0"/>
+                              </a:rPr>
                               <m:t>​</m:t>
                             </m:r>
                           </m:e>
@@ -7518,7 +8328,9 @@
                           </m:dPr>
                           <m:e>
                             <m:r>
-                              <a:rPr lang="fr-FR"/>
+                              <a:rPr lang="fr-FR">
+                                <a:latin typeface="Cambria Math" panose="02040503050406030204" pitchFamily="18" charset="0"/>
+                              </a:rPr>
                               <m:t>​</m:t>
                             </m:r>
                           </m:e>
@@ -7694,7 +8506,9 @@
                           </m:dPr>
                           <m:e>
                             <m:r>
-                              <a:rPr lang="fr-FR"/>
+                              <a:rPr lang="fr-FR">
+                                <a:latin typeface="Cambria Math" panose="02040503050406030204" pitchFamily="18" charset="0"/>
+                              </a:rPr>
                               <m:t>​</m:t>
                             </m:r>
                           </m:e>
@@ -7773,7 +8587,9 @@
                           </m:dPr>
                           <m:e>
                             <m:r>
-                              <a:rPr lang="fr-FR"/>
+                              <a:rPr lang="fr-FR">
+                                <a:latin typeface="Cambria Math" panose="02040503050406030204" pitchFamily="18" charset="0"/>
+                              </a:rPr>
                               <m:t>​</m:t>
                             </m:r>
                           </m:e>
@@ -7877,7 +8693,9 @@
                           </m:dPr>
                           <m:e>
                             <m:r>
-                              <a:rPr lang="fr-FR"/>
+                              <a:rPr lang="fr-FR">
+                                <a:latin typeface="Cambria Math" panose="02040503050406030204" pitchFamily="18" charset="0"/>
+                              </a:rPr>
                               <m:t>​</m:t>
                             </m:r>
                           </m:e>
@@ -8530,7 +9348,9 @@
                               </m:dPr>
                               <m:e>
                                 <m:r>
-                                  <a:rPr lang="fr-FR"/>
+                                  <a:rPr lang="fr-FR">
+                                    <a:latin typeface="Cambria Math" panose="02040503050406030204" pitchFamily="18" charset="0"/>
+                                  </a:rPr>
                                   <m:t>​</m:t>
                                 </m:r>
                               </m:e>
@@ -8573,7 +9393,7 @@
                         <m:begChr m:val="["/>
                         <m:endChr m:val="]"/>
                         <m:ctrlPr>
-                          <a:rPr lang="fr-FR" b="0" i="0" smtClean="0">
+                          <a:rPr lang="fr-FR" b="0" i="1" smtClean="0">
                             <a:latin typeface="Cambria Math" panose="02040503050406030204" pitchFamily="18" charset="0"/>
                           </a:rPr>
                         </m:ctrlPr>
@@ -8582,7 +9402,7 @@
                         <m:f>
                           <m:fPr>
                             <m:ctrlPr>
-                              <a:rPr lang="fr-FR" b="0" i="0" smtClean="0">
+                              <a:rPr lang="fr-FR" b="0" i="1" smtClean="0">
                                 <a:latin typeface="Cambria Math" panose="02040503050406030204" pitchFamily="18" charset="0"/>
                               </a:rPr>
                             </m:ctrlPr>
@@ -8842,7 +9662,9 @@
                                   </m:dPr>
                                   <m:e>
                                     <m:r>
-                                      <a:rPr lang="fr-FR"/>
+                                      <a:rPr lang="fr-FR">
+                                        <a:latin typeface="Cambria Math" panose="02040503050406030204" pitchFamily="18" charset="0"/>
+                                      </a:rPr>
                                       <m:t>​</m:t>
                                     </m:r>
                                   </m:e>
@@ -9011,7 +9833,9 @@
                                   </m:dPr>
                                   <m:e>
                                     <m:r>
-                                      <a:rPr lang="fr-FR"/>
+                                      <a:rPr lang="fr-FR">
+                                        <a:latin typeface="Cambria Math" panose="02040503050406030204" pitchFamily="18" charset="0"/>
+                                      </a:rPr>
                                       <m:t>​</m:t>
                                     </m:r>
                                   </m:e>
@@ -9747,6 +10571,12 @@
                       </a:rPr>
                       <m:t>𝑟</m:t>
                     </m:r>
+                    <m:r>
+                      <a:rPr lang="fr-FR" b="0" i="1" smtClean="0">
+                        <a:latin typeface="Cambria Math" panose="02040503050406030204" pitchFamily="18" charset="0"/>
+                      </a:rPr>
+                      <m:t>²</m:t>
+                    </m:r>
                     <m:d>
                       <m:dPr>
                         <m:ctrlPr>
@@ -10225,7 +11055,47 @@
                       <a:rPr lang="fr-FR" b="0" i="0" smtClean="0">
                         <a:latin typeface="Cambria Math" panose="02040503050406030204" pitchFamily="18" charset="0"/>
                       </a:rPr>
-                      <m:t>S</m:t>
+                      <m:t>SΔ</m:t>
+                    </m:r>
+                    <m:sSup>
+                      <m:sSupPr>
+                        <m:ctrlPr>
+                          <a:rPr lang="fr-FR" b="0" i="1" smtClean="0">
+                            <a:latin typeface="Cambria Math" panose="02040503050406030204" pitchFamily="18" charset="0"/>
+                          </a:rPr>
+                        </m:ctrlPr>
+                      </m:sSupPr>
+                      <m:e>
+                        <m:r>
+                          <a:rPr lang="fr-FR" b="0" i="1" smtClean="0">
+                            <a:latin typeface="Cambria Math" panose="02040503050406030204" pitchFamily="18" charset="0"/>
+                          </a:rPr>
+                          <m:t>𝑟</m:t>
+                        </m:r>
+                      </m:e>
+                      <m:sup>
+                        <m:r>
+                          <a:rPr lang="fr-FR" b="0" i="1" smtClean="0">
+                            <a:latin typeface="Cambria Math" panose="02040503050406030204" pitchFamily="18" charset="0"/>
+                          </a:rPr>
+                          <m:t>2</m:t>
+                        </m:r>
+                      </m:sup>
+                    </m:sSup>
+                    <m:r>
+                      <m:rPr>
+                        <m:sty m:val="p"/>
+                      </m:rPr>
+                      <a:rPr lang="fr-FR" b="0" i="0" smtClean="0">
+                        <a:latin typeface="Cambria Math" panose="02040503050406030204" pitchFamily="18" charset="0"/>
+                      </a:rPr>
+                      <m:t>Δ</m:t>
+                    </m:r>
+                    <m:r>
+                      <a:rPr lang="fr-FR" b="0" i="1" smtClean="0">
+                        <a:latin typeface="Cambria Math" panose="02040503050406030204" pitchFamily="18" charset="0"/>
+                      </a:rPr>
+                      <m:t>𝑡</m:t>
                     </m:r>
                   </m:oMath>
                 </a14:m>
@@ -10237,6 +11107,37 @@
               <a:p>
                 <a14:m>
                   <m:oMath xmlns:m="http://schemas.openxmlformats.org/officeDocument/2006/math">
+                    <m:sSub>
+                      <m:sSubPr>
+                        <m:ctrlPr>
+                          <a:rPr lang="fr-FR" b="0" i="0" smtClean="0">
+                            <a:latin typeface="Cambria Math" panose="02040503050406030204" pitchFamily="18" charset="0"/>
+                          </a:rPr>
+                        </m:ctrlPr>
+                      </m:sSubPr>
+                      <m:e>
+                        <m:r>
+                          <m:rPr>
+                            <m:sty m:val="p"/>
+                          </m:rPr>
+                          <a:rPr lang="fr-FR" b="0" i="0" smtClean="0">
+                            <a:latin typeface="Cambria Math" panose="02040503050406030204" pitchFamily="18" charset="0"/>
+                          </a:rPr>
+                          <m:t>r</m:t>
+                        </m:r>
+                      </m:e>
+                      <m:sub>
+                        <m:r>
+                          <m:rPr>
+                            <m:sty m:val="p"/>
+                          </m:rPr>
+                          <a:rPr lang="fr-FR" b="0" i="0" smtClean="0">
+                            <a:latin typeface="Cambria Math" panose="02040503050406030204" pitchFamily="18" charset="0"/>
+                          </a:rPr>
+                          <m:t>i</m:t>
+                        </m:r>
+                      </m:sub>
+                    </m:sSub>
                     <m:r>
                       <m:rPr>
                         <m:sty m:val="p"/>
@@ -10246,16 +11147,35 @@
                       </a:rPr>
                       <m:t>Δ</m:t>
                     </m:r>
-                    <m:r>
-                      <a:rPr lang="fr-FR" b="0" i="1" smtClean="0">
-                        <a:latin typeface="Cambria Math" panose="02040503050406030204" pitchFamily="18" charset="0"/>
-                      </a:rPr>
-                      <m:t>𝑟</m:t>
-                    </m:r>
+                    <m:sSup>
+                      <m:sSupPr>
+                        <m:ctrlPr>
+                          <a:rPr lang="fr-FR" b="0" i="1" smtClean="0">
+                            <a:latin typeface="Cambria Math" panose="02040503050406030204" pitchFamily="18" charset="0"/>
+                          </a:rPr>
+                        </m:ctrlPr>
+                      </m:sSupPr>
+                      <m:e>
+                        <m:r>
+                          <a:rPr lang="fr-FR" b="0" i="1" smtClean="0">
+                            <a:latin typeface="Cambria Math" panose="02040503050406030204" pitchFamily="18" charset="0"/>
+                          </a:rPr>
+                          <m:t>𝑟</m:t>
+                        </m:r>
+                      </m:e>
+                      <m:sup>
+                        <m:r>
+                          <a:rPr lang="fr-FR" b="0" i="1" smtClean="0">
+                            <a:latin typeface="Cambria Math" panose="02040503050406030204" pitchFamily="18" charset="0"/>
+                          </a:rPr>
+                          <m:t>2</m:t>
+                        </m:r>
+                      </m:sup>
+                    </m:sSup>
                     <m:sSubSup>
                       <m:sSubSupPr>
                         <m:ctrlPr>
-                          <a:rPr lang="fr-FR" i="1" smtClean="0">
+                          <a:rPr lang="fr-FR" i="1">
                             <a:latin typeface="Cambria Math" panose="02040503050406030204" pitchFamily="18" charset="0"/>
                           </a:rPr>
                         </m:ctrlPr>
@@ -10406,71 +11326,52 @@
                             </m:ctrlPr>
                           </m:dPr>
                           <m:e>
-                            <m:r>
-                              <a:rPr lang="fr-FR" b="0" i="1" smtClean="0">
-                                <a:latin typeface="Cambria Math" panose="02040503050406030204" pitchFamily="18" charset="0"/>
-                              </a:rPr>
-                              <m:t>1+</m:t>
-                            </m:r>
-                            <m:f>
-                              <m:fPr>
+                            <m:sSub>
+                              <m:sSubPr>
                                 <m:ctrlPr>
-                                  <a:rPr lang="fr-FR" i="1" smtClean="0">
+                                  <a:rPr lang="fr-FR" b="0" i="1" smtClean="0">
                                     <a:latin typeface="Cambria Math" panose="02040503050406030204" pitchFamily="18" charset="0"/>
                                   </a:rPr>
                                 </m:ctrlPr>
-                              </m:fPr>
-                              <m:num>
-                                <m:r>
-                                  <m:rPr>
-                                    <m:sty m:val="p"/>
-                                  </m:rPr>
-                                  <a:rPr lang="fr-FR" b="0" i="0" smtClean="0">
-                                    <a:latin typeface="Cambria Math" panose="02040503050406030204" pitchFamily="18" charset="0"/>
-                                  </a:rPr>
-                                  <m:t>Δ</m:t>
-                                </m:r>
+                              </m:sSubPr>
+                              <m:e>
                                 <m:r>
                                   <a:rPr lang="fr-FR" b="0" i="1" smtClean="0">
                                     <a:latin typeface="Cambria Math" panose="02040503050406030204" pitchFamily="18" charset="0"/>
                                   </a:rPr>
                                   <m:t>𝑟</m:t>
                                 </m:r>
-                              </m:num>
-                              <m:den>
-                                <m:sSub>
-                                  <m:sSubPr>
-                                    <m:ctrlPr>
-                                      <a:rPr lang="fr-FR" i="1">
-                                        <a:latin typeface="Cambria Math" panose="02040503050406030204" pitchFamily="18" charset="0"/>
-                                      </a:rPr>
-                                    </m:ctrlPr>
-                                  </m:sSubPr>
-                                  <m:e>
-                                    <m:r>
-                                      <m:rPr>
-                                        <m:sty m:val="p"/>
-                                      </m:rPr>
-                                      <a:rPr lang="fr-FR">
-                                        <a:latin typeface="Cambria Math" panose="02040503050406030204" pitchFamily="18" charset="0"/>
-                                      </a:rPr>
-                                      <m:t>r</m:t>
-                                    </m:r>
-                                  </m:e>
-                                  <m:sub>
-                                    <m:r>
-                                      <m:rPr>
-                                        <m:sty m:val="p"/>
-                                      </m:rPr>
-                                      <a:rPr lang="fr-FR">
-                                        <a:latin typeface="Cambria Math" panose="02040503050406030204" pitchFamily="18" charset="0"/>
-                                      </a:rPr>
-                                      <m:t>i</m:t>
-                                    </m:r>
-                                  </m:sub>
-                                </m:sSub>
-                              </m:den>
-                            </m:f>
+                              </m:e>
+                              <m:sub>
+                                <m:r>
+                                  <a:rPr lang="fr-FR" b="0" i="1" smtClean="0">
+                                    <a:latin typeface="Cambria Math" panose="02040503050406030204" pitchFamily="18" charset="0"/>
+                                  </a:rPr>
+                                  <m:t>𝑖</m:t>
+                                </m:r>
+                              </m:sub>
+                            </m:sSub>
+                            <m:r>
+                              <a:rPr lang="fr-FR" b="0" i="1" smtClean="0">
+                                <a:latin typeface="Cambria Math" panose="02040503050406030204" pitchFamily="18" charset="0"/>
+                              </a:rPr>
+                              <m:t>+</m:t>
+                            </m:r>
+                            <m:r>
+                              <m:rPr>
+                                <m:sty m:val="p"/>
+                              </m:rPr>
+                              <a:rPr lang="fr-FR" b="0" i="0" smtClean="0">
+                                <a:latin typeface="Cambria Math" panose="02040503050406030204" pitchFamily="18" charset="0"/>
+                              </a:rPr>
+                              <m:t>Δ</m:t>
+                            </m:r>
+                            <m:r>
+                              <a:rPr lang="fr-FR" b="0" i="1" smtClean="0">
+                                <a:latin typeface="Cambria Math" panose="02040503050406030204" pitchFamily="18" charset="0"/>
+                              </a:rPr>
+                              <m:t>𝑟</m:t>
+                            </m:r>
                           </m:e>
                         </m:d>
                         <m:r>
@@ -10494,71 +11395,52 @@
                               </a:rPr>
                               <m:t>2</m:t>
                             </m:r>
-                            <m:r>
-                              <a:rPr lang="fr-FR" b="0" i="1" smtClean="0">
-                                <a:latin typeface="Cambria Math" panose="02040503050406030204" pitchFamily="18" charset="0"/>
-                              </a:rPr>
-                              <m:t>+</m:t>
-                            </m:r>
-                            <m:f>
-                              <m:fPr>
+                            <m:sSub>
+                              <m:sSubPr>
                                 <m:ctrlPr>
-                                  <a:rPr lang="fr-FR" i="1" smtClean="0">
+                                  <a:rPr lang="fr-FR" b="0" i="1" smtClean="0">
                                     <a:latin typeface="Cambria Math" panose="02040503050406030204" pitchFamily="18" charset="0"/>
                                   </a:rPr>
                                 </m:ctrlPr>
-                              </m:fPr>
-                              <m:num>
-                                <m:r>
-                                  <m:rPr>
-                                    <m:sty m:val="p"/>
-                                  </m:rPr>
-                                  <a:rPr lang="fr-FR" b="0" i="0" smtClean="0">
-                                    <a:latin typeface="Cambria Math" panose="02040503050406030204" pitchFamily="18" charset="0"/>
-                                  </a:rPr>
-                                  <m:t>Δ</m:t>
-                                </m:r>
+                              </m:sSubPr>
+                              <m:e>
                                 <m:r>
                                   <a:rPr lang="fr-FR" b="0" i="1" smtClean="0">
                                     <a:latin typeface="Cambria Math" panose="02040503050406030204" pitchFamily="18" charset="0"/>
                                   </a:rPr>
                                   <m:t>𝑟</m:t>
                                 </m:r>
-                              </m:num>
-                              <m:den>
-                                <m:sSub>
-                                  <m:sSubPr>
-                                    <m:ctrlPr>
-                                      <a:rPr lang="fr-FR" i="1">
-                                        <a:latin typeface="Cambria Math" panose="02040503050406030204" pitchFamily="18" charset="0"/>
-                                      </a:rPr>
-                                    </m:ctrlPr>
-                                  </m:sSubPr>
-                                  <m:e>
-                                    <m:r>
-                                      <m:rPr>
-                                        <m:sty m:val="p"/>
-                                      </m:rPr>
-                                      <a:rPr lang="fr-FR">
-                                        <a:latin typeface="Cambria Math" panose="02040503050406030204" pitchFamily="18" charset="0"/>
-                                      </a:rPr>
-                                      <m:t>r</m:t>
-                                    </m:r>
-                                  </m:e>
-                                  <m:sub>
-                                    <m:r>
-                                      <m:rPr>
-                                        <m:sty m:val="p"/>
-                                      </m:rPr>
-                                      <a:rPr lang="fr-FR">
-                                        <a:latin typeface="Cambria Math" panose="02040503050406030204" pitchFamily="18" charset="0"/>
-                                      </a:rPr>
-                                      <m:t>i</m:t>
-                                    </m:r>
-                                  </m:sub>
-                                </m:sSub>
-                              </m:den>
-                            </m:f>
+                              </m:e>
+                              <m:sub>
+                                <m:r>
+                                  <a:rPr lang="fr-FR" b="0" i="1" smtClean="0">
+                                    <a:latin typeface="Cambria Math" panose="02040503050406030204" pitchFamily="18" charset="0"/>
+                                  </a:rPr>
+                                  <m:t>𝑖</m:t>
+                                </m:r>
+                              </m:sub>
+                            </m:sSub>
+                            <m:r>
+                              <a:rPr lang="fr-FR" b="0" i="1" smtClean="0">
+                                <a:latin typeface="Cambria Math" panose="02040503050406030204" pitchFamily="18" charset="0"/>
+                              </a:rPr>
+                              <m:t>+</m:t>
+                            </m:r>
+                            <m:r>
+                              <m:rPr>
+                                <m:sty m:val="p"/>
+                              </m:rPr>
+                              <a:rPr lang="fr-FR" b="0" i="0" smtClean="0">
+                                <a:latin typeface="Cambria Math" panose="02040503050406030204" pitchFamily="18" charset="0"/>
+                              </a:rPr>
+                              <m:t>Δ</m:t>
+                            </m:r>
+                            <m:r>
+                              <a:rPr lang="fr-FR" b="0" i="1" smtClean="0">
+                                <a:latin typeface="Cambria Math" panose="02040503050406030204" pitchFamily="18" charset="0"/>
+                              </a:rPr>
+                              <m:t>𝑟</m:t>
+                            </m:r>
                           </m:e>
                         </m:d>
                         <m:sSubSup>
@@ -10615,6 +11497,31 @@
                             </m:ctrlPr>
                           </m:sSubSupPr>
                           <m:e>
+                            <m:sSub>
+                              <m:sSubPr>
+                                <m:ctrlPr>
+                                  <a:rPr lang="fr-FR" b="0" i="1" smtClean="0">
+                                    <a:latin typeface="Cambria Math" panose="02040503050406030204" pitchFamily="18" charset="0"/>
+                                  </a:rPr>
+                                </m:ctrlPr>
+                              </m:sSubPr>
+                              <m:e>
+                                <m:r>
+                                  <a:rPr lang="fr-FR" b="0" i="1" smtClean="0">
+                                    <a:latin typeface="Cambria Math" panose="02040503050406030204" pitchFamily="18" charset="0"/>
+                                  </a:rPr>
+                                  <m:t>𝑟</m:t>
+                                </m:r>
+                              </m:e>
+                              <m:sub>
+                                <m:r>
+                                  <a:rPr lang="fr-FR" b="0" i="1" smtClean="0">
+                                    <a:latin typeface="Cambria Math" panose="02040503050406030204" pitchFamily="18" charset="0"/>
+                                  </a:rPr>
+                                  <m:t>𝑖</m:t>
+                                </m:r>
+                              </m:sub>
+                            </m:sSub>
                             <m:r>
                               <a:rPr lang="fr-FR" i="1">
                                 <a:latin typeface="Cambria Math" panose="02040503050406030204" pitchFamily="18" charset="0"/>
@@ -10666,14 +11573,33 @@
                       <a:rPr lang="fr-FR" b="0" i="0" smtClean="0">
                         <a:latin typeface="Cambria Math" panose="02040503050406030204" pitchFamily="18" charset="0"/>
                       </a:rPr>
-                      <m:t>S</m:t>
-                    </m:r>
-                    <m:r>
-                      <a:rPr lang="fr-FR" b="0" i="0" smtClean="0">
-                        <a:latin typeface="Cambria Math" panose="02040503050406030204" pitchFamily="18" charset="0"/>
-                      </a:rPr>
-                      <m:t>+</m:t>
-                    </m:r>
+                      <m:t>Δ</m:t>
+                    </m:r>
+                    <m:sSup>
+                      <m:sSupPr>
+                        <m:ctrlPr>
+                          <a:rPr lang="fr-FR" b="0" i="1" smtClean="0">
+                            <a:latin typeface="Cambria Math" panose="02040503050406030204" pitchFamily="18" charset="0"/>
+                          </a:rPr>
+                        </m:ctrlPr>
+                      </m:sSupPr>
+                      <m:e>
+                        <m:r>
+                          <a:rPr lang="fr-FR" b="0" i="1" smtClean="0">
+                            <a:latin typeface="Cambria Math" panose="02040503050406030204" pitchFamily="18" charset="0"/>
+                          </a:rPr>
+                          <m:t>𝑟</m:t>
+                        </m:r>
+                      </m:e>
+                      <m:sup>
+                        <m:r>
+                          <a:rPr lang="fr-FR" b="0" i="1" smtClean="0">
+                            <a:latin typeface="Cambria Math" panose="02040503050406030204" pitchFamily="18" charset="0"/>
+                          </a:rPr>
+                          <m:t>2</m:t>
+                        </m:r>
+                      </m:sup>
+                    </m:sSup>
                     <m:r>
                       <m:rPr>
                         <m:sty m:val="p"/>
@@ -10681,6 +11607,98 @@
                       <a:rPr lang="fr-FR" b="0" i="0" smtClean="0">
                         <a:latin typeface="Cambria Math" panose="02040503050406030204" pitchFamily="18" charset="0"/>
                       </a:rPr>
+                      <m:t>Δt</m:t>
+                    </m:r>
+                    <m:r>
+                      <a:rPr lang="fr-FR" b="0" i="0" smtClean="0">
+                        <a:latin typeface="Cambria Math" panose="02040503050406030204" pitchFamily="18" charset="0"/>
+                      </a:rPr>
+                      <m:t>.</m:t>
+                    </m:r>
+                    <m:sSub>
+                      <m:sSubPr>
+                        <m:ctrlPr>
+                          <a:rPr lang="fr-FR" b="0" i="0" smtClean="0">
+                            <a:latin typeface="Cambria Math" panose="02040503050406030204" pitchFamily="18" charset="0"/>
+                          </a:rPr>
+                        </m:ctrlPr>
+                      </m:sSubPr>
+                      <m:e>
+                        <m:r>
+                          <m:rPr>
+                            <m:sty m:val="p"/>
+                          </m:rPr>
+                          <a:rPr lang="fr-FR" b="0" i="0" smtClean="0">
+                            <a:latin typeface="Cambria Math" panose="02040503050406030204" pitchFamily="18" charset="0"/>
+                          </a:rPr>
+                          <m:t>r</m:t>
+                        </m:r>
+                      </m:e>
+                      <m:sub>
+                        <m:r>
+                          <m:rPr>
+                            <m:sty m:val="p"/>
+                          </m:rPr>
+                          <a:rPr lang="fr-FR" b="0" i="0" smtClean="0">
+                            <a:latin typeface="Cambria Math" panose="02040503050406030204" pitchFamily="18" charset="0"/>
+                          </a:rPr>
+                          <m:t>i</m:t>
+                        </m:r>
+                      </m:sub>
+                    </m:sSub>
+                    <m:r>
+                      <m:rPr>
+                        <m:sty m:val="p"/>
+                      </m:rPr>
+                      <a:rPr lang="fr-FR" b="0" i="0" smtClean="0">
+                        <a:latin typeface="Cambria Math" panose="02040503050406030204" pitchFamily="18" charset="0"/>
+                      </a:rPr>
+                      <m:t>S</m:t>
+                    </m:r>
+                    <m:r>
+                      <a:rPr lang="fr-FR" b="0" i="0" smtClean="0">
+                        <a:latin typeface="Cambria Math" panose="02040503050406030204" pitchFamily="18" charset="0"/>
+                      </a:rPr>
+                      <m:t>+</m:t>
+                    </m:r>
+                    <m:sSub>
+                      <m:sSubPr>
+                        <m:ctrlPr>
+                          <a:rPr lang="fr-FR" b="0" i="0" smtClean="0">
+                            <a:latin typeface="Cambria Math" panose="02040503050406030204" pitchFamily="18" charset="0"/>
+                          </a:rPr>
+                        </m:ctrlPr>
+                      </m:sSubPr>
+                      <m:e>
+                        <m:r>
+                          <m:rPr>
+                            <m:sty m:val="p"/>
+                          </m:rPr>
+                          <a:rPr lang="fr-FR" b="0" i="0" smtClean="0">
+                            <a:latin typeface="Cambria Math" panose="02040503050406030204" pitchFamily="18" charset="0"/>
+                          </a:rPr>
+                          <m:t>r</m:t>
+                        </m:r>
+                      </m:e>
+                      <m:sub>
+                        <m:r>
+                          <m:rPr>
+                            <m:sty m:val="p"/>
+                          </m:rPr>
+                          <a:rPr lang="fr-FR" b="0" i="0" smtClean="0">
+                            <a:latin typeface="Cambria Math" panose="02040503050406030204" pitchFamily="18" charset="0"/>
+                          </a:rPr>
+                          <m:t>i</m:t>
+                        </m:r>
+                      </m:sub>
+                    </m:sSub>
+                    <m:r>
+                      <m:rPr>
+                        <m:sty m:val="p"/>
+                      </m:rPr>
+                      <a:rPr lang="fr-FR" b="0" i="0" smtClean="0">
+                        <a:latin typeface="Cambria Math" panose="02040503050406030204" pitchFamily="18" charset="0"/>
+                      </a:rPr>
                       <m:t>Δ</m:t>
                     </m:r>
                     <m:r>
@@ -10698,6 +11716,12 @@
                         </m:ctrlPr>
                       </m:sSubSupPr>
                       <m:e>
+                        <m:r>
+                          <a:rPr lang="fr-FR" b="0" i="1" smtClean="0">
+                            <a:latin typeface="Cambria Math" panose="02040503050406030204" pitchFamily="18" charset="0"/>
+                          </a:rPr>
+                          <m:t>²</m:t>
+                        </m:r>
                         <m:r>
                           <a:rPr lang="fr-FR" i="1">
                             <a:latin typeface="Cambria Math" panose="02040503050406030204" pitchFamily="18" charset="0"/>
@@ -10747,6 +11771,37 @@
                           </a:rPr>
                           <m:t>−</m:t>
                         </m:r>
+                        <m:sSub>
+                          <m:sSubPr>
+                            <m:ctrlPr>
+                              <a:rPr lang="fr-FR" b="0" i="0" smtClean="0">
+                                <a:latin typeface="Cambria Math" panose="02040503050406030204" pitchFamily="18" charset="0"/>
+                              </a:rPr>
+                            </m:ctrlPr>
+                          </m:sSubPr>
+                          <m:e>
+                            <m:r>
+                              <m:rPr>
+                                <m:sty m:val="p"/>
+                              </m:rPr>
+                              <a:rPr lang="fr-FR" b="0" i="0" smtClean="0">
+                                <a:latin typeface="Cambria Math" panose="02040503050406030204" pitchFamily="18" charset="0"/>
+                              </a:rPr>
+                              <m:t>r</m:t>
+                            </m:r>
+                          </m:e>
+                          <m:sub>
+                            <m:r>
+                              <m:rPr>
+                                <m:sty m:val="p"/>
+                              </m:rPr>
+                              <a:rPr lang="fr-FR" b="0" i="0" smtClean="0">
+                                <a:latin typeface="Cambria Math" panose="02040503050406030204" pitchFamily="18" charset="0"/>
+                              </a:rPr>
+                              <m:t>i</m:t>
+                            </m:r>
+                          </m:sub>
+                        </m:sSub>
                         <m:r>
                           <m:rPr>
                             <m:sty m:val="p"/>
@@ -10844,12 +11899,43 @@
                     <m:d>
                       <m:dPr>
                         <m:ctrlPr>
-                          <a:rPr lang="fr-FR" b="0" i="0" smtClean="0">
+                          <a:rPr lang="fr-FR" b="0" i="1" smtClean="0">
                             <a:latin typeface="Cambria Math" panose="02040503050406030204" pitchFamily="18" charset="0"/>
                           </a:rPr>
                         </m:ctrlPr>
                       </m:dPr>
                       <m:e>
+                        <m:sSub>
+                          <m:sSubPr>
+                            <m:ctrlPr>
+                              <a:rPr lang="fr-FR" b="0" i="0" smtClean="0">
+                                <a:latin typeface="Cambria Math" panose="02040503050406030204" pitchFamily="18" charset="0"/>
+                              </a:rPr>
+                            </m:ctrlPr>
+                          </m:sSubPr>
+                          <m:e>
+                            <m:r>
+                              <m:rPr>
+                                <m:sty m:val="p"/>
+                              </m:rPr>
+                              <a:rPr lang="fr-FR" b="0" i="0" smtClean="0">
+                                <a:latin typeface="Cambria Math" panose="02040503050406030204" pitchFamily="18" charset="0"/>
+                              </a:rPr>
+                              <m:t>r</m:t>
+                            </m:r>
+                          </m:e>
+                          <m:sub>
+                            <m:r>
+                              <m:rPr>
+                                <m:sty m:val="p"/>
+                              </m:rPr>
+                              <a:rPr lang="fr-FR" b="0" i="0" smtClean="0">
+                                <a:latin typeface="Cambria Math" panose="02040503050406030204" pitchFamily="18" charset="0"/>
+                              </a:rPr>
+                              <m:t>i</m:t>
+                            </m:r>
+                          </m:sub>
+                        </m:sSub>
                         <m:r>
                           <m:rPr>
                             <m:sty m:val="p"/>
@@ -10864,6 +11950,12 @@
                             <a:latin typeface="Cambria Math" panose="02040503050406030204" pitchFamily="18" charset="0"/>
                           </a:rPr>
                           <m:t>𝑟</m:t>
+                        </m:r>
+                        <m:r>
+                          <a:rPr lang="fr-FR" b="0" i="1" smtClean="0">
+                            <a:latin typeface="Cambria Math" panose="02040503050406030204" pitchFamily="18" charset="0"/>
+                          </a:rPr>
+                          <m:t>²</m:t>
                         </m:r>
                         <m:r>
                           <a:rPr lang="fr-FR" b="0" i="1" smtClean="0">
@@ -10932,71 +12024,52 @@
                               </a:rPr>
                               <m:t>2</m:t>
                             </m:r>
-                            <m:r>
-                              <a:rPr lang="fr-FR" b="0" i="1" smtClean="0">
-                                <a:latin typeface="Cambria Math" panose="02040503050406030204" pitchFamily="18" charset="0"/>
-                              </a:rPr>
-                              <m:t>+</m:t>
-                            </m:r>
-                            <m:f>
-                              <m:fPr>
+                            <m:sSub>
+                              <m:sSubPr>
                                 <m:ctrlPr>
-                                  <a:rPr lang="fr-FR" i="1" smtClean="0">
+                                  <a:rPr lang="fr-FR" b="0" i="1" smtClean="0">
                                     <a:latin typeface="Cambria Math" panose="02040503050406030204" pitchFamily="18" charset="0"/>
                                   </a:rPr>
                                 </m:ctrlPr>
-                              </m:fPr>
-                              <m:num>
-                                <m:r>
-                                  <m:rPr>
-                                    <m:sty m:val="p"/>
-                                  </m:rPr>
-                                  <a:rPr lang="fr-FR" b="0" i="0" smtClean="0">
-                                    <a:latin typeface="Cambria Math" panose="02040503050406030204" pitchFamily="18" charset="0"/>
-                                  </a:rPr>
-                                  <m:t>Δ</m:t>
-                                </m:r>
+                              </m:sSubPr>
+                              <m:e>
                                 <m:r>
                                   <a:rPr lang="fr-FR" b="0" i="1" smtClean="0">
                                     <a:latin typeface="Cambria Math" panose="02040503050406030204" pitchFamily="18" charset="0"/>
                                   </a:rPr>
                                   <m:t>𝑟</m:t>
                                 </m:r>
-                              </m:num>
-                              <m:den>
-                                <m:sSub>
-                                  <m:sSubPr>
-                                    <m:ctrlPr>
-                                      <a:rPr lang="fr-FR" i="1">
-                                        <a:latin typeface="Cambria Math" panose="02040503050406030204" pitchFamily="18" charset="0"/>
-                                      </a:rPr>
-                                    </m:ctrlPr>
-                                  </m:sSubPr>
-                                  <m:e>
-                                    <m:r>
-                                      <m:rPr>
-                                        <m:sty m:val="p"/>
-                                      </m:rPr>
-                                      <a:rPr lang="fr-FR">
-                                        <a:latin typeface="Cambria Math" panose="02040503050406030204" pitchFamily="18" charset="0"/>
-                                      </a:rPr>
-                                      <m:t>r</m:t>
-                                    </m:r>
-                                  </m:e>
-                                  <m:sub>
-                                    <m:r>
-                                      <m:rPr>
-                                        <m:sty m:val="p"/>
-                                      </m:rPr>
-                                      <a:rPr lang="fr-FR">
-                                        <a:latin typeface="Cambria Math" panose="02040503050406030204" pitchFamily="18" charset="0"/>
-                                      </a:rPr>
-                                      <m:t>i</m:t>
-                                    </m:r>
-                                  </m:sub>
-                                </m:sSub>
-                              </m:den>
-                            </m:f>
+                              </m:e>
+                              <m:sub>
+                                <m:r>
+                                  <a:rPr lang="fr-FR" b="0" i="1" smtClean="0">
+                                    <a:latin typeface="Cambria Math" panose="02040503050406030204" pitchFamily="18" charset="0"/>
+                                  </a:rPr>
+                                  <m:t>𝑖</m:t>
+                                </m:r>
+                              </m:sub>
+                            </m:sSub>
+                            <m:r>
+                              <a:rPr lang="fr-FR" b="0" i="1" smtClean="0">
+                                <a:latin typeface="Cambria Math" panose="02040503050406030204" pitchFamily="18" charset="0"/>
+                              </a:rPr>
+                              <m:t>+</m:t>
+                            </m:r>
+                            <m:r>
+                              <m:rPr>
+                                <m:sty m:val="p"/>
+                              </m:rPr>
+                              <a:rPr lang="fr-FR" b="0" i="0" smtClean="0">
+                                <a:latin typeface="Cambria Math" panose="02040503050406030204" pitchFamily="18" charset="0"/>
+                              </a:rPr>
+                              <m:t>Δ</m:t>
+                            </m:r>
+                            <m:r>
+                              <a:rPr lang="fr-FR" b="0" i="1" smtClean="0">
+                                <a:latin typeface="Cambria Math" panose="02040503050406030204" pitchFamily="18" charset="0"/>
+                              </a:rPr>
+                              <m:t>𝑟</m:t>
+                            </m:r>
                           </m:e>
                         </m:d>
                       </m:e>
@@ -11101,71 +12174,52 @@
                         </m:ctrlPr>
                       </m:dPr>
                       <m:e>
+                        <m:sSub>
+                          <m:sSubPr>
+                            <m:ctrlPr>
+                              <a:rPr lang="fr-FR" b="0" i="1" smtClean="0">
+                                <a:latin typeface="Cambria Math" panose="02040503050406030204" pitchFamily="18" charset="0"/>
+                              </a:rPr>
+                            </m:ctrlPr>
+                          </m:sSubPr>
+                          <m:e>
+                            <m:r>
+                              <a:rPr lang="fr-FR" b="0" i="1" smtClean="0">
+                                <a:latin typeface="Cambria Math" panose="02040503050406030204" pitchFamily="18" charset="0"/>
+                              </a:rPr>
+                              <m:t>𝑟</m:t>
+                            </m:r>
+                          </m:e>
+                          <m:sub>
+                            <m:r>
+                              <a:rPr lang="fr-FR" b="0" i="1" smtClean="0">
+                                <a:latin typeface="Cambria Math" panose="02040503050406030204" pitchFamily="18" charset="0"/>
+                              </a:rPr>
+                              <m:t>𝑖</m:t>
+                            </m:r>
+                          </m:sub>
+                        </m:sSub>
                         <m:r>
                           <a:rPr lang="fr-FR" b="0" i="1" smtClean="0">
                             <a:latin typeface="Cambria Math" panose="02040503050406030204" pitchFamily="18" charset="0"/>
                           </a:rPr>
-                          <m:t>1+</m:t>
-                        </m:r>
-                        <m:f>
-                          <m:fPr>
-                            <m:ctrlPr>
-                              <a:rPr lang="fr-FR" i="1" smtClean="0">
-                                <a:latin typeface="Cambria Math" panose="02040503050406030204" pitchFamily="18" charset="0"/>
-                              </a:rPr>
-                            </m:ctrlPr>
-                          </m:fPr>
-                          <m:num>
-                            <m:r>
-                              <m:rPr>
-                                <m:sty m:val="p"/>
-                              </m:rPr>
-                              <a:rPr lang="fr-FR" b="0" i="0" smtClean="0">
-                                <a:latin typeface="Cambria Math" panose="02040503050406030204" pitchFamily="18" charset="0"/>
-                              </a:rPr>
-                              <m:t>Δ</m:t>
-                            </m:r>
-                            <m:r>
-                              <a:rPr lang="fr-FR" b="0" i="1" smtClean="0">
-                                <a:latin typeface="Cambria Math" panose="02040503050406030204" pitchFamily="18" charset="0"/>
-                              </a:rPr>
-                              <m:t>𝑟</m:t>
-                            </m:r>
-                          </m:num>
-                          <m:den>
-                            <m:sSub>
-                              <m:sSubPr>
-                                <m:ctrlPr>
-                                  <a:rPr lang="fr-FR" i="1">
-                                    <a:latin typeface="Cambria Math" panose="02040503050406030204" pitchFamily="18" charset="0"/>
-                                  </a:rPr>
-                                </m:ctrlPr>
-                              </m:sSubPr>
-                              <m:e>
-                                <m:r>
-                                  <m:rPr>
-                                    <m:sty m:val="p"/>
-                                  </m:rPr>
-                                  <a:rPr lang="fr-FR">
-                                    <a:latin typeface="Cambria Math" panose="02040503050406030204" pitchFamily="18" charset="0"/>
-                                  </a:rPr>
-                                  <m:t>r</m:t>
-                                </m:r>
-                              </m:e>
-                              <m:sub>
-                                <m:r>
-                                  <m:rPr>
-                                    <m:sty m:val="p"/>
-                                  </m:rPr>
-                                  <a:rPr lang="fr-FR">
-                                    <a:latin typeface="Cambria Math" panose="02040503050406030204" pitchFamily="18" charset="0"/>
-                                  </a:rPr>
-                                  <m:t>i</m:t>
-                                </m:r>
-                              </m:sub>
-                            </m:sSub>
-                          </m:den>
-                        </m:f>
+                          <m:t>+</m:t>
+                        </m:r>
+                        <m:r>
+                          <m:rPr>
+                            <m:sty m:val="p"/>
+                          </m:rPr>
+                          <a:rPr lang="fr-FR" b="0" i="0" smtClean="0">
+                            <a:latin typeface="Cambria Math" panose="02040503050406030204" pitchFamily="18" charset="0"/>
+                          </a:rPr>
+                          <m:t>Δ</m:t>
+                        </m:r>
+                        <m:r>
+                          <a:rPr lang="fr-FR" b="0" i="1" smtClean="0">
+                            <a:latin typeface="Cambria Math" panose="02040503050406030204" pitchFamily="18" charset="0"/>
+                          </a:rPr>
+                          <m:t>𝑟</m:t>
+                        </m:r>
                       </m:e>
                     </m:d>
                     <m:sSubSup>
@@ -11219,6 +12273,75 @@
                       </a:rPr>
                       <m:t>=−</m:t>
                     </m:r>
+                    <m:sSubSup>
+                      <m:sSubSupPr>
+                        <m:ctrlPr>
+                          <a:rPr lang="fr-FR" b="0" i="1" smtClean="0">
+                            <a:latin typeface="Cambria Math" panose="02040503050406030204" pitchFamily="18" charset="0"/>
+                          </a:rPr>
+                        </m:ctrlPr>
+                      </m:sSubSupPr>
+                      <m:e>
+                        <m:r>
+                          <m:rPr>
+                            <m:sty m:val="p"/>
+                          </m:rPr>
+                          <a:rPr lang="fr-FR" b="0" i="0" smtClean="0">
+                            <a:latin typeface="Cambria Math" panose="02040503050406030204" pitchFamily="18" charset="0"/>
+                          </a:rPr>
+                          <m:t>S</m:t>
+                        </m:r>
+                        <m:r>
+                          <m:rPr>
+                            <m:sty m:val="p"/>
+                          </m:rPr>
+                          <a:rPr lang="fr-FR" b="0" i="0" smtClean="0">
+                            <a:latin typeface="Cambria Math" panose="02040503050406030204" pitchFamily="18" charset="0"/>
+                          </a:rPr>
+                          <m:t>Δ</m:t>
+                        </m:r>
+                        <m:r>
+                          <a:rPr lang="fr-FR" b="0" i="1" smtClean="0">
+                            <a:latin typeface="Cambria Math" panose="02040503050406030204" pitchFamily="18" charset="0"/>
+                          </a:rPr>
+                          <m:t>𝑡</m:t>
+                        </m:r>
+                        <m:r>
+                          <m:rPr>
+                            <m:sty m:val="p"/>
+                          </m:rPr>
+                          <a:rPr lang="fr-FR" b="0" i="0" smtClean="0">
+                            <a:latin typeface="Cambria Math" panose="02040503050406030204" pitchFamily="18" charset="0"/>
+                          </a:rPr>
+                          <m:t>Δ</m:t>
+                        </m:r>
+                        <m:r>
+                          <a:rPr lang="fr-FR" b="0" i="1" smtClean="0">
+                            <a:latin typeface="Cambria Math" panose="02040503050406030204" pitchFamily="18" charset="0"/>
+                          </a:rPr>
+                          <m:t>𝑟</m:t>
+                        </m:r>
+                      </m:e>
+                      <m:sub>
+                        <m:r>
+                          <m:rPr>
+                            <m:sty m:val="p"/>
+                          </m:rPr>
+                          <a:rPr lang="fr-FR" b="0" i="0" smtClean="0">
+                            <a:latin typeface="Cambria Math" panose="02040503050406030204" pitchFamily="18" charset="0"/>
+                          </a:rPr>
+                          <m:t>i</m:t>
+                        </m:r>
+                      </m:sub>
+                      <m:sup>
+                        <m:r>
+                          <a:rPr lang="fr-FR" b="0" i="1" smtClean="0">
+                            <a:latin typeface="Cambria Math" panose="02040503050406030204" pitchFamily="18" charset="0"/>
+                          </a:rPr>
+                          <m:t>2</m:t>
+                        </m:r>
+                      </m:sup>
+                    </m:sSubSup>
                     <m:r>
                       <m:rPr>
                         <m:sty m:val="p"/>
@@ -11226,7 +12349,7 @@
                       <a:rPr lang="fr-FR" b="0" i="0" smtClean="0">
                         <a:latin typeface="Cambria Math" panose="02040503050406030204" pitchFamily="18" charset="0"/>
                       </a:rPr>
-                      <m:t>S</m:t>
+                      <m:t>r</m:t>
                     </m:r>
                     <m:r>
                       <a:rPr lang="fr-FR" b="0" i="0" smtClean="0">
@@ -11234,6 +12357,37 @@
                       </a:rPr>
                       <m:t>+</m:t>
                     </m:r>
+                    <m:sSub>
+                      <m:sSubPr>
+                        <m:ctrlPr>
+                          <a:rPr lang="fr-FR" b="0" i="0" smtClean="0">
+                            <a:latin typeface="Cambria Math" panose="02040503050406030204" pitchFamily="18" charset="0"/>
+                          </a:rPr>
+                        </m:ctrlPr>
+                      </m:sSubPr>
+                      <m:e>
+                        <m:r>
+                          <m:rPr>
+                            <m:sty m:val="p"/>
+                          </m:rPr>
+                          <a:rPr lang="fr-FR" b="0" i="0" smtClean="0">
+                            <a:latin typeface="Cambria Math" panose="02040503050406030204" pitchFamily="18" charset="0"/>
+                          </a:rPr>
+                          <m:t>r</m:t>
+                        </m:r>
+                      </m:e>
+                      <m:sub>
+                        <m:r>
+                          <m:rPr>
+                            <m:sty m:val="p"/>
+                          </m:rPr>
+                          <a:rPr lang="fr-FR" b="0" i="0" smtClean="0">
+                            <a:latin typeface="Cambria Math" panose="02040503050406030204" pitchFamily="18" charset="0"/>
+                          </a:rPr>
+                          <m:t>i</m:t>
+                        </m:r>
+                      </m:sub>
+                    </m:sSub>
                     <m:r>
                       <m:rPr>
                         <m:sty m:val="p"/>
@@ -11248,6 +12402,12 @@
                         <a:latin typeface="Cambria Math" panose="02040503050406030204" pitchFamily="18" charset="0"/>
                       </a:rPr>
                       <m:t>𝑟</m:t>
+                    </m:r>
+                    <m:r>
+                      <a:rPr lang="fr-FR" b="0" i="1" smtClean="0">
+                        <a:latin typeface="Cambria Math" panose="02040503050406030204" pitchFamily="18" charset="0"/>
+                      </a:rPr>
+                      <m:t>²</m:t>
                     </m:r>
                     <m:sSubSup>
                       <m:sSubSupPr>
@@ -11533,7 +12693,7 @@
             <p:spPr>
               <a:xfrm>
                 <a:off x="461639" y="426128"/>
-                <a:ext cx="10955044" cy="8133830"/>
+                <a:ext cx="10955044" cy="7802521"/>
               </a:xfrm>
               <a:prstGeom prst="rect">
                 <a:avLst/>
@@ -11541,7 +12701,7 @@
               <a:blipFill>
                 <a:blip r:embed="rId2"/>
                 <a:stretch>
-                  <a:fillRect l="-501" t="-450" r="-779"/>
+                  <a:fillRect l="-501" t="-469" r="-779"/>
                 </a:stretch>
               </a:blipFill>
             </p:spPr>
@@ -11560,6 +12720,35 @@
           </p:sp>
         </mc:Fallback>
       </mc:AlternateContent>
+      <p:sp>
+        <p:nvSpPr>
+          <p:cNvPr id="2" name="Espace réservé du numéro de diapositive 1">
+            <a:extLst>
+              <a:ext uri="{FF2B5EF4-FFF2-40B4-BE49-F238E27FC236}">
+                <a16:creationId xmlns:a16="http://schemas.microsoft.com/office/drawing/2014/main" id="{87D6B9A1-C9C4-F75B-8123-DC527DC0082D}"/>
+              </a:ext>
+            </a:extLst>
+          </p:cNvPr>
+          <p:cNvSpPr>
+            <a:spLocks noGrp="1"/>
+          </p:cNvSpPr>
+          <p:nvPr>
+            <p:ph type="sldNum" sz="quarter" idx="12"/>
+          </p:nvPr>
+        </p:nvSpPr>
+        <p:spPr/>
+        <p:txBody>
+          <a:bodyPr/>
+          <a:lstStyle/>
+          <a:p>
+            <a:fld id="{D1861D36-3F08-40F2-A6FB-3D64786A8D8E}" type="slidenum">
+              <a:rPr lang="fr-FR" smtClean="0"/>
+              <a:t>4</a:t>
+            </a:fld>
+            <a:endParaRPr lang="fr-FR"/>
+          </a:p>
+        </p:txBody>
+      </p:sp>
     </p:spTree>
     <p:extLst>
       <p:ext uri="{BB962C8B-B14F-4D97-AF65-F5344CB8AC3E}">
@@ -11641,7 +12830,7 @@
             <p:spPr/>
             <p:txBody>
               <a:bodyPr>
-                <a:normAutofit fontScale="92500" lnSpcReduction="10000"/>
+                <a:normAutofit fontScale="77500" lnSpcReduction="20000"/>
               </a:bodyPr>
               <a:lstStyle/>
               <a:p>
@@ -13066,6 +14255,50 @@
                 </a:pPr>
                 <a:r>
                   <a:rPr lang="fr-FR" sz="2000" dirty="0"/>
+                  <a:t>Pour calculer la solution analytique discrètement : on supprime les termes dans l’équation discrète qui correspondent à la dérivée temporelle, en schéma implicite. On prend également un pas de temps </a:t>
+                </a:r>
+                <a14:m>
+                  <m:oMath xmlns:m="http://schemas.openxmlformats.org/officeDocument/2006/math">
+                    <m:r>
+                      <m:rPr>
+                        <m:sty m:val="p"/>
+                      </m:rPr>
+                      <a:rPr lang="fr-FR" sz="2000" b="0" i="0" smtClean="0">
+                        <a:latin typeface="Cambria Math" panose="02040503050406030204" pitchFamily="18" charset="0"/>
+                      </a:rPr>
+                      <m:t>Δ</m:t>
+                    </m:r>
+                    <m:r>
+                      <a:rPr lang="fr-FR" sz="2000" b="0" i="1" smtClean="0">
+                        <a:latin typeface="Cambria Math" panose="02040503050406030204" pitchFamily="18" charset="0"/>
+                      </a:rPr>
+                      <m:t>𝑡</m:t>
+                    </m:r>
+                    <m:r>
+                      <a:rPr lang="fr-FR" sz="2000" b="0" i="1" smtClean="0">
+                        <a:latin typeface="Cambria Math" panose="02040503050406030204" pitchFamily="18" charset="0"/>
+                      </a:rPr>
+                      <m:t>=1</m:t>
+                    </m:r>
+                  </m:oMath>
+                </a14:m>
+                <a:r>
+                  <a:rPr lang="fr-FR" sz="2000" dirty="0"/>
+                  <a:t> pour qu’il n’influence pas les autres termes de l’équation.</a:t>
+                </a:r>
+              </a:p>
+              <a:p>
+                <a:pPr marL="0" indent="0">
+                  <a:buNone/>
+                </a:pPr>
+                <a:endParaRPr lang="fr-FR" sz="2000" dirty="0"/>
+              </a:p>
+              <a:p>
+                <a:pPr marL="0" indent="0">
+                  <a:buNone/>
+                </a:pPr>
+                <a:r>
+                  <a:rPr lang="fr-FR" sz="2000" dirty="0"/>
                   <a:t> </a:t>
                 </a:r>
               </a:p>
@@ -13099,7 +14332,7 @@
               <a:blipFill>
                 <a:blip r:embed="rId2"/>
                 <a:stretch>
-                  <a:fillRect l="-580" t="-420"/>
+                  <a:fillRect l="-348" t="-840"/>
                 </a:stretch>
               </a:blipFill>
             </p:spPr>
@@ -13118,6 +14351,35 @@
           </p:sp>
         </mc:Fallback>
       </mc:AlternateContent>
+      <p:sp>
+        <p:nvSpPr>
+          <p:cNvPr id="4" name="Espace réservé du numéro de diapositive 3">
+            <a:extLst>
+              <a:ext uri="{FF2B5EF4-FFF2-40B4-BE49-F238E27FC236}">
+                <a16:creationId xmlns:a16="http://schemas.microsoft.com/office/drawing/2014/main" id="{EC944AE2-A270-DC02-61E6-0B75F13FE3A0}"/>
+              </a:ext>
+            </a:extLst>
+          </p:cNvPr>
+          <p:cNvSpPr>
+            <a:spLocks noGrp="1"/>
+          </p:cNvSpPr>
+          <p:nvPr>
+            <p:ph type="sldNum" sz="quarter" idx="12"/>
+          </p:nvPr>
+        </p:nvSpPr>
+        <p:spPr/>
+        <p:txBody>
+          <a:bodyPr/>
+          <a:lstStyle/>
+          <a:p>
+            <a:fld id="{D1861D36-3F08-40F2-A6FB-3D64786A8D8E}" type="slidenum">
+              <a:rPr lang="fr-FR" smtClean="0"/>
+              <a:t>5</a:t>
+            </a:fld>
+            <a:endParaRPr lang="fr-FR"/>
+          </a:p>
+        </p:txBody>
+      </p:sp>
     </p:spTree>
     <p:extLst>
       <p:ext uri="{BB962C8B-B14F-4D97-AF65-F5344CB8AC3E}">
@@ -13153,7 +14415,1104 @@
           <p:cNvPr id="2" name="Titre 1">
             <a:extLst>
               <a:ext uri="{FF2B5EF4-FFF2-40B4-BE49-F238E27FC236}">
-                <a16:creationId xmlns:a16="http://schemas.microsoft.com/office/drawing/2014/main" id="{37B22AA7-26E6-8F7A-A76C-8CFB35A12EE0}"/>
+                <a16:creationId xmlns:a16="http://schemas.microsoft.com/office/drawing/2014/main" id="{085B39D3-37FF-A844-9E1C-8723087437A6}"/>
+              </a:ext>
+            </a:extLst>
+          </p:cNvPr>
+          <p:cNvSpPr>
+            <a:spLocks noGrp="1"/>
+          </p:cNvSpPr>
+          <p:nvPr>
+            <p:ph type="title"/>
+          </p:nvPr>
+        </p:nvSpPr>
+        <p:spPr/>
+        <p:txBody>
+          <a:bodyPr/>
+          <a:lstStyle/>
+          <a:p>
+            <a:r>
+              <a:rPr lang="fr-FR" dirty="0"/>
+              <a:t>Calculs des erreurs</a:t>
+            </a:r>
+          </a:p>
+        </p:txBody>
+      </p:sp>
+      <mc:AlternateContent xmlns:mc="http://schemas.openxmlformats.org/markup-compatibility/2006">
+        <mc:Choice xmlns:a14="http://schemas.microsoft.com/office/drawing/2010/main" Requires="a14">
+          <p:sp>
+            <p:nvSpPr>
+              <p:cNvPr id="3" name="Espace réservé du contenu 2">
+                <a:extLst>
+                  <a:ext uri="{FF2B5EF4-FFF2-40B4-BE49-F238E27FC236}">
+                    <a16:creationId xmlns:a16="http://schemas.microsoft.com/office/drawing/2014/main" id="{D2528AD3-3214-D758-8968-98B85654AC4B}"/>
+                  </a:ext>
+                </a:extLst>
+              </p:cNvPr>
+              <p:cNvSpPr>
+                <a:spLocks noGrp="1"/>
+              </p:cNvSpPr>
+              <p:nvPr>
+                <p:ph idx="1"/>
+              </p:nvPr>
+            </p:nvSpPr>
+            <p:spPr/>
+            <p:txBody>
+              <a:bodyPr/>
+              <a:lstStyle/>
+              <a:p>
+                <a:r>
+                  <a:rPr lang="fr-FR" dirty="0"/>
+                  <a:t>Erreur L1 :</a:t>
+                </a:r>
+                <a14:m>
+                  <m:oMath xmlns:m="http://schemas.openxmlformats.org/officeDocument/2006/math">
+                    <m:sSub>
+                      <m:sSubPr>
+                        <m:ctrlPr>
+                          <a:rPr lang="fr-FR" b="0" i="1" smtClean="0">
+                            <a:latin typeface="Cambria Math" panose="02040503050406030204" pitchFamily="18" charset="0"/>
+                          </a:rPr>
+                        </m:ctrlPr>
+                      </m:sSubPr>
+                      <m:e>
+                        <m:d>
+                          <m:dPr>
+                            <m:begChr m:val="‖"/>
+                            <m:endChr m:val="‖"/>
+                            <m:ctrlPr>
+                              <a:rPr lang="fr-FR" i="1" smtClean="0">
+                                <a:latin typeface="Cambria Math" panose="02040503050406030204" pitchFamily="18" charset="0"/>
+                              </a:rPr>
+                            </m:ctrlPr>
+                          </m:dPr>
+                          <m:e>
+                            <m:r>
+                              <a:rPr lang="fr-FR" b="0" i="1" smtClean="0">
+                                <a:latin typeface="Cambria Math" panose="02040503050406030204" pitchFamily="18" charset="0"/>
+                              </a:rPr>
+                              <m:t>𝑢</m:t>
+                            </m:r>
+                            <m:r>
+                              <a:rPr lang="fr-FR" b="0" i="1" smtClean="0">
+                                <a:latin typeface="Cambria Math" panose="02040503050406030204" pitchFamily="18" charset="0"/>
+                              </a:rPr>
+                              <m:t>−</m:t>
+                            </m:r>
+                            <m:sSub>
+                              <m:sSubPr>
+                                <m:ctrlPr>
+                                  <a:rPr lang="fr-FR" b="0" i="1" smtClean="0">
+                                    <a:latin typeface="Cambria Math" panose="02040503050406030204" pitchFamily="18" charset="0"/>
+                                  </a:rPr>
+                                </m:ctrlPr>
+                              </m:sSubPr>
+                              <m:e>
+                                <m:r>
+                                  <a:rPr lang="fr-FR" b="0" i="1" smtClean="0">
+                                    <a:latin typeface="Cambria Math" panose="02040503050406030204" pitchFamily="18" charset="0"/>
+                                  </a:rPr>
+                                  <m:t>𝑢</m:t>
+                                </m:r>
+                              </m:e>
+                              <m:sub>
+                                <m:r>
+                                  <a:rPr lang="fr-FR" b="0" i="1" smtClean="0">
+                                    <a:latin typeface="Cambria Math" panose="02040503050406030204" pitchFamily="18" charset="0"/>
+                                  </a:rPr>
+                                  <m:t>𝑟𝑒𝑓</m:t>
+                                </m:r>
+                              </m:sub>
+                            </m:sSub>
+                          </m:e>
+                        </m:d>
+                      </m:e>
+                      <m:sub>
+                        <m:r>
+                          <a:rPr lang="fr-FR" b="0" i="1" smtClean="0">
+                            <a:latin typeface="Cambria Math" panose="02040503050406030204" pitchFamily="18" charset="0"/>
+                          </a:rPr>
+                          <m:t>1</m:t>
+                        </m:r>
+                      </m:sub>
+                    </m:sSub>
+                    <m:r>
+                      <a:rPr lang="fr-FR" i="1">
+                        <a:latin typeface="Cambria Math" panose="02040503050406030204" pitchFamily="18" charset="0"/>
+                      </a:rPr>
+                      <m:t>=</m:t>
+                    </m:r>
+                    <m:f>
+                      <m:fPr>
+                        <m:ctrlPr>
+                          <a:rPr lang="fr-FR" i="1">
+                            <a:latin typeface="Cambria Math" panose="02040503050406030204" pitchFamily="18" charset="0"/>
+                          </a:rPr>
+                        </m:ctrlPr>
+                      </m:fPr>
+                      <m:num>
+                        <m:r>
+                          <a:rPr lang="fr-FR" i="1">
+                            <a:latin typeface="Cambria Math" panose="02040503050406030204" pitchFamily="18" charset="0"/>
+                          </a:rPr>
+                          <m:t>1</m:t>
+                        </m:r>
+                      </m:num>
+                      <m:den>
+                        <m:r>
+                          <m:rPr>
+                            <m:sty m:val="p"/>
+                          </m:rPr>
+                          <a:rPr lang="fr-FR">
+                            <a:latin typeface="Cambria Math" panose="02040503050406030204" pitchFamily="18" charset="0"/>
+                          </a:rPr>
+                          <m:t>Ω</m:t>
+                        </m:r>
+                      </m:den>
+                    </m:f>
+                    <m:nary>
+                      <m:naryPr>
+                        <m:chr m:val="∑"/>
+                        <m:ctrlPr>
+                          <a:rPr lang="fr-FR" i="1">
+                            <a:latin typeface="Cambria Math" panose="02040503050406030204" pitchFamily="18" charset="0"/>
+                          </a:rPr>
+                        </m:ctrlPr>
+                      </m:naryPr>
+                      <m:sub>
+                        <m:r>
+                          <m:rPr>
+                            <m:brk m:alnAt="23"/>
+                          </m:rPr>
+                          <a:rPr lang="fr-FR" i="1">
+                            <a:latin typeface="Cambria Math" panose="02040503050406030204" pitchFamily="18" charset="0"/>
+                          </a:rPr>
+                          <m:t>𝑛</m:t>
+                        </m:r>
+                        <m:r>
+                          <a:rPr lang="fr-FR" i="1">
+                            <a:latin typeface="Cambria Math" panose="02040503050406030204" pitchFamily="18" charset="0"/>
+                          </a:rPr>
+                          <m:t>=1</m:t>
+                        </m:r>
+                      </m:sub>
+                      <m:sup>
+                        <m:r>
+                          <a:rPr lang="fr-FR" i="1">
+                            <a:latin typeface="Cambria Math" panose="02040503050406030204" pitchFamily="18" charset="0"/>
+                          </a:rPr>
+                          <m:t>𝑁</m:t>
+                        </m:r>
+                      </m:sup>
+                      <m:e>
+                        <m:sSub>
+                          <m:sSubPr>
+                            <m:ctrlPr>
+                              <a:rPr lang="fr-FR" i="1">
+                                <a:latin typeface="Cambria Math" panose="02040503050406030204" pitchFamily="18" charset="0"/>
+                              </a:rPr>
+                            </m:ctrlPr>
+                          </m:sSubPr>
+                          <m:e>
+                            <m:r>
+                              <a:rPr lang="fr-FR" i="1">
+                                <a:latin typeface="Cambria Math" panose="02040503050406030204" pitchFamily="18" charset="0"/>
+                              </a:rPr>
+                              <m:t>𝜔</m:t>
+                            </m:r>
+                          </m:e>
+                          <m:sub>
+                            <m:r>
+                              <a:rPr lang="fr-FR" i="1">
+                                <a:latin typeface="Cambria Math" panose="02040503050406030204" pitchFamily="18" charset="0"/>
+                              </a:rPr>
+                              <m:t>𝑛</m:t>
+                            </m:r>
+                          </m:sub>
+                        </m:sSub>
+                        <m:d>
+                          <m:dPr>
+                            <m:begChr m:val="|"/>
+                            <m:endChr m:val="|"/>
+                            <m:ctrlPr>
+                              <a:rPr lang="fr-FR" i="1">
+                                <a:latin typeface="Cambria Math" panose="02040503050406030204" pitchFamily="18" charset="0"/>
+                              </a:rPr>
+                            </m:ctrlPr>
+                          </m:dPr>
+                          <m:e>
+                            <m:sSub>
+                              <m:sSubPr>
+                                <m:ctrlPr>
+                                  <a:rPr lang="fr-FR" i="1">
+                                    <a:latin typeface="Cambria Math" panose="02040503050406030204" pitchFamily="18" charset="0"/>
+                                  </a:rPr>
+                                </m:ctrlPr>
+                              </m:sSubPr>
+                              <m:e>
+                                <m:r>
+                                  <a:rPr lang="fr-FR" i="1">
+                                    <a:latin typeface="Cambria Math" panose="02040503050406030204" pitchFamily="18" charset="0"/>
+                                  </a:rPr>
+                                  <m:t>𝑢</m:t>
+                                </m:r>
+                              </m:e>
+                              <m:sub>
+                                <m:r>
+                                  <a:rPr lang="fr-FR" i="1">
+                                    <a:latin typeface="Cambria Math" panose="02040503050406030204" pitchFamily="18" charset="0"/>
+                                  </a:rPr>
+                                  <m:t>𝑛</m:t>
+                                </m:r>
+                              </m:sub>
+                            </m:sSub>
+                            <m:r>
+                              <a:rPr lang="fr-FR" i="1">
+                                <a:latin typeface="Cambria Math" panose="02040503050406030204" pitchFamily="18" charset="0"/>
+                              </a:rPr>
+                              <m:t>−</m:t>
+                            </m:r>
+                            <m:sSub>
+                              <m:sSubPr>
+                                <m:ctrlPr>
+                                  <a:rPr lang="fr-FR" i="1">
+                                    <a:latin typeface="Cambria Math" panose="02040503050406030204" pitchFamily="18" charset="0"/>
+                                  </a:rPr>
+                                </m:ctrlPr>
+                              </m:sSubPr>
+                              <m:e>
+                                <m:r>
+                                  <a:rPr lang="fr-FR" i="1">
+                                    <a:latin typeface="Cambria Math" panose="02040503050406030204" pitchFamily="18" charset="0"/>
+                                  </a:rPr>
+                                  <m:t>𝑢</m:t>
+                                </m:r>
+                              </m:e>
+                              <m:sub>
+                                <m:r>
+                                  <a:rPr lang="fr-FR" i="1">
+                                    <a:latin typeface="Cambria Math" panose="02040503050406030204" pitchFamily="18" charset="0"/>
+                                  </a:rPr>
+                                  <m:t>𝑟𝑒𝑓</m:t>
+                                </m:r>
+                                <m:r>
+                                  <a:rPr lang="fr-FR" i="1">
+                                    <a:latin typeface="Cambria Math" panose="02040503050406030204" pitchFamily="18" charset="0"/>
+                                  </a:rPr>
+                                  <m:t>,</m:t>
+                                </m:r>
+                                <m:r>
+                                  <a:rPr lang="fr-FR" i="1">
+                                    <a:latin typeface="Cambria Math" panose="02040503050406030204" pitchFamily="18" charset="0"/>
+                                  </a:rPr>
+                                  <m:t>𝑛</m:t>
+                                </m:r>
+                              </m:sub>
+                            </m:sSub>
+                          </m:e>
+                        </m:d>
+                        <m:r>
+                          <a:rPr lang="fr-FR" i="1">
+                            <a:latin typeface="Cambria Math" panose="02040503050406030204" pitchFamily="18" charset="0"/>
+                          </a:rPr>
+                          <m:t> </m:t>
+                        </m:r>
+                      </m:e>
+                    </m:nary>
+                  </m:oMath>
+                </a14:m>
+                <a:endParaRPr lang="fr-FR" dirty="0"/>
+              </a:p>
+              <a:p>
+                <a:endParaRPr lang="fr-FR" dirty="0"/>
+              </a:p>
+              <a:p>
+                <a:r>
+                  <a:rPr lang="fr-FR" dirty="0"/>
+                  <a:t>Erreur L2 :</a:t>
+                </a:r>
+                <a14:m>
+                  <m:oMath xmlns:m="http://schemas.openxmlformats.org/officeDocument/2006/math">
+                    <m:sSub>
+                      <m:sSubPr>
+                        <m:ctrlPr>
+                          <a:rPr lang="fr-FR" i="1">
+                            <a:latin typeface="Cambria Math" panose="02040503050406030204" pitchFamily="18" charset="0"/>
+                          </a:rPr>
+                        </m:ctrlPr>
+                      </m:sSubPr>
+                      <m:e>
+                        <m:d>
+                          <m:dPr>
+                            <m:begChr m:val="‖"/>
+                            <m:endChr m:val="‖"/>
+                            <m:ctrlPr>
+                              <a:rPr lang="fr-FR" i="1">
+                                <a:latin typeface="Cambria Math" panose="02040503050406030204" pitchFamily="18" charset="0"/>
+                              </a:rPr>
+                            </m:ctrlPr>
+                          </m:dPr>
+                          <m:e>
+                            <m:r>
+                              <a:rPr lang="fr-FR" i="1">
+                                <a:latin typeface="Cambria Math" panose="02040503050406030204" pitchFamily="18" charset="0"/>
+                              </a:rPr>
+                              <m:t>𝑢</m:t>
+                            </m:r>
+                            <m:r>
+                              <a:rPr lang="fr-FR" i="1">
+                                <a:latin typeface="Cambria Math" panose="02040503050406030204" pitchFamily="18" charset="0"/>
+                              </a:rPr>
+                              <m:t>−</m:t>
+                            </m:r>
+                            <m:sSub>
+                              <m:sSubPr>
+                                <m:ctrlPr>
+                                  <a:rPr lang="fr-FR" i="1">
+                                    <a:latin typeface="Cambria Math" panose="02040503050406030204" pitchFamily="18" charset="0"/>
+                                  </a:rPr>
+                                </m:ctrlPr>
+                              </m:sSubPr>
+                              <m:e>
+                                <m:r>
+                                  <a:rPr lang="fr-FR" i="1">
+                                    <a:latin typeface="Cambria Math" panose="02040503050406030204" pitchFamily="18" charset="0"/>
+                                  </a:rPr>
+                                  <m:t>𝑢</m:t>
+                                </m:r>
+                              </m:e>
+                              <m:sub>
+                                <m:r>
+                                  <a:rPr lang="fr-FR" i="1">
+                                    <a:latin typeface="Cambria Math" panose="02040503050406030204" pitchFamily="18" charset="0"/>
+                                  </a:rPr>
+                                  <m:t>𝑟𝑒𝑓</m:t>
+                                </m:r>
+                              </m:sub>
+                            </m:sSub>
+                          </m:e>
+                        </m:d>
+                      </m:e>
+                      <m:sub>
+                        <m:r>
+                          <a:rPr lang="fr-FR" b="0" i="1" smtClean="0">
+                            <a:latin typeface="Cambria Math" panose="02040503050406030204" pitchFamily="18" charset="0"/>
+                          </a:rPr>
+                          <m:t>2</m:t>
+                        </m:r>
+                      </m:sub>
+                    </m:sSub>
+                    <m:r>
+                      <a:rPr lang="fr-FR" i="1">
+                        <a:latin typeface="Cambria Math" panose="02040503050406030204" pitchFamily="18" charset="0"/>
+                      </a:rPr>
+                      <m:t>=</m:t>
+                    </m:r>
+                    <m:sSup>
+                      <m:sSupPr>
+                        <m:ctrlPr>
+                          <a:rPr lang="fr-FR" b="0" i="1" smtClean="0">
+                            <a:latin typeface="Cambria Math" panose="02040503050406030204" pitchFamily="18" charset="0"/>
+                          </a:rPr>
+                        </m:ctrlPr>
+                      </m:sSupPr>
+                      <m:e>
+                        <m:d>
+                          <m:dPr>
+                            <m:ctrlPr>
+                              <a:rPr lang="fr-FR" i="1" smtClean="0">
+                                <a:latin typeface="Cambria Math" panose="02040503050406030204" pitchFamily="18" charset="0"/>
+                              </a:rPr>
+                            </m:ctrlPr>
+                          </m:dPr>
+                          <m:e>
+                            <m:f>
+                              <m:fPr>
+                                <m:ctrlPr>
+                                  <a:rPr lang="fr-FR" b="0" i="1" smtClean="0">
+                                    <a:latin typeface="Cambria Math" panose="02040503050406030204" pitchFamily="18" charset="0"/>
+                                  </a:rPr>
+                                </m:ctrlPr>
+                              </m:fPr>
+                              <m:num>
+                                <m:r>
+                                  <a:rPr lang="fr-FR" b="0" i="1" smtClean="0">
+                                    <a:latin typeface="Cambria Math" panose="02040503050406030204" pitchFamily="18" charset="0"/>
+                                  </a:rPr>
+                                  <m:t>1</m:t>
+                                </m:r>
+                              </m:num>
+                              <m:den>
+                                <m:r>
+                                  <m:rPr>
+                                    <m:sty m:val="p"/>
+                                  </m:rPr>
+                                  <a:rPr lang="fr-FR" b="0" i="0" smtClean="0">
+                                    <a:latin typeface="Cambria Math" panose="02040503050406030204" pitchFamily="18" charset="0"/>
+                                  </a:rPr>
+                                  <m:t>Ω</m:t>
+                                </m:r>
+                              </m:den>
+                            </m:f>
+                            <m:sSup>
+                              <m:sSupPr>
+                                <m:ctrlPr>
+                                  <a:rPr lang="fr-FR" b="0" i="1" smtClean="0">
+                                    <a:latin typeface="Cambria Math" panose="02040503050406030204" pitchFamily="18" charset="0"/>
+                                  </a:rPr>
+                                </m:ctrlPr>
+                              </m:sSupPr>
+                              <m:e>
+                                <m:nary>
+                                  <m:naryPr>
+                                    <m:chr m:val="∑"/>
+                                    <m:ctrlPr>
+                                      <a:rPr lang="fr-FR" i="1">
+                                        <a:latin typeface="Cambria Math" panose="02040503050406030204" pitchFamily="18" charset="0"/>
+                                      </a:rPr>
+                                    </m:ctrlPr>
+                                  </m:naryPr>
+                                  <m:sub>
+                                    <m:r>
+                                      <m:rPr>
+                                        <m:brk m:alnAt="23"/>
+                                      </m:rPr>
+                                      <a:rPr lang="fr-FR" i="1">
+                                        <a:latin typeface="Cambria Math" panose="02040503050406030204" pitchFamily="18" charset="0"/>
+                                      </a:rPr>
+                                      <m:t>𝑛</m:t>
+                                    </m:r>
+                                    <m:r>
+                                      <a:rPr lang="fr-FR" i="1">
+                                        <a:latin typeface="Cambria Math" panose="02040503050406030204" pitchFamily="18" charset="0"/>
+                                      </a:rPr>
+                                      <m:t>=1</m:t>
+                                    </m:r>
+                                  </m:sub>
+                                  <m:sup>
+                                    <m:r>
+                                      <a:rPr lang="fr-FR" i="1">
+                                        <a:latin typeface="Cambria Math" panose="02040503050406030204" pitchFamily="18" charset="0"/>
+                                      </a:rPr>
+                                      <m:t>𝑁</m:t>
+                                    </m:r>
+                                  </m:sup>
+                                  <m:e>
+                                    <m:sSub>
+                                      <m:sSubPr>
+                                        <m:ctrlPr>
+                                          <a:rPr lang="fr-FR" i="1">
+                                            <a:latin typeface="Cambria Math" panose="02040503050406030204" pitchFamily="18" charset="0"/>
+                                          </a:rPr>
+                                        </m:ctrlPr>
+                                      </m:sSubPr>
+                                      <m:e>
+                                        <m:r>
+                                          <a:rPr lang="fr-FR" i="1">
+                                            <a:latin typeface="Cambria Math" panose="02040503050406030204" pitchFamily="18" charset="0"/>
+                                          </a:rPr>
+                                          <m:t>𝜔</m:t>
+                                        </m:r>
+                                      </m:e>
+                                      <m:sub>
+                                        <m:r>
+                                          <a:rPr lang="fr-FR" i="1">
+                                            <a:latin typeface="Cambria Math" panose="02040503050406030204" pitchFamily="18" charset="0"/>
+                                          </a:rPr>
+                                          <m:t>𝑛</m:t>
+                                        </m:r>
+                                      </m:sub>
+                                    </m:sSub>
+                                    <m:d>
+                                      <m:dPr>
+                                        <m:begChr m:val="|"/>
+                                        <m:endChr m:val="|"/>
+                                        <m:ctrlPr>
+                                          <a:rPr lang="fr-FR" i="1">
+                                            <a:latin typeface="Cambria Math" panose="02040503050406030204" pitchFamily="18" charset="0"/>
+                                          </a:rPr>
+                                        </m:ctrlPr>
+                                      </m:dPr>
+                                      <m:e>
+                                        <m:sSub>
+                                          <m:sSubPr>
+                                            <m:ctrlPr>
+                                              <a:rPr lang="fr-FR" i="1">
+                                                <a:latin typeface="Cambria Math" panose="02040503050406030204" pitchFamily="18" charset="0"/>
+                                              </a:rPr>
+                                            </m:ctrlPr>
+                                          </m:sSubPr>
+                                          <m:e>
+                                            <m:r>
+                                              <a:rPr lang="fr-FR" i="1">
+                                                <a:latin typeface="Cambria Math" panose="02040503050406030204" pitchFamily="18" charset="0"/>
+                                              </a:rPr>
+                                              <m:t>𝑢</m:t>
+                                            </m:r>
+                                          </m:e>
+                                          <m:sub>
+                                            <m:r>
+                                              <a:rPr lang="fr-FR" i="1">
+                                                <a:latin typeface="Cambria Math" panose="02040503050406030204" pitchFamily="18" charset="0"/>
+                                              </a:rPr>
+                                              <m:t>𝑛</m:t>
+                                            </m:r>
+                                          </m:sub>
+                                        </m:sSub>
+                                        <m:r>
+                                          <a:rPr lang="fr-FR" i="1">
+                                            <a:latin typeface="Cambria Math" panose="02040503050406030204" pitchFamily="18" charset="0"/>
+                                          </a:rPr>
+                                          <m:t>−</m:t>
+                                        </m:r>
+                                        <m:sSub>
+                                          <m:sSubPr>
+                                            <m:ctrlPr>
+                                              <a:rPr lang="fr-FR" i="1">
+                                                <a:latin typeface="Cambria Math" panose="02040503050406030204" pitchFamily="18" charset="0"/>
+                                              </a:rPr>
+                                            </m:ctrlPr>
+                                          </m:sSubPr>
+                                          <m:e>
+                                            <m:r>
+                                              <a:rPr lang="fr-FR" i="1">
+                                                <a:latin typeface="Cambria Math" panose="02040503050406030204" pitchFamily="18" charset="0"/>
+                                              </a:rPr>
+                                              <m:t>𝑢</m:t>
+                                            </m:r>
+                                          </m:e>
+                                          <m:sub>
+                                            <m:r>
+                                              <a:rPr lang="fr-FR" i="1">
+                                                <a:latin typeface="Cambria Math" panose="02040503050406030204" pitchFamily="18" charset="0"/>
+                                              </a:rPr>
+                                              <m:t>𝑟𝑒𝑓</m:t>
+                                            </m:r>
+                                            <m:r>
+                                              <a:rPr lang="fr-FR" i="1">
+                                                <a:latin typeface="Cambria Math" panose="02040503050406030204" pitchFamily="18" charset="0"/>
+                                              </a:rPr>
+                                              <m:t>,</m:t>
+                                            </m:r>
+                                            <m:r>
+                                              <a:rPr lang="fr-FR" i="1">
+                                                <a:latin typeface="Cambria Math" panose="02040503050406030204" pitchFamily="18" charset="0"/>
+                                              </a:rPr>
+                                              <m:t>𝑛</m:t>
+                                            </m:r>
+                                          </m:sub>
+                                        </m:sSub>
+                                      </m:e>
+                                    </m:d>
+                                    <m:r>
+                                      <a:rPr lang="fr-FR" i="1">
+                                        <a:latin typeface="Cambria Math" panose="02040503050406030204" pitchFamily="18" charset="0"/>
+                                      </a:rPr>
+                                      <m:t> </m:t>
+                                    </m:r>
+                                  </m:e>
+                                </m:nary>
+                              </m:e>
+                              <m:sup>
+                                <m:r>
+                                  <a:rPr lang="fr-FR" b="0" i="1" smtClean="0">
+                                    <a:latin typeface="Cambria Math" panose="02040503050406030204" pitchFamily="18" charset="0"/>
+                                  </a:rPr>
+                                  <m:t>2</m:t>
+                                </m:r>
+                              </m:sup>
+                            </m:sSup>
+                          </m:e>
+                        </m:d>
+                      </m:e>
+                      <m:sup>
+                        <m:f>
+                          <m:fPr>
+                            <m:ctrlPr>
+                              <a:rPr lang="fr-FR" b="0" i="1" smtClean="0">
+                                <a:latin typeface="Cambria Math" panose="02040503050406030204" pitchFamily="18" charset="0"/>
+                              </a:rPr>
+                            </m:ctrlPr>
+                          </m:fPr>
+                          <m:num>
+                            <m:r>
+                              <a:rPr lang="fr-FR" b="0" i="1" smtClean="0">
+                                <a:latin typeface="Cambria Math" panose="02040503050406030204" pitchFamily="18" charset="0"/>
+                              </a:rPr>
+                              <m:t>1</m:t>
+                            </m:r>
+                          </m:num>
+                          <m:den>
+                            <m:r>
+                              <a:rPr lang="fr-FR" b="0" i="1" smtClean="0">
+                                <a:latin typeface="Cambria Math" panose="02040503050406030204" pitchFamily="18" charset="0"/>
+                              </a:rPr>
+                              <m:t>2</m:t>
+                            </m:r>
+                          </m:den>
+                        </m:f>
+                      </m:sup>
+                    </m:sSup>
+                  </m:oMath>
+                </a14:m>
+                <a:endParaRPr lang="fr-FR" dirty="0"/>
+              </a:p>
+              <a:p>
+                <a:endParaRPr lang="fr-FR" dirty="0"/>
+              </a:p>
+              <a:p>
+                <a:pPr marL="0" indent="0">
+                  <a:buNone/>
+                </a:pPr>
+                <a:endParaRPr lang="fr-FR" dirty="0"/>
+              </a:p>
+              <a:p>
+                <a:r>
+                  <a:rPr lang="fr-FR" dirty="0"/>
+                  <a:t>Erreur infinie :</a:t>
+                </a:r>
+                <a14:m>
+                  <m:oMath xmlns:m="http://schemas.openxmlformats.org/officeDocument/2006/math">
+                    <m:sSub>
+                      <m:sSubPr>
+                        <m:ctrlPr>
+                          <a:rPr lang="fr-FR" b="0" i="1" smtClean="0">
+                            <a:latin typeface="Cambria Math" panose="02040503050406030204" pitchFamily="18" charset="0"/>
+                          </a:rPr>
+                        </m:ctrlPr>
+                      </m:sSubPr>
+                      <m:e>
+                        <m:d>
+                          <m:dPr>
+                            <m:begChr m:val="‖"/>
+                            <m:endChr m:val="‖"/>
+                            <m:ctrlPr>
+                              <a:rPr lang="fr-FR" i="1" smtClean="0">
+                                <a:latin typeface="Cambria Math" panose="02040503050406030204" pitchFamily="18" charset="0"/>
+                              </a:rPr>
+                            </m:ctrlPr>
+                          </m:dPr>
+                          <m:e>
+                            <m:r>
+                              <a:rPr lang="fr-FR" b="0" i="1" smtClean="0">
+                                <a:latin typeface="Cambria Math" panose="02040503050406030204" pitchFamily="18" charset="0"/>
+                              </a:rPr>
+                              <m:t>𝑢</m:t>
+                            </m:r>
+                            <m:r>
+                              <a:rPr lang="fr-FR" b="0" i="1" smtClean="0">
+                                <a:latin typeface="Cambria Math" panose="02040503050406030204" pitchFamily="18" charset="0"/>
+                              </a:rPr>
+                              <m:t>−</m:t>
+                            </m:r>
+                            <m:sSub>
+                              <m:sSubPr>
+                                <m:ctrlPr>
+                                  <a:rPr lang="fr-FR" b="0" i="1" smtClean="0">
+                                    <a:latin typeface="Cambria Math" panose="02040503050406030204" pitchFamily="18" charset="0"/>
+                                  </a:rPr>
+                                </m:ctrlPr>
+                              </m:sSubPr>
+                              <m:e>
+                                <m:r>
+                                  <a:rPr lang="fr-FR" b="0" i="1" smtClean="0">
+                                    <a:latin typeface="Cambria Math" panose="02040503050406030204" pitchFamily="18" charset="0"/>
+                                  </a:rPr>
+                                  <m:t>𝑢</m:t>
+                                </m:r>
+                              </m:e>
+                              <m:sub>
+                                <m:r>
+                                  <a:rPr lang="fr-FR" b="0" i="1" smtClean="0">
+                                    <a:latin typeface="Cambria Math" panose="02040503050406030204" pitchFamily="18" charset="0"/>
+                                  </a:rPr>
+                                  <m:t>𝑟𝑒𝑓</m:t>
+                                </m:r>
+                              </m:sub>
+                            </m:sSub>
+                          </m:e>
+                        </m:d>
+                      </m:e>
+                      <m:sub>
+                        <m:r>
+                          <a:rPr lang="fr-FR" i="1">
+                            <a:latin typeface="Cambria Math" panose="02040503050406030204" pitchFamily="18" charset="0"/>
+                            <a:ea typeface="Cambria Math" panose="02040503050406030204" pitchFamily="18" charset="0"/>
+                          </a:rPr>
+                          <m:t>∞</m:t>
+                        </m:r>
+                      </m:sub>
+                    </m:sSub>
+                    <m:r>
+                      <a:rPr lang="fr-FR" b="0" i="1" smtClean="0">
+                        <a:latin typeface="Cambria Math" panose="02040503050406030204" pitchFamily="18" charset="0"/>
+                      </a:rPr>
+                      <m:t>=</m:t>
+                    </m:r>
+                    <m:sSubSup>
+                      <m:sSubSupPr>
+                        <m:ctrlPr>
+                          <a:rPr lang="fr-FR" b="0" i="1" smtClean="0">
+                            <a:latin typeface="Cambria Math" panose="02040503050406030204" pitchFamily="18" charset="0"/>
+                          </a:rPr>
+                        </m:ctrlPr>
+                      </m:sSubSupPr>
+                      <m:e>
+                        <m:r>
+                          <a:rPr lang="fr-FR" b="0" i="1" smtClean="0">
+                            <a:latin typeface="Cambria Math" panose="02040503050406030204" pitchFamily="18" charset="0"/>
+                          </a:rPr>
+                          <m:t>𝑚𝑎𝑥</m:t>
+                        </m:r>
+                      </m:e>
+                      <m:sub>
+                        <m:r>
+                          <a:rPr lang="fr-FR" b="0" i="1" smtClean="0">
+                            <a:latin typeface="Cambria Math" panose="02040503050406030204" pitchFamily="18" charset="0"/>
+                          </a:rPr>
+                          <m:t>𝑛</m:t>
+                        </m:r>
+                        <m:r>
+                          <a:rPr lang="fr-FR" b="0" i="1" smtClean="0">
+                            <a:latin typeface="Cambria Math" panose="02040503050406030204" pitchFamily="18" charset="0"/>
+                          </a:rPr>
+                          <m:t>=1</m:t>
+                        </m:r>
+                      </m:sub>
+                      <m:sup>
+                        <m:r>
+                          <a:rPr lang="fr-FR" b="0" i="1" smtClean="0">
+                            <a:latin typeface="Cambria Math" panose="02040503050406030204" pitchFamily="18" charset="0"/>
+                          </a:rPr>
+                          <m:t>𝑁</m:t>
+                        </m:r>
+                      </m:sup>
+                    </m:sSubSup>
+                    <m:r>
+                      <a:rPr lang="fr-FR" b="0" i="1" smtClean="0">
+                        <a:latin typeface="Cambria Math" panose="02040503050406030204" pitchFamily="18" charset="0"/>
+                      </a:rPr>
+                      <m:t>|</m:t>
+                    </m:r>
+                    <m:sSub>
+                      <m:sSubPr>
+                        <m:ctrlPr>
+                          <a:rPr lang="fr-FR" b="0" i="1" smtClean="0">
+                            <a:latin typeface="Cambria Math" panose="02040503050406030204" pitchFamily="18" charset="0"/>
+                          </a:rPr>
+                        </m:ctrlPr>
+                      </m:sSubPr>
+                      <m:e>
+                        <m:r>
+                          <a:rPr lang="fr-FR" b="0" i="1" smtClean="0">
+                            <a:latin typeface="Cambria Math" panose="02040503050406030204" pitchFamily="18" charset="0"/>
+                          </a:rPr>
+                          <m:t>𝑢</m:t>
+                        </m:r>
+                      </m:e>
+                      <m:sub>
+                        <m:r>
+                          <a:rPr lang="fr-FR" b="0" i="1" smtClean="0">
+                            <a:latin typeface="Cambria Math" panose="02040503050406030204" pitchFamily="18" charset="0"/>
+                          </a:rPr>
+                          <m:t>𝑛</m:t>
+                        </m:r>
+                      </m:sub>
+                    </m:sSub>
+                    <m:r>
+                      <a:rPr lang="fr-FR" b="0" i="1" smtClean="0">
+                        <a:latin typeface="Cambria Math" panose="02040503050406030204" pitchFamily="18" charset="0"/>
+                      </a:rPr>
+                      <m:t>−</m:t>
+                    </m:r>
+                    <m:sSub>
+                      <m:sSubPr>
+                        <m:ctrlPr>
+                          <a:rPr lang="fr-FR" b="0" i="1" smtClean="0">
+                            <a:latin typeface="Cambria Math" panose="02040503050406030204" pitchFamily="18" charset="0"/>
+                          </a:rPr>
+                        </m:ctrlPr>
+                      </m:sSubPr>
+                      <m:e>
+                        <m:r>
+                          <a:rPr lang="fr-FR" b="0" i="1" smtClean="0">
+                            <a:latin typeface="Cambria Math" panose="02040503050406030204" pitchFamily="18" charset="0"/>
+                          </a:rPr>
+                          <m:t>𝑢</m:t>
+                        </m:r>
+                      </m:e>
+                      <m:sub>
+                        <m:r>
+                          <a:rPr lang="fr-FR" b="0" i="1" smtClean="0">
+                            <a:latin typeface="Cambria Math" panose="02040503050406030204" pitchFamily="18" charset="0"/>
+                          </a:rPr>
+                          <m:t>𝑟𝑒𝑓</m:t>
+                        </m:r>
+                        <m:r>
+                          <a:rPr lang="fr-FR" b="0" i="1" smtClean="0">
+                            <a:latin typeface="Cambria Math" panose="02040503050406030204" pitchFamily="18" charset="0"/>
+                          </a:rPr>
+                          <m:t>,</m:t>
+                        </m:r>
+                        <m:r>
+                          <a:rPr lang="fr-FR" b="0" i="1" smtClean="0">
+                            <a:latin typeface="Cambria Math" panose="02040503050406030204" pitchFamily="18" charset="0"/>
+                          </a:rPr>
+                          <m:t>𝑛</m:t>
+                        </m:r>
+                      </m:sub>
+                    </m:sSub>
+                    <m:r>
+                      <a:rPr lang="fr-FR" b="0" i="1" smtClean="0">
+                        <a:latin typeface="Cambria Math" panose="02040503050406030204" pitchFamily="18" charset="0"/>
+                      </a:rPr>
+                      <m:t>|</m:t>
+                    </m:r>
+                  </m:oMath>
+                </a14:m>
+                <a:r>
+                  <a:rPr lang="fr-FR" dirty="0"/>
+                  <a:t>  </a:t>
+                </a:r>
+              </a:p>
+            </p:txBody>
+          </p:sp>
+        </mc:Choice>
+        <mc:Fallback>
+          <p:sp>
+            <p:nvSpPr>
+              <p:cNvPr id="3" name="Espace réservé du contenu 2">
+                <a:extLst>
+                  <a:ext uri="{FF2B5EF4-FFF2-40B4-BE49-F238E27FC236}">
+                    <a16:creationId xmlns:a16="http://schemas.microsoft.com/office/drawing/2014/main" id="{D2528AD3-3214-D758-8968-98B85654AC4B}"/>
+                  </a:ext>
+                </a:extLst>
+              </p:cNvPr>
+              <p:cNvSpPr>
+                <a:spLocks noGrp="1" noRot="1" noChangeAspect="1" noMove="1" noResize="1" noEditPoints="1" noAdjustHandles="1" noChangeArrowheads="1" noChangeShapeType="1" noTextEdit="1"/>
+              </p:cNvSpPr>
+              <p:nvPr>
+                <p:ph idx="1"/>
+              </p:nvPr>
+            </p:nvSpPr>
+            <p:spPr>
+              <a:blipFill>
+                <a:blip r:embed="rId2"/>
+                <a:stretch>
+                  <a:fillRect l="-1043" t="-280"/>
+                </a:stretch>
+              </a:blipFill>
+            </p:spPr>
+            <p:txBody>
+              <a:bodyPr/>
+              <a:lstStyle/>
+              <a:p>
+                <a:r>
+                  <a:rPr lang="fr-FR">
+                    <a:noFill/>
+                  </a:rPr>
+                  <a:t> </a:t>
+                </a:r>
+              </a:p>
+            </p:txBody>
+          </p:sp>
+        </mc:Fallback>
+      </mc:AlternateContent>
+      <p:sp>
+        <p:nvSpPr>
+          <p:cNvPr id="10" name="Espace réservé du numéro de diapositive 9">
+            <a:extLst>
+              <a:ext uri="{FF2B5EF4-FFF2-40B4-BE49-F238E27FC236}">
+                <a16:creationId xmlns:a16="http://schemas.microsoft.com/office/drawing/2014/main" id="{0FED7C55-BD9D-5E58-9438-88F0F74B95A1}"/>
+              </a:ext>
+            </a:extLst>
+          </p:cNvPr>
+          <p:cNvSpPr>
+            <a:spLocks noGrp="1"/>
+          </p:cNvSpPr>
+          <p:nvPr>
+            <p:ph type="sldNum" sz="quarter" idx="12"/>
+          </p:nvPr>
+        </p:nvSpPr>
+        <p:spPr/>
+        <p:txBody>
+          <a:bodyPr/>
+          <a:lstStyle/>
+          <a:p>
+            <a:fld id="{D1861D36-3F08-40F2-A6FB-3D64786A8D8E}" type="slidenum">
+              <a:rPr lang="fr-FR" smtClean="0"/>
+              <a:t>6</a:t>
+            </a:fld>
+            <a:endParaRPr lang="fr-FR"/>
+          </a:p>
+        </p:txBody>
+      </p:sp>
+    </p:spTree>
+    <p:extLst>
+      <p:ext uri="{BB962C8B-B14F-4D97-AF65-F5344CB8AC3E}">
+        <p14:creationId xmlns:p14="http://schemas.microsoft.com/office/powerpoint/2010/main" val="1615699878"/>
+      </p:ext>
+    </p:extLst>
+  </p:cSld>
+  <p:clrMapOvr>
+    <a:masterClrMapping/>
+  </p:clrMapOvr>
+</p:sld>
+</file>
+
+<file path=ppt/slides/slide7.xml><?xml version="1.0" encoding="utf-8"?>
+<p:sld xmlns:a="http://schemas.openxmlformats.org/drawingml/2006/main" xmlns:r="http://schemas.openxmlformats.org/officeDocument/2006/relationships" xmlns:p="http://schemas.openxmlformats.org/presentationml/2006/main">
+  <p:cSld>
+    <p:spTree>
+      <p:nvGrpSpPr>
+        <p:cNvPr id="1" name=""/>
+        <p:cNvGrpSpPr/>
+        <p:nvPr/>
+      </p:nvGrpSpPr>
+      <p:grpSpPr>
+        <a:xfrm>
+          <a:off x="0" y="0"/>
+          <a:ext cx="0" cy="0"/>
+          <a:chOff x="0" y="0"/>
+          <a:chExt cx="0" cy="0"/>
+        </a:xfrm>
+      </p:grpSpPr>
+      <p:sp>
+        <p:nvSpPr>
+          <p:cNvPr id="6" name="Espace réservé du numéro de diapositive 5">
+            <a:extLst>
+              <a:ext uri="{FF2B5EF4-FFF2-40B4-BE49-F238E27FC236}">
+                <a16:creationId xmlns:a16="http://schemas.microsoft.com/office/drawing/2014/main" id="{7E86F417-6159-F42D-B64F-5E29D3BA74D4}"/>
+              </a:ext>
+            </a:extLst>
+          </p:cNvPr>
+          <p:cNvSpPr>
+            <a:spLocks noGrp="1"/>
+          </p:cNvSpPr>
+          <p:nvPr>
+            <p:ph type="sldNum" sz="quarter" idx="12"/>
+          </p:nvPr>
+        </p:nvSpPr>
+        <p:spPr/>
+        <p:txBody>
+          <a:bodyPr/>
+          <a:lstStyle/>
+          <a:p>
+            <a:fld id="{D1861D36-3F08-40F2-A6FB-3D64786A8D8E}" type="slidenum">
+              <a:rPr lang="fr-FR" smtClean="0"/>
+              <a:t>7</a:t>
+            </a:fld>
+            <a:endParaRPr lang="fr-FR"/>
+          </a:p>
+        </p:txBody>
+      </p:sp>
+      <p:pic>
+        <p:nvPicPr>
+          <p:cNvPr id="10" name="Image 9">
+            <a:extLst>
+              <a:ext uri="{FF2B5EF4-FFF2-40B4-BE49-F238E27FC236}">
+                <a16:creationId xmlns:a16="http://schemas.microsoft.com/office/drawing/2014/main" id="{C7BD4B8A-9CC8-68D0-96C7-853BCF1D4436}"/>
+              </a:ext>
+            </a:extLst>
+          </p:cNvPr>
+          <p:cNvPicPr>
+            <a:picLocks noChangeAspect="1"/>
+          </p:cNvPicPr>
+          <p:nvPr/>
+        </p:nvPicPr>
+        <p:blipFill>
+          <a:blip r:embed="rId2">
+            <a:extLst>
+              <a:ext uri="{28A0092B-C50C-407E-A947-70E740481C1C}">
+                <a14:useLocalDpi xmlns:a14="http://schemas.microsoft.com/office/drawing/2010/main" val="0"/>
+              </a:ext>
+            </a:extLst>
+          </a:blip>
+          <a:stretch>
+            <a:fillRect/>
+          </a:stretch>
+        </p:blipFill>
+        <p:spPr>
+          <a:xfrm>
+            <a:off x="621436" y="136525"/>
+            <a:ext cx="10531876" cy="5224798"/>
+          </a:xfrm>
+          <a:prstGeom prst="rect">
+            <a:avLst/>
+          </a:prstGeom>
+        </p:spPr>
+      </p:pic>
+      <p:sp>
+        <p:nvSpPr>
+          <p:cNvPr id="11" name="ZoneTexte 10">
+            <a:extLst>
+              <a:ext uri="{FF2B5EF4-FFF2-40B4-BE49-F238E27FC236}">
+                <a16:creationId xmlns:a16="http://schemas.microsoft.com/office/drawing/2014/main" id="{A701F51A-07A8-3B5B-C6E4-2488140586B8}"/>
+              </a:ext>
+            </a:extLst>
+          </p:cNvPr>
+          <p:cNvSpPr txBox="1"/>
+          <p:nvPr/>
+        </p:nvSpPr>
+        <p:spPr>
+          <a:xfrm>
+            <a:off x="701336" y="5752730"/>
+            <a:ext cx="9481351" cy="369332"/>
+          </a:xfrm>
+          <a:prstGeom prst="rect">
+            <a:avLst/>
+          </a:prstGeom>
+          <a:noFill/>
+        </p:spPr>
+        <p:txBody>
+          <a:bodyPr wrap="square" rtlCol="0">
+            <a:spAutoFit/>
+          </a:bodyPr>
+          <a:lstStyle/>
+          <a:p>
+            <a:r>
+              <a:rPr lang="fr-FR" dirty="0"/>
+              <a:t>L’erreur infinie est bien supérieur aux deux autres erreurs, néanmoins les 3 erreurs convergent.</a:t>
+            </a:r>
+          </a:p>
+        </p:txBody>
+      </p:sp>
+    </p:spTree>
+    <p:extLst>
+      <p:ext uri="{BB962C8B-B14F-4D97-AF65-F5344CB8AC3E}">
+        <p14:creationId xmlns:p14="http://schemas.microsoft.com/office/powerpoint/2010/main" val="307218369"/>
+      </p:ext>
+    </p:extLst>
+  </p:cSld>
+  <p:clrMapOvr>
+    <a:masterClrMapping/>
+  </p:clrMapOvr>
+</p:sld>
+</file>
+
+<file path=ppt/slides/slide8.xml><?xml version="1.0" encoding="utf-8"?>
+<p:sld xmlns:a="http://schemas.openxmlformats.org/drawingml/2006/main" xmlns:r="http://schemas.openxmlformats.org/officeDocument/2006/relationships" xmlns:p="http://schemas.openxmlformats.org/presentationml/2006/main">
+  <p:cSld>
+    <p:spTree>
+      <p:nvGrpSpPr>
+        <p:cNvPr id="1" name=""/>
+        <p:cNvGrpSpPr/>
+        <p:nvPr/>
+      </p:nvGrpSpPr>
+      <p:grpSpPr>
+        <a:xfrm>
+          <a:off x="0" y="0"/>
+          <a:ext cx="0" cy="0"/>
+          <a:chOff x="0" y="0"/>
+          <a:chExt cx="0" cy="0"/>
+        </a:xfrm>
+      </p:grpSpPr>
+      <p:sp>
+        <p:nvSpPr>
+          <p:cNvPr id="2" name="Titre 1">
+            <a:extLst>
+              <a:ext uri="{FF2B5EF4-FFF2-40B4-BE49-F238E27FC236}">
+                <a16:creationId xmlns:a16="http://schemas.microsoft.com/office/drawing/2014/main" id="{E7391C83-D0D3-EBB0-E8A6-4E12A66647A9}"/>
               </a:ext>
             </a:extLst>
           </p:cNvPr>
@@ -13173,17 +15532,2749 @@
           <a:p>
             <a:r>
               <a:rPr lang="fr-FR" dirty="0"/>
-              <a:t>D – Code de calcul en différences finies </a:t>
+              <a:t>F – Nouveau schéma de différences finies</a:t>
             </a:r>
           </a:p>
         </p:txBody>
       </p:sp>
+      <mc:AlternateContent xmlns:mc="http://schemas.openxmlformats.org/markup-compatibility/2006">
+        <mc:Choice xmlns:a14="http://schemas.microsoft.com/office/drawing/2010/main" Requires="a14">
+          <p:sp>
+            <p:nvSpPr>
+              <p:cNvPr id="3" name="Espace réservé du contenu 2">
+                <a:extLst>
+                  <a:ext uri="{FF2B5EF4-FFF2-40B4-BE49-F238E27FC236}">
+                    <a16:creationId xmlns:a16="http://schemas.microsoft.com/office/drawing/2014/main" id="{6E1117CA-2622-ED0A-F430-A468DA4A0EDF}"/>
+                  </a:ext>
+                </a:extLst>
+              </p:cNvPr>
+              <p:cNvSpPr>
+                <a:spLocks noGrp="1"/>
+              </p:cNvSpPr>
+              <p:nvPr>
+                <p:ph idx="1"/>
+              </p:nvPr>
+            </p:nvSpPr>
+            <p:spPr>
+              <a:xfrm>
+                <a:off x="838200" y="1580225"/>
+                <a:ext cx="10515600" cy="4596738"/>
+              </a:xfrm>
+            </p:spPr>
+            <p:txBody>
+              <a:bodyPr>
+                <a:normAutofit fontScale="92500" lnSpcReduction="10000"/>
+              </a:bodyPr>
+              <a:lstStyle/>
+              <a:p>
+                <a14:m>
+                  <m:oMath xmlns:m="http://schemas.openxmlformats.org/officeDocument/2006/math">
+                    <m:r>
+                      <a:rPr lang="fr-FR" sz="2400" b="0" i="1" smtClean="0">
+                        <a:latin typeface="Cambria Math" panose="02040503050406030204" pitchFamily="18" charset="0"/>
+                      </a:rPr>
+                      <m:t>∀</m:t>
+                    </m:r>
+                    <m:r>
+                      <a:rPr lang="fr-FR" sz="2400" b="0" i="1" smtClean="0">
+                        <a:latin typeface="Cambria Math" panose="02040503050406030204" pitchFamily="18" charset="0"/>
+                      </a:rPr>
+                      <m:t>𝑡</m:t>
+                    </m:r>
+                    <m:r>
+                      <a:rPr lang="fr-FR" sz="2400" b="0" i="1" smtClean="0">
+                        <a:latin typeface="Cambria Math" panose="02040503050406030204" pitchFamily="18" charset="0"/>
+                      </a:rPr>
+                      <m:t>, ∀</m:t>
+                    </m:r>
+                    <m:r>
+                      <a:rPr lang="fr-FR" sz="2400" b="0" i="1" smtClean="0">
+                        <a:latin typeface="Cambria Math" panose="02040503050406030204" pitchFamily="18" charset="0"/>
+                      </a:rPr>
+                      <m:t>𝑖</m:t>
+                    </m:r>
+                    <m:r>
+                      <a:rPr lang="fr-FR" sz="2400" b="0" i="1" smtClean="0">
+                        <a:latin typeface="Cambria Math" panose="02040503050406030204" pitchFamily="18" charset="0"/>
+                      </a:rPr>
+                      <m:t>∈</m:t>
+                    </m:r>
+                    <m:d>
+                      <m:dPr>
+                        <m:begChr m:val="{"/>
+                        <m:endChr m:val="}"/>
+                        <m:ctrlPr>
+                          <a:rPr lang="fr-FR" sz="2400" b="0" i="1" smtClean="0">
+                            <a:latin typeface="Cambria Math" panose="02040503050406030204" pitchFamily="18" charset="0"/>
+                          </a:rPr>
+                        </m:ctrlPr>
+                      </m:dPr>
+                      <m:e>
+                        <m:r>
+                          <a:rPr lang="fr-FR" sz="2400" b="0" i="1" smtClean="0">
+                            <a:latin typeface="Cambria Math" panose="02040503050406030204" pitchFamily="18" charset="0"/>
+                          </a:rPr>
+                          <m:t>2;3;4</m:t>
+                        </m:r>
+                      </m:e>
+                    </m:d>
+                    <m:r>
+                      <a:rPr lang="fr-FR" sz="2400" b="0" i="1" smtClean="0">
+                        <a:latin typeface="Cambria Math" panose="02040503050406030204" pitchFamily="18" charset="0"/>
+                      </a:rPr>
+                      <m:t> :</m:t>
+                    </m:r>
+                    <m:f>
+                      <m:fPr>
+                        <m:ctrlPr>
+                          <a:rPr lang="fr-FR" sz="2400" b="0" i="1" smtClean="0">
+                            <a:latin typeface="Cambria Math" panose="02040503050406030204" pitchFamily="18" charset="0"/>
+                          </a:rPr>
+                        </m:ctrlPr>
+                      </m:fPr>
+                      <m:num>
+                        <m:r>
+                          <a:rPr lang="fr-FR" sz="2400" b="0" i="1" smtClean="0">
+                            <a:latin typeface="Cambria Math" panose="02040503050406030204" pitchFamily="18" charset="0"/>
+                          </a:rPr>
+                          <m:t>𝜕</m:t>
+                        </m:r>
+                        <m:r>
+                          <a:rPr lang="fr-FR" sz="2400" b="0" i="1" smtClean="0">
+                            <a:latin typeface="Cambria Math" panose="02040503050406030204" pitchFamily="18" charset="0"/>
+                          </a:rPr>
+                          <m:t>𝐶</m:t>
+                        </m:r>
+                      </m:num>
+                      <m:den>
+                        <m:r>
+                          <a:rPr lang="fr-FR" sz="2400" b="0" i="1" smtClean="0">
+                            <a:latin typeface="Cambria Math" panose="02040503050406030204" pitchFamily="18" charset="0"/>
+                          </a:rPr>
+                          <m:t>𝜕</m:t>
+                        </m:r>
+                        <m:r>
+                          <a:rPr lang="fr-FR" sz="2400" b="0" i="1" smtClean="0">
+                            <a:latin typeface="Cambria Math" panose="02040503050406030204" pitchFamily="18" charset="0"/>
+                          </a:rPr>
+                          <m:t>𝑟</m:t>
+                        </m:r>
+                      </m:den>
+                    </m:f>
+                    <m:sSub>
+                      <m:sSubPr>
+                        <m:ctrlPr>
+                          <a:rPr lang="fr-FR" sz="2400" b="0" i="1" smtClean="0">
+                            <a:latin typeface="Cambria Math" panose="02040503050406030204" pitchFamily="18" charset="0"/>
+                          </a:rPr>
+                        </m:ctrlPr>
+                      </m:sSubPr>
+                      <m:e>
+                        <m:d>
+                          <m:dPr>
+                            <m:begChr m:val=""/>
+                            <m:endChr m:val="|"/>
+                            <m:ctrlPr>
+                              <a:rPr lang="fr-FR" sz="2400" b="0" i="1" smtClean="0">
+                                <a:latin typeface="Cambria Math" panose="02040503050406030204" pitchFamily="18" charset="0"/>
+                              </a:rPr>
+                            </m:ctrlPr>
+                          </m:dPr>
+                          <m:e>
+                            <m:r>
+                              <a:rPr lang="fr-FR" sz="2400">
+                                <a:latin typeface="Cambria Math" panose="02040503050406030204" pitchFamily="18" charset="0"/>
+                              </a:rPr>
+                              <m:t>​</m:t>
+                            </m:r>
+                          </m:e>
+                        </m:d>
+                      </m:e>
+                      <m:sub>
+                        <m:r>
+                          <a:rPr lang="fr-FR" sz="2400" b="0" i="1" smtClean="0">
+                            <a:latin typeface="Cambria Math" panose="02040503050406030204" pitchFamily="18" charset="0"/>
+                          </a:rPr>
+                          <m:t>𝑖</m:t>
+                        </m:r>
+                        <m:r>
+                          <a:rPr lang="fr-FR" sz="2400" b="0" i="1" smtClean="0">
+                            <a:latin typeface="Cambria Math" panose="02040503050406030204" pitchFamily="18" charset="0"/>
+                          </a:rPr>
+                          <m:t>,</m:t>
+                        </m:r>
+                        <m:r>
+                          <a:rPr lang="fr-FR" sz="2400" b="0" i="1" smtClean="0">
+                            <a:latin typeface="Cambria Math" panose="02040503050406030204" pitchFamily="18" charset="0"/>
+                          </a:rPr>
+                          <m:t>𝑡</m:t>
+                        </m:r>
+                      </m:sub>
+                    </m:sSub>
+                    <m:r>
+                      <a:rPr lang="fr-FR" sz="2400" b="0" i="1" smtClean="0">
+                        <a:latin typeface="Cambria Math" panose="02040503050406030204" pitchFamily="18" charset="0"/>
+                      </a:rPr>
+                      <m:t>=</m:t>
+                    </m:r>
+                    <m:f>
+                      <m:fPr>
+                        <m:ctrlPr>
+                          <a:rPr lang="fr-FR" sz="2400" b="0" i="1" smtClean="0">
+                            <a:latin typeface="Cambria Math" panose="02040503050406030204" pitchFamily="18" charset="0"/>
+                          </a:rPr>
+                        </m:ctrlPr>
+                      </m:fPr>
+                      <m:num>
+                        <m:sSubSup>
+                          <m:sSubSupPr>
+                            <m:ctrlPr>
+                              <a:rPr lang="fr-FR" sz="2400" b="0" i="1" smtClean="0">
+                                <a:latin typeface="Cambria Math" panose="02040503050406030204" pitchFamily="18" charset="0"/>
+                              </a:rPr>
+                            </m:ctrlPr>
+                          </m:sSubSupPr>
+                          <m:e>
+                            <m:r>
+                              <a:rPr lang="fr-FR" sz="2400" b="0" i="1" smtClean="0">
+                                <a:latin typeface="Cambria Math" panose="02040503050406030204" pitchFamily="18" charset="0"/>
+                              </a:rPr>
+                              <m:t>𝐶</m:t>
+                            </m:r>
+                          </m:e>
+                          <m:sub>
+                            <m:r>
+                              <a:rPr lang="fr-FR" sz="2400" b="0" i="1" smtClean="0">
+                                <a:latin typeface="Cambria Math" panose="02040503050406030204" pitchFamily="18" charset="0"/>
+                              </a:rPr>
+                              <m:t>𝑖</m:t>
+                            </m:r>
+                            <m:r>
+                              <a:rPr lang="fr-FR" sz="2400" b="0" i="1" smtClean="0">
+                                <a:latin typeface="Cambria Math" panose="02040503050406030204" pitchFamily="18" charset="0"/>
+                              </a:rPr>
+                              <m:t>+1</m:t>
+                            </m:r>
+                          </m:sub>
+                          <m:sup>
+                            <m:r>
+                              <a:rPr lang="fr-FR" sz="2400" b="0" i="1" smtClean="0">
+                                <a:latin typeface="Cambria Math" panose="02040503050406030204" pitchFamily="18" charset="0"/>
+                              </a:rPr>
+                              <m:t>𝑡</m:t>
+                            </m:r>
+                          </m:sup>
+                        </m:sSubSup>
+                        <m:r>
+                          <a:rPr lang="fr-FR" sz="2400" b="0" i="1" smtClean="0">
+                            <a:latin typeface="Cambria Math" panose="02040503050406030204" pitchFamily="18" charset="0"/>
+                          </a:rPr>
+                          <m:t>−</m:t>
+                        </m:r>
+                        <m:sSubSup>
+                          <m:sSubSupPr>
+                            <m:ctrlPr>
+                              <a:rPr lang="fr-FR" sz="2400" b="0" i="1" smtClean="0">
+                                <a:latin typeface="Cambria Math" panose="02040503050406030204" pitchFamily="18" charset="0"/>
+                              </a:rPr>
+                            </m:ctrlPr>
+                          </m:sSubSupPr>
+                          <m:e>
+                            <m:r>
+                              <a:rPr lang="fr-FR" sz="2400" b="0" i="1" smtClean="0">
+                                <a:latin typeface="Cambria Math" panose="02040503050406030204" pitchFamily="18" charset="0"/>
+                              </a:rPr>
+                              <m:t>𝐶</m:t>
+                            </m:r>
+                          </m:e>
+                          <m:sub>
+                            <m:r>
+                              <a:rPr lang="fr-FR" sz="2400" b="0" i="1" smtClean="0">
+                                <a:latin typeface="Cambria Math" panose="02040503050406030204" pitchFamily="18" charset="0"/>
+                              </a:rPr>
+                              <m:t>𝑖</m:t>
+                            </m:r>
+                            <m:r>
+                              <a:rPr lang="fr-FR" sz="2400" b="0" i="1" smtClean="0">
+                                <a:latin typeface="Cambria Math" panose="02040503050406030204" pitchFamily="18" charset="0"/>
+                              </a:rPr>
+                              <m:t>−1</m:t>
+                            </m:r>
+                          </m:sub>
+                          <m:sup>
+                            <m:r>
+                              <a:rPr lang="fr-FR" sz="2400" b="0" i="1" smtClean="0">
+                                <a:latin typeface="Cambria Math" panose="02040503050406030204" pitchFamily="18" charset="0"/>
+                              </a:rPr>
+                              <m:t>𝑡</m:t>
+                            </m:r>
+                          </m:sup>
+                        </m:sSubSup>
+                      </m:num>
+                      <m:den>
+                        <m:r>
+                          <a:rPr lang="fr-FR" sz="2400" b="0" i="0" smtClean="0">
+                            <a:latin typeface="Cambria Math" panose="02040503050406030204" pitchFamily="18" charset="0"/>
+                          </a:rPr>
+                          <m:t>2</m:t>
+                        </m:r>
+                        <m:r>
+                          <m:rPr>
+                            <m:sty m:val="p"/>
+                          </m:rPr>
+                          <a:rPr lang="fr-FR" sz="2400" b="0" i="0" smtClean="0">
+                            <a:latin typeface="Cambria Math" panose="02040503050406030204" pitchFamily="18" charset="0"/>
+                          </a:rPr>
+                          <m:t>Δ</m:t>
+                        </m:r>
+                        <m:r>
+                          <a:rPr lang="fr-FR" sz="2400" b="0" i="1" smtClean="0">
+                            <a:latin typeface="Cambria Math" panose="02040503050406030204" pitchFamily="18" charset="0"/>
+                          </a:rPr>
+                          <m:t>𝑟</m:t>
+                        </m:r>
+                      </m:den>
+                    </m:f>
+                  </m:oMath>
+                </a14:m>
+                <a:r>
+                  <a:rPr lang="fr-FR" sz="2400" dirty="0"/>
+                  <a:t> and </a:t>
+                </a:r>
+                <a14:m>
+                  <m:oMath xmlns:m="http://schemas.openxmlformats.org/officeDocument/2006/math">
+                    <m:f>
+                      <m:fPr>
+                        <m:ctrlPr>
+                          <a:rPr lang="fr-FR" sz="2400" b="0" i="1" smtClean="0">
+                            <a:latin typeface="Cambria Math" panose="02040503050406030204" pitchFamily="18" charset="0"/>
+                          </a:rPr>
+                        </m:ctrlPr>
+                      </m:fPr>
+                      <m:num>
+                        <m:sSup>
+                          <m:sSupPr>
+                            <m:ctrlPr>
+                              <a:rPr lang="fr-FR" sz="2400" b="0" i="1" smtClean="0">
+                                <a:latin typeface="Cambria Math" panose="02040503050406030204" pitchFamily="18" charset="0"/>
+                              </a:rPr>
+                            </m:ctrlPr>
+                          </m:sSupPr>
+                          <m:e>
+                            <m:r>
+                              <a:rPr lang="fr-FR" sz="2400" b="0" i="1" smtClean="0">
+                                <a:latin typeface="Cambria Math" panose="02040503050406030204" pitchFamily="18" charset="0"/>
+                              </a:rPr>
+                              <m:t>𝜕</m:t>
+                            </m:r>
+                          </m:e>
+                          <m:sup>
+                            <m:r>
+                              <a:rPr lang="fr-FR" sz="2400" b="0" i="1" smtClean="0">
+                                <a:latin typeface="Cambria Math" panose="02040503050406030204" pitchFamily="18" charset="0"/>
+                              </a:rPr>
+                              <m:t>2</m:t>
+                            </m:r>
+                          </m:sup>
+                        </m:sSup>
+                        <m:r>
+                          <a:rPr lang="fr-FR" sz="2400" b="0" i="1" smtClean="0">
+                            <a:latin typeface="Cambria Math" panose="02040503050406030204" pitchFamily="18" charset="0"/>
+                          </a:rPr>
+                          <m:t>𝐶</m:t>
+                        </m:r>
+                      </m:num>
+                      <m:den>
+                        <m:r>
+                          <a:rPr lang="fr-FR" sz="2400" b="0" i="1" smtClean="0">
+                            <a:latin typeface="Cambria Math" panose="02040503050406030204" pitchFamily="18" charset="0"/>
+                          </a:rPr>
+                          <m:t>𝜕</m:t>
+                        </m:r>
+                        <m:sSup>
+                          <m:sSupPr>
+                            <m:ctrlPr>
+                              <a:rPr lang="fr-FR" sz="2400" b="0" i="1" smtClean="0">
+                                <a:latin typeface="Cambria Math" panose="02040503050406030204" pitchFamily="18" charset="0"/>
+                              </a:rPr>
+                            </m:ctrlPr>
+                          </m:sSupPr>
+                          <m:e>
+                            <m:r>
+                              <a:rPr lang="fr-FR" sz="2400" b="0" i="1" smtClean="0">
+                                <a:latin typeface="Cambria Math" panose="02040503050406030204" pitchFamily="18" charset="0"/>
+                              </a:rPr>
+                              <m:t>𝑟</m:t>
+                            </m:r>
+                          </m:e>
+                          <m:sup>
+                            <m:r>
+                              <a:rPr lang="fr-FR" sz="2400" b="0" i="1" smtClean="0">
+                                <a:latin typeface="Cambria Math" panose="02040503050406030204" pitchFamily="18" charset="0"/>
+                              </a:rPr>
+                              <m:t>2</m:t>
+                            </m:r>
+                          </m:sup>
+                        </m:sSup>
+                      </m:den>
+                    </m:f>
+                    <m:sSub>
+                      <m:sSubPr>
+                        <m:ctrlPr>
+                          <a:rPr lang="fr-FR" sz="2400" b="0" i="1" smtClean="0">
+                            <a:latin typeface="Cambria Math" panose="02040503050406030204" pitchFamily="18" charset="0"/>
+                          </a:rPr>
+                        </m:ctrlPr>
+                      </m:sSubPr>
+                      <m:e>
+                        <m:d>
+                          <m:dPr>
+                            <m:begChr m:val=""/>
+                            <m:endChr m:val="|"/>
+                            <m:ctrlPr>
+                              <a:rPr lang="fr-FR" sz="2400" b="0" i="1" smtClean="0">
+                                <a:latin typeface="Cambria Math" panose="02040503050406030204" pitchFamily="18" charset="0"/>
+                              </a:rPr>
+                            </m:ctrlPr>
+                          </m:dPr>
+                          <m:e>
+                            <m:r>
+                              <a:rPr lang="fr-FR" sz="2400">
+                                <a:latin typeface="Cambria Math" panose="02040503050406030204" pitchFamily="18" charset="0"/>
+                              </a:rPr>
+                              <m:t>​</m:t>
+                            </m:r>
+                          </m:e>
+                        </m:d>
+                      </m:e>
+                      <m:sub>
+                        <m:r>
+                          <a:rPr lang="fr-FR" sz="2400" b="0" i="1" smtClean="0">
+                            <a:latin typeface="Cambria Math" panose="02040503050406030204" pitchFamily="18" charset="0"/>
+                          </a:rPr>
+                          <m:t>𝑖</m:t>
+                        </m:r>
+                        <m:r>
+                          <a:rPr lang="fr-FR" sz="2400" b="0" i="1" smtClean="0">
+                            <a:latin typeface="Cambria Math" panose="02040503050406030204" pitchFamily="18" charset="0"/>
+                          </a:rPr>
+                          <m:t>,</m:t>
+                        </m:r>
+                        <m:r>
+                          <a:rPr lang="fr-FR" sz="2400" b="0" i="1" smtClean="0">
+                            <a:latin typeface="Cambria Math" panose="02040503050406030204" pitchFamily="18" charset="0"/>
+                          </a:rPr>
+                          <m:t>𝑡</m:t>
+                        </m:r>
+                      </m:sub>
+                    </m:sSub>
+                    <m:r>
+                      <a:rPr lang="fr-FR" sz="2400" b="0" i="1" smtClean="0">
+                        <a:latin typeface="Cambria Math" panose="02040503050406030204" pitchFamily="18" charset="0"/>
+                      </a:rPr>
+                      <m:t>=</m:t>
+                    </m:r>
+                    <m:f>
+                      <m:fPr>
+                        <m:ctrlPr>
+                          <a:rPr lang="fr-FR" sz="2400" b="0" i="1" smtClean="0">
+                            <a:latin typeface="Cambria Math" panose="02040503050406030204" pitchFamily="18" charset="0"/>
+                          </a:rPr>
+                        </m:ctrlPr>
+                      </m:fPr>
+                      <m:num>
+                        <m:sSubSup>
+                          <m:sSubSupPr>
+                            <m:ctrlPr>
+                              <a:rPr lang="fr-FR" sz="2400" b="0" i="1" smtClean="0">
+                                <a:latin typeface="Cambria Math" panose="02040503050406030204" pitchFamily="18" charset="0"/>
+                              </a:rPr>
+                            </m:ctrlPr>
+                          </m:sSubSupPr>
+                          <m:e>
+                            <m:r>
+                              <a:rPr lang="fr-FR" sz="2400" b="0" i="1" smtClean="0">
+                                <a:latin typeface="Cambria Math" panose="02040503050406030204" pitchFamily="18" charset="0"/>
+                              </a:rPr>
+                              <m:t>𝐶</m:t>
+                            </m:r>
+                          </m:e>
+                          <m:sub>
+                            <m:r>
+                              <a:rPr lang="fr-FR" sz="2400" b="0" i="1" smtClean="0">
+                                <a:latin typeface="Cambria Math" panose="02040503050406030204" pitchFamily="18" charset="0"/>
+                              </a:rPr>
+                              <m:t>𝑖</m:t>
+                            </m:r>
+                            <m:r>
+                              <a:rPr lang="fr-FR" sz="2400" b="0" i="1" smtClean="0">
+                                <a:latin typeface="Cambria Math" panose="02040503050406030204" pitchFamily="18" charset="0"/>
+                              </a:rPr>
+                              <m:t>+1</m:t>
+                            </m:r>
+                          </m:sub>
+                          <m:sup>
+                            <m:r>
+                              <a:rPr lang="fr-FR" sz="2400" b="0" i="1" smtClean="0">
+                                <a:latin typeface="Cambria Math" panose="02040503050406030204" pitchFamily="18" charset="0"/>
+                              </a:rPr>
+                              <m:t>𝑡</m:t>
+                            </m:r>
+                          </m:sup>
+                        </m:sSubSup>
+                        <m:r>
+                          <a:rPr lang="fr-FR" sz="2400" b="0" i="1" smtClean="0">
+                            <a:latin typeface="Cambria Math" panose="02040503050406030204" pitchFamily="18" charset="0"/>
+                          </a:rPr>
+                          <m:t>−2</m:t>
+                        </m:r>
+                        <m:sSubSup>
+                          <m:sSubSupPr>
+                            <m:ctrlPr>
+                              <a:rPr lang="fr-FR" sz="2400" b="0" i="1" smtClean="0">
+                                <a:latin typeface="Cambria Math" panose="02040503050406030204" pitchFamily="18" charset="0"/>
+                              </a:rPr>
+                            </m:ctrlPr>
+                          </m:sSubSupPr>
+                          <m:e>
+                            <m:r>
+                              <a:rPr lang="fr-FR" sz="2400" b="0" i="1" smtClean="0">
+                                <a:latin typeface="Cambria Math" panose="02040503050406030204" pitchFamily="18" charset="0"/>
+                              </a:rPr>
+                              <m:t>𝐶</m:t>
+                            </m:r>
+                          </m:e>
+                          <m:sub>
+                            <m:r>
+                              <a:rPr lang="fr-FR" sz="2400" b="0" i="1" smtClean="0">
+                                <a:latin typeface="Cambria Math" panose="02040503050406030204" pitchFamily="18" charset="0"/>
+                              </a:rPr>
+                              <m:t>𝑖</m:t>
+                            </m:r>
+                          </m:sub>
+                          <m:sup>
+                            <m:r>
+                              <a:rPr lang="fr-FR" sz="2400" b="0" i="1" smtClean="0">
+                                <a:latin typeface="Cambria Math" panose="02040503050406030204" pitchFamily="18" charset="0"/>
+                              </a:rPr>
+                              <m:t>𝑡</m:t>
+                            </m:r>
+                          </m:sup>
+                        </m:sSubSup>
+                        <m:r>
+                          <a:rPr lang="fr-FR" sz="2400" b="0" i="1" smtClean="0">
+                            <a:latin typeface="Cambria Math" panose="02040503050406030204" pitchFamily="18" charset="0"/>
+                          </a:rPr>
+                          <m:t>+</m:t>
+                        </m:r>
+                        <m:sSubSup>
+                          <m:sSubSupPr>
+                            <m:ctrlPr>
+                              <a:rPr lang="fr-FR" sz="2400" b="0" i="1" smtClean="0">
+                                <a:latin typeface="Cambria Math" panose="02040503050406030204" pitchFamily="18" charset="0"/>
+                              </a:rPr>
+                            </m:ctrlPr>
+                          </m:sSubSupPr>
+                          <m:e>
+                            <m:r>
+                              <a:rPr lang="fr-FR" sz="2400" b="0" i="1" smtClean="0">
+                                <a:latin typeface="Cambria Math" panose="02040503050406030204" pitchFamily="18" charset="0"/>
+                              </a:rPr>
+                              <m:t>𝐶</m:t>
+                            </m:r>
+                          </m:e>
+                          <m:sub>
+                            <m:r>
+                              <a:rPr lang="fr-FR" sz="2400" b="0" i="1" smtClean="0">
+                                <a:latin typeface="Cambria Math" panose="02040503050406030204" pitchFamily="18" charset="0"/>
+                              </a:rPr>
+                              <m:t>𝑖</m:t>
+                            </m:r>
+                            <m:r>
+                              <a:rPr lang="fr-FR" sz="2400" b="0" i="1" smtClean="0">
+                                <a:latin typeface="Cambria Math" panose="02040503050406030204" pitchFamily="18" charset="0"/>
+                              </a:rPr>
+                              <m:t>−1</m:t>
+                            </m:r>
+                          </m:sub>
+                          <m:sup>
+                            <m:r>
+                              <a:rPr lang="fr-FR" sz="2400" b="0" i="1" smtClean="0">
+                                <a:latin typeface="Cambria Math" panose="02040503050406030204" pitchFamily="18" charset="0"/>
+                              </a:rPr>
+                              <m:t>𝑡</m:t>
+                            </m:r>
+                          </m:sup>
+                        </m:sSubSup>
+                      </m:num>
+                      <m:den>
+                        <m:r>
+                          <m:rPr>
+                            <m:sty m:val="p"/>
+                          </m:rPr>
+                          <a:rPr lang="fr-FR" sz="2400" b="0" i="0" smtClean="0">
+                            <a:latin typeface="Cambria Math" panose="02040503050406030204" pitchFamily="18" charset="0"/>
+                          </a:rPr>
+                          <m:t>Δ</m:t>
+                        </m:r>
+                        <m:r>
+                          <a:rPr lang="fr-FR" sz="2400" b="0" i="1" smtClean="0">
+                            <a:latin typeface="Cambria Math" panose="02040503050406030204" pitchFamily="18" charset="0"/>
+                          </a:rPr>
+                          <m:t>𝑟</m:t>
+                        </m:r>
+                        <m:r>
+                          <a:rPr lang="fr-FR" sz="2400" b="0" i="1" smtClean="0">
+                            <a:latin typeface="Cambria Math" panose="02040503050406030204" pitchFamily="18" charset="0"/>
+                          </a:rPr>
+                          <m:t>² </m:t>
+                        </m:r>
+                      </m:den>
+                    </m:f>
+                  </m:oMath>
+                </a14:m>
+                <a:endParaRPr lang="fr-FR" sz="2400" dirty="0"/>
+              </a:p>
+              <a:p>
+                <a:r>
+                  <a:rPr lang="fr-FR" sz="2400" dirty="0"/>
+                  <a:t>Schéma implicite en temps : </a:t>
+                </a:r>
+                <a14:m>
+                  <m:oMath xmlns:m="http://schemas.openxmlformats.org/officeDocument/2006/math">
+                    <m:r>
+                      <a:rPr lang="fr-FR" sz="2400" b="0" i="1" smtClean="0">
+                        <a:latin typeface="Cambria Math" panose="02040503050406030204" pitchFamily="18" charset="0"/>
+                      </a:rPr>
+                      <m:t>∀</m:t>
+                    </m:r>
+                    <m:r>
+                      <a:rPr lang="fr-FR" sz="2400" b="0" i="1" smtClean="0">
+                        <a:latin typeface="Cambria Math" panose="02040503050406030204" pitchFamily="18" charset="0"/>
+                      </a:rPr>
+                      <m:t>𝑡</m:t>
+                    </m:r>
+                    <m:r>
+                      <a:rPr lang="fr-FR" sz="2400" b="0" i="1" smtClean="0">
+                        <a:latin typeface="Cambria Math" panose="02040503050406030204" pitchFamily="18" charset="0"/>
+                      </a:rPr>
+                      <m:t>, ∀</m:t>
+                    </m:r>
+                    <m:r>
+                      <a:rPr lang="fr-FR" sz="2400" b="0" i="1" smtClean="0">
+                        <a:latin typeface="Cambria Math" panose="02040503050406030204" pitchFamily="18" charset="0"/>
+                      </a:rPr>
+                      <m:t>𝑖</m:t>
+                    </m:r>
+                    <m:r>
+                      <a:rPr lang="fr-FR" sz="2400" b="0" i="1" smtClean="0">
+                        <a:latin typeface="Cambria Math" panose="02040503050406030204" pitchFamily="18" charset="0"/>
+                      </a:rPr>
+                      <m:t> :</m:t>
+                    </m:r>
+                    <m:f>
+                      <m:fPr>
+                        <m:ctrlPr>
+                          <a:rPr lang="fr-FR" sz="2400" b="0" i="1" smtClean="0">
+                            <a:latin typeface="Cambria Math" panose="02040503050406030204" pitchFamily="18" charset="0"/>
+                          </a:rPr>
+                        </m:ctrlPr>
+                      </m:fPr>
+                      <m:num>
+                        <m:r>
+                          <a:rPr lang="fr-FR" sz="2400" b="0" i="1" smtClean="0">
+                            <a:latin typeface="Cambria Math" panose="02040503050406030204" pitchFamily="18" charset="0"/>
+                          </a:rPr>
+                          <m:t>𝜕</m:t>
+                        </m:r>
+                        <m:r>
+                          <a:rPr lang="fr-FR" sz="2400" b="0" i="1" smtClean="0">
+                            <a:latin typeface="Cambria Math" panose="02040503050406030204" pitchFamily="18" charset="0"/>
+                          </a:rPr>
+                          <m:t>𝐶</m:t>
+                        </m:r>
+                      </m:num>
+                      <m:den>
+                        <m:r>
+                          <a:rPr lang="fr-FR" sz="2400" b="0" i="1" smtClean="0">
+                            <a:latin typeface="Cambria Math" panose="02040503050406030204" pitchFamily="18" charset="0"/>
+                          </a:rPr>
+                          <m:t>𝜕</m:t>
+                        </m:r>
+                        <m:r>
+                          <a:rPr lang="fr-FR" sz="2400" b="0" i="1" smtClean="0">
+                            <a:latin typeface="Cambria Math" panose="02040503050406030204" pitchFamily="18" charset="0"/>
+                          </a:rPr>
+                          <m:t>𝑡</m:t>
+                        </m:r>
+                      </m:den>
+                    </m:f>
+                    <m:sSub>
+                      <m:sSubPr>
+                        <m:ctrlPr>
+                          <a:rPr lang="fr-FR" sz="2400" b="0" i="1" smtClean="0">
+                            <a:latin typeface="Cambria Math" panose="02040503050406030204" pitchFamily="18" charset="0"/>
+                          </a:rPr>
+                        </m:ctrlPr>
+                      </m:sSubPr>
+                      <m:e>
+                        <m:d>
+                          <m:dPr>
+                            <m:begChr m:val=""/>
+                            <m:endChr m:val="|"/>
+                            <m:ctrlPr>
+                              <a:rPr lang="fr-FR" sz="2400" b="0" i="1" smtClean="0">
+                                <a:latin typeface="Cambria Math" panose="02040503050406030204" pitchFamily="18" charset="0"/>
+                              </a:rPr>
+                            </m:ctrlPr>
+                          </m:dPr>
+                          <m:e>
+                            <m:r>
+                              <a:rPr lang="fr-FR" sz="2400" b="0" i="1" smtClean="0">
+                                <a:latin typeface="Cambria Math" panose="02040503050406030204" pitchFamily="18" charset="0"/>
+                              </a:rPr>
+                              <m:t>​</m:t>
+                            </m:r>
+                          </m:e>
+                        </m:d>
+                      </m:e>
+                      <m:sub>
+                        <m:r>
+                          <a:rPr lang="fr-FR" sz="2400" b="0" i="1" smtClean="0">
+                            <a:latin typeface="Cambria Math" panose="02040503050406030204" pitchFamily="18" charset="0"/>
+                          </a:rPr>
+                          <m:t>𝑖</m:t>
+                        </m:r>
+                        <m:r>
+                          <a:rPr lang="fr-FR" sz="2400" b="0" i="1" smtClean="0">
+                            <a:latin typeface="Cambria Math" panose="02040503050406030204" pitchFamily="18" charset="0"/>
+                          </a:rPr>
+                          <m:t>,</m:t>
+                        </m:r>
+                        <m:r>
+                          <a:rPr lang="fr-FR" sz="2400" b="0" i="1" smtClean="0">
+                            <a:latin typeface="Cambria Math" panose="02040503050406030204" pitchFamily="18" charset="0"/>
+                          </a:rPr>
+                          <m:t>𝑡</m:t>
+                        </m:r>
+                      </m:sub>
+                    </m:sSub>
+                    <m:r>
+                      <a:rPr lang="fr-FR" sz="2400" b="0" i="1" smtClean="0">
+                        <a:latin typeface="Cambria Math" panose="02040503050406030204" pitchFamily="18" charset="0"/>
+                      </a:rPr>
+                      <m:t>=</m:t>
+                    </m:r>
+                    <m:f>
+                      <m:fPr>
+                        <m:ctrlPr>
+                          <a:rPr lang="fr-FR" sz="2400" b="0" i="1" smtClean="0">
+                            <a:latin typeface="Cambria Math" panose="02040503050406030204" pitchFamily="18" charset="0"/>
+                          </a:rPr>
+                        </m:ctrlPr>
+                      </m:fPr>
+                      <m:num>
+                        <m:sSubSup>
+                          <m:sSubSupPr>
+                            <m:ctrlPr>
+                              <a:rPr lang="fr-FR" sz="2400" b="0" i="1" smtClean="0">
+                                <a:latin typeface="Cambria Math" panose="02040503050406030204" pitchFamily="18" charset="0"/>
+                              </a:rPr>
+                            </m:ctrlPr>
+                          </m:sSubSupPr>
+                          <m:e>
+                            <m:r>
+                              <a:rPr lang="fr-FR" sz="2400" b="0" i="1" smtClean="0">
+                                <a:latin typeface="Cambria Math" panose="02040503050406030204" pitchFamily="18" charset="0"/>
+                              </a:rPr>
+                              <m:t>𝐶</m:t>
+                            </m:r>
+                          </m:e>
+                          <m:sub>
+                            <m:r>
+                              <a:rPr lang="fr-FR" sz="2400" b="0" i="1" smtClean="0">
+                                <a:latin typeface="Cambria Math" panose="02040503050406030204" pitchFamily="18" charset="0"/>
+                              </a:rPr>
+                              <m:t>𝑖</m:t>
+                            </m:r>
+                          </m:sub>
+                          <m:sup>
+                            <m:r>
+                              <a:rPr lang="fr-FR" sz="2400" b="0" i="1" smtClean="0">
+                                <a:latin typeface="Cambria Math" panose="02040503050406030204" pitchFamily="18" charset="0"/>
+                              </a:rPr>
+                              <m:t>𝑡</m:t>
+                            </m:r>
+                          </m:sup>
+                        </m:sSubSup>
+                        <m:r>
+                          <a:rPr lang="fr-FR" sz="2400" b="0" i="1" smtClean="0">
+                            <a:latin typeface="Cambria Math" panose="02040503050406030204" pitchFamily="18" charset="0"/>
+                          </a:rPr>
+                          <m:t>−</m:t>
+                        </m:r>
+                        <m:sSubSup>
+                          <m:sSubSupPr>
+                            <m:ctrlPr>
+                              <a:rPr lang="fr-FR" sz="2400" b="0" i="1" smtClean="0">
+                                <a:latin typeface="Cambria Math" panose="02040503050406030204" pitchFamily="18" charset="0"/>
+                              </a:rPr>
+                            </m:ctrlPr>
+                          </m:sSubSupPr>
+                          <m:e>
+                            <m:r>
+                              <a:rPr lang="fr-FR" sz="2400" b="0" i="1" smtClean="0">
+                                <a:latin typeface="Cambria Math" panose="02040503050406030204" pitchFamily="18" charset="0"/>
+                              </a:rPr>
+                              <m:t>𝐶</m:t>
+                            </m:r>
+                          </m:e>
+                          <m:sub>
+                            <m:r>
+                              <a:rPr lang="fr-FR" sz="2400" b="0" i="1" smtClean="0">
+                                <a:latin typeface="Cambria Math" panose="02040503050406030204" pitchFamily="18" charset="0"/>
+                              </a:rPr>
+                              <m:t>𝑖</m:t>
+                            </m:r>
+                          </m:sub>
+                          <m:sup>
+                            <m:r>
+                              <a:rPr lang="fr-FR" sz="2400" b="0" i="1" smtClean="0">
+                                <a:latin typeface="Cambria Math" panose="02040503050406030204" pitchFamily="18" charset="0"/>
+                              </a:rPr>
+                              <m:t>𝑡</m:t>
+                            </m:r>
+                            <m:r>
+                              <a:rPr lang="fr-FR" sz="2400" b="0" i="1" smtClean="0">
+                                <a:latin typeface="Cambria Math" panose="02040503050406030204" pitchFamily="18" charset="0"/>
+                              </a:rPr>
+                              <m:t>−1</m:t>
+                            </m:r>
+                          </m:sup>
+                        </m:sSubSup>
+                      </m:num>
+                      <m:den>
+                        <m:r>
+                          <m:rPr>
+                            <m:sty m:val="p"/>
+                          </m:rPr>
+                          <a:rPr lang="fr-FR" sz="2400" b="0" i="0" smtClean="0">
+                            <a:latin typeface="Cambria Math" panose="02040503050406030204" pitchFamily="18" charset="0"/>
+                          </a:rPr>
+                          <m:t>Δ</m:t>
+                        </m:r>
+                        <m:r>
+                          <a:rPr lang="fr-FR" sz="2400" b="0" i="1" smtClean="0">
+                            <a:latin typeface="Cambria Math" panose="02040503050406030204" pitchFamily="18" charset="0"/>
+                          </a:rPr>
+                          <m:t>𝑡</m:t>
+                        </m:r>
+                      </m:den>
+                    </m:f>
+                  </m:oMath>
+                </a14:m>
+                <a:endParaRPr lang="fr-FR" sz="2400" dirty="0"/>
+              </a:p>
+              <a:p>
+                <a14:m>
+                  <m:oMath xmlns:m="http://schemas.openxmlformats.org/officeDocument/2006/math">
+                    <m:r>
+                      <a:rPr lang="fr-FR" sz="2400" b="0" i="1" smtClean="0">
+                        <a:latin typeface="Cambria Math" panose="02040503050406030204" pitchFamily="18" charset="0"/>
+                      </a:rPr>
+                      <m:t>⇒∀</m:t>
+                    </m:r>
+                    <m:r>
+                      <a:rPr lang="fr-FR" sz="2400" b="0" i="1" smtClean="0">
+                        <a:latin typeface="Cambria Math" panose="02040503050406030204" pitchFamily="18" charset="0"/>
+                      </a:rPr>
+                      <m:t>𝑡</m:t>
+                    </m:r>
+                    <m:r>
+                      <a:rPr lang="fr-FR" sz="2400" b="0" i="1" smtClean="0">
+                        <a:latin typeface="Cambria Math" panose="02040503050406030204" pitchFamily="18" charset="0"/>
+                      </a:rPr>
+                      <m:t>, ∀</m:t>
+                    </m:r>
+                    <m:r>
+                      <a:rPr lang="fr-FR" sz="2400" b="0" i="1" smtClean="0">
+                        <a:latin typeface="Cambria Math" panose="02040503050406030204" pitchFamily="18" charset="0"/>
+                      </a:rPr>
+                      <m:t>𝑖</m:t>
+                    </m:r>
+                    <m:r>
+                      <a:rPr lang="fr-FR" sz="2400" b="0" i="1" smtClean="0">
+                        <a:latin typeface="Cambria Math" panose="02040503050406030204" pitchFamily="18" charset="0"/>
+                      </a:rPr>
+                      <m:t>∈</m:t>
+                    </m:r>
+                    <m:d>
+                      <m:dPr>
+                        <m:begChr m:val="{"/>
+                        <m:endChr m:val="}"/>
+                        <m:ctrlPr>
+                          <a:rPr lang="fr-FR" sz="2400" b="0" i="1" smtClean="0">
+                            <a:latin typeface="Cambria Math" panose="02040503050406030204" pitchFamily="18" charset="0"/>
+                          </a:rPr>
+                        </m:ctrlPr>
+                      </m:dPr>
+                      <m:e>
+                        <m:r>
+                          <a:rPr lang="fr-FR" sz="2400" b="0" i="1" smtClean="0">
+                            <a:latin typeface="Cambria Math" panose="02040503050406030204" pitchFamily="18" charset="0"/>
+                          </a:rPr>
+                          <m:t>2;3;4</m:t>
+                        </m:r>
+                      </m:e>
+                    </m:d>
+                    <m:r>
+                      <a:rPr lang="fr-FR" sz="2400" b="0" i="1" smtClean="0">
+                        <a:latin typeface="Cambria Math" panose="02040503050406030204" pitchFamily="18" charset="0"/>
+                      </a:rPr>
+                      <m:t> :</m:t>
+                    </m:r>
+                    <m:f>
+                      <m:fPr>
+                        <m:ctrlPr>
+                          <a:rPr lang="fr-FR" sz="2400" b="0" i="1" smtClean="0">
+                            <a:latin typeface="Cambria Math" panose="02040503050406030204" pitchFamily="18" charset="0"/>
+                          </a:rPr>
+                        </m:ctrlPr>
+                      </m:fPr>
+                      <m:num>
+                        <m:sSubSup>
+                          <m:sSubSupPr>
+                            <m:ctrlPr>
+                              <a:rPr lang="fr-FR" sz="2400" b="0" i="1" smtClean="0">
+                                <a:latin typeface="Cambria Math" panose="02040503050406030204" pitchFamily="18" charset="0"/>
+                              </a:rPr>
+                            </m:ctrlPr>
+                          </m:sSubSupPr>
+                          <m:e>
+                            <m:r>
+                              <a:rPr lang="fr-FR" sz="2400" b="0" i="1" smtClean="0">
+                                <a:latin typeface="Cambria Math" panose="02040503050406030204" pitchFamily="18" charset="0"/>
+                              </a:rPr>
+                              <m:t>𝐶</m:t>
+                            </m:r>
+                          </m:e>
+                          <m:sub>
+                            <m:r>
+                              <a:rPr lang="fr-FR" sz="2400" b="0" i="1" smtClean="0">
+                                <a:latin typeface="Cambria Math" panose="02040503050406030204" pitchFamily="18" charset="0"/>
+                              </a:rPr>
+                              <m:t>𝑖</m:t>
+                            </m:r>
+                          </m:sub>
+                          <m:sup>
+                            <m:r>
+                              <a:rPr lang="fr-FR" sz="2400" b="0" i="1" smtClean="0">
+                                <a:latin typeface="Cambria Math" panose="02040503050406030204" pitchFamily="18" charset="0"/>
+                              </a:rPr>
+                              <m:t>𝑡</m:t>
+                            </m:r>
+                          </m:sup>
+                        </m:sSubSup>
+                        <m:r>
+                          <a:rPr lang="fr-FR" sz="2400" b="0" i="1" smtClean="0">
+                            <a:latin typeface="Cambria Math" panose="02040503050406030204" pitchFamily="18" charset="0"/>
+                          </a:rPr>
+                          <m:t>−</m:t>
+                        </m:r>
+                        <m:sSubSup>
+                          <m:sSubSupPr>
+                            <m:ctrlPr>
+                              <a:rPr lang="fr-FR" sz="2400" b="0" i="1" smtClean="0">
+                                <a:latin typeface="Cambria Math" panose="02040503050406030204" pitchFamily="18" charset="0"/>
+                              </a:rPr>
+                            </m:ctrlPr>
+                          </m:sSubSupPr>
+                          <m:e>
+                            <m:r>
+                              <a:rPr lang="fr-FR" sz="2400" b="0" i="1" smtClean="0">
+                                <a:latin typeface="Cambria Math" panose="02040503050406030204" pitchFamily="18" charset="0"/>
+                              </a:rPr>
+                              <m:t>𝐶</m:t>
+                            </m:r>
+                          </m:e>
+                          <m:sub>
+                            <m:r>
+                              <a:rPr lang="fr-FR" sz="2400" b="0" i="1" smtClean="0">
+                                <a:latin typeface="Cambria Math" panose="02040503050406030204" pitchFamily="18" charset="0"/>
+                              </a:rPr>
+                              <m:t>𝑖</m:t>
+                            </m:r>
+                          </m:sub>
+                          <m:sup>
+                            <m:r>
+                              <a:rPr lang="fr-FR" sz="2400" b="0" i="1" smtClean="0">
+                                <a:latin typeface="Cambria Math" panose="02040503050406030204" pitchFamily="18" charset="0"/>
+                              </a:rPr>
+                              <m:t>𝑡</m:t>
+                            </m:r>
+                            <m:r>
+                              <a:rPr lang="fr-FR" sz="2400" b="0" i="1" smtClean="0">
+                                <a:latin typeface="Cambria Math" panose="02040503050406030204" pitchFamily="18" charset="0"/>
+                              </a:rPr>
+                              <m:t>−1</m:t>
+                            </m:r>
+                          </m:sup>
+                        </m:sSubSup>
+                      </m:num>
+                      <m:den>
+                        <m:r>
+                          <m:rPr>
+                            <m:sty m:val="p"/>
+                          </m:rPr>
+                          <a:rPr lang="fr-FR" sz="2400" b="0" i="0" smtClean="0">
+                            <a:latin typeface="Cambria Math" panose="02040503050406030204" pitchFamily="18" charset="0"/>
+                          </a:rPr>
+                          <m:t>Δ</m:t>
+                        </m:r>
+                        <m:r>
+                          <a:rPr lang="fr-FR" sz="2400" b="0" i="1" smtClean="0">
+                            <a:latin typeface="Cambria Math" panose="02040503050406030204" pitchFamily="18" charset="0"/>
+                          </a:rPr>
+                          <m:t>𝑡</m:t>
+                        </m:r>
+                      </m:den>
+                    </m:f>
+                    <m:r>
+                      <a:rPr lang="fr-FR" sz="2400" b="0" i="1" smtClean="0">
+                        <a:latin typeface="Cambria Math" panose="02040503050406030204" pitchFamily="18" charset="0"/>
+                      </a:rPr>
+                      <m:t>=</m:t>
+                    </m:r>
+                    <m:sSub>
+                      <m:sSubPr>
+                        <m:ctrlPr>
+                          <a:rPr lang="fr-FR" sz="2400" b="0" i="1" smtClean="0">
+                            <a:latin typeface="Cambria Math" panose="02040503050406030204" pitchFamily="18" charset="0"/>
+                          </a:rPr>
+                        </m:ctrlPr>
+                      </m:sSubPr>
+                      <m:e>
+                        <m:r>
+                          <a:rPr lang="fr-FR" sz="2400" b="0" i="1" smtClean="0">
+                            <a:latin typeface="Cambria Math" panose="02040503050406030204" pitchFamily="18" charset="0"/>
+                          </a:rPr>
+                          <m:t>𝐷</m:t>
+                        </m:r>
+                      </m:e>
+                      <m:sub>
+                        <m:r>
+                          <a:rPr lang="fr-FR" sz="2400" b="0" i="1" smtClean="0">
+                            <a:latin typeface="Cambria Math" panose="02040503050406030204" pitchFamily="18" charset="0"/>
+                          </a:rPr>
+                          <m:t>𝑒𝑓𝑓</m:t>
+                        </m:r>
+                      </m:sub>
+                    </m:sSub>
+                    <m:d>
+                      <m:dPr>
+                        <m:ctrlPr>
+                          <a:rPr lang="fr-FR" sz="2400" b="0" i="1" smtClean="0">
+                            <a:latin typeface="Cambria Math" panose="02040503050406030204" pitchFamily="18" charset="0"/>
+                          </a:rPr>
+                        </m:ctrlPr>
+                      </m:dPr>
+                      <m:e>
+                        <m:f>
+                          <m:fPr>
+                            <m:ctrlPr>
+                              <a:rPr lang="fr-FR" sz="2400" b="0" i="1" smtClean="0">
+                                <a:latin typeface="Cambria Math" panose="02040503050406030204" pitchFamily="18" charset="0"/>
+                              </a:rPr>
+                            </m:ctrlPr>
+                          </m:fPr>
+                          <m:num>
+                            <m:sSubSup>
+                              <m:sSubSupPr>
+                                <m:ctrlPr>
+                                  <a:rPr lang="fr-FR" sz="2400" b="0" i="1" smtClean="0">
+                                    <a:latin typeface="Cambria Math" panose="02040503050406030204" pitchFamily="18" charset="0"/>
+                                  </a:rPr>
+                                </m:ctrlPr>
+                              </m:sSubSupPr>
+                              <m:e>
+                                <m:r>
+                                  <a:rPr lang="fr-FR" sz="2400" b="0" i="1" smtClean="0">
+                                    <a:latin typeface="Cambria Math" panose="02040503050406030204" pitchFamily="18" charset="0"/>
+                                  </a:rPr>
+                                  <m:t>𝐶</m:t>
+                                </m:r>
+                              </m:e>
+                              <m:sub>
+                                <m:r>
+                                  <a:rPr lang="fr-FR" sz="2400" b="0" i="1" smtClean="0">
+                                    <a:latin typeface="Cambria Math" panose="02040503050406030204" pitchFamily="18" charset="0"/>
+                                  </a:rPr>
+                                  <m:t>𝑖</m:t>
+                                </m:r>
+                                <m:r>
+                                  <a:rPr lang="fr-FR" sz="2400" b="0" i="1" smtClean="0">
+                                    <a:latin typeface="Cambria Math" panose="02040503050406030204" pitchFamily="18" charset="0"/>
+                                  </a:rPr>
+                                  <m:t>+1</m:t>
+                                </m:r>
+                              </m:sub>
+                              <m:sup>
+                                <m:r>
+                                  <a:rPr lang="fr-FR" sz="2400" b="0" i="1" smtClean="0">
+                                    <a:latin typeface="Cambria Math" panose="02040503050406030204" pitchFamily="18" charset="0"/>
+                                  </a:rPr>
+                                  <m:t>𝑡</m:t>
+                                </m:r>
+                              </m:sup>
+                            </m:sSubSup>
+                            <m:r>
+                              <a:rPr lang="fr-FR" sz="2400" b="0" i="1" smtClean="0">
+                                <a:latin typeface="Cambria Math" panose="02040503050406030204" pitchFamily="18" charset="0"/>
+                              </a:rPr>
+                              <m:t>−2</m:t>
+                            </m:r>
+                            <m:sSubSup>
+                              <m:sSubSupPr>
+                                <m:ctrlPr>
+                                  <a:rPr lang="fr-FR" sz="2400" b="0" i="1" smtClean="0">
+                                    <a:latin typeface="Cambria Math" panose="02040503050406030204" pitchFamily="18" charset="0"/>
+                                  </a:rPr>
+                                </m:ctrlPr>
+                              </m:sSubSupPr>
+                              <m:e>
+                                <m:r>
+                                  <a:rPr lang="fr-FR" sz="2400" b="0" i="1" smtClean="0">
+                                    <a:latin typeface="Cambria Math" panose="02040503050406030204" pitchFamily="18" charset="0"/>
+                                  </a:rPr>
+                                  <m:t>𝐶</m:t>
+                                </m:r>
+                              </m:e>
+                              <m:sub>
+                                <m:r>
+                                  <a:rPr lang="fr-FR" sz="2400" b="0" i="1" smtClean="0">
+                                    <a:latin typeface="Cambria Math" panose="02040503050406030204" pitchFamily="18" charset="0"/>
+                                  </a:rPr>
+                                  <m:t>𝑖</m:t>
+                                </m:r>
+                              </m:sub>
+                              <m:sup>
+                                <m:r>
+                                  <a:rPr lang="fr-FR" sz="2400" b="0" i="1" smtClean="0">
+                                    <a:latin typeface="Cambria Math" panose="02040503050406030204" pitchFamily="18" charset="0"/>
+                                  </a:rPr>
+                                  <m:t>𝑡</m:t>
+                                </m:r>
+                              </m:sup>
+                            </m:sSubSup>
+                            <m:r>
+                              <a:rPr lang="fr-FR" sz="2400" b="0" i="1" smtClean="0">
+                                <a:latin typeface="Cambria Math" panose="02040503050406030204" pitchFamily="18" charset="0"/>
+                              </a:rPr>
+                              <m:t>+</m:t>
+                            </m:r>
+                            <m:sSubSup>
+                              <m:sSubSupPr>
+                                <m:ctrlPr>
+                                  <a:rPr lang="fr-FR" sz="2400" b="0" i="1" smtClean="0">
+                                    <a:latin typeface="Cambria Math" panose="02040503050406030204" pitchFamily="18" charset="0"/>
+                                  </a:rPr>
+                                </m:ctrlPr>
+                              </m:sSubSupPr>
+                              <m:e>
+                                <m:r>
+                                  <a:rPr lang="fr-FR" sz="2400" b="0" i="1" smtClean="0">
+                                    <a:latin typeface="Cambria Math" panose="02040503050406030204" pitchFamily="18" charset="0"/>
+                                  </a:rPr>
+                                  <m:t>𝐶</m:t>
+                                </m:r>
+                              </m:e>
+                              <m:sub>
+                                <m:r>
+                                  <a:rPr lang="fr-FR" sz="2400" b="0" i="1" smtClean="0">
+                                    <a:latin typeface="Cambria Math" panose="02040503050406030204" pitchFamily="18" charset="0"/>
+                                  </a:rPr>
+                                  <m:t>𝑖</m:t>
+                                </m:r>
+                                <m:r>
+                                  <a:rPr lang="fr-FR" sz="2400" b="0" i="1" smtClean="0">
+                                    <a:latin typeface="Cambria Math" panose="02040503050406030204" pitchFamily="18" charset="0"/>
+                                  </a:rPr>
+                                  <m:t>−1</m:t>
+                                </m:r>
+                              </m:sub>
+                              <m:sup>
+                                <m:r>
+                                  <a:rPr lang="fr-FR" sz="2400" b="0" i="1" smtClean="0">
+                                    <a:latin typeface="Cambria Math" panose="02040503050406030204" pitchFamily="18" charset="0"/>
+                                  </a:rPr>
+                                  <m:t>𝑡</m:t>
+                                </m:r>
+                              </m:sup>
+                            </m:sSubSup>
+                          </m:num>
+                          <m:den>
+                            <m:r>
+                              <m:rPr>
+                                <m:sty m:val="p"/>
+                              </m:rPr>
+                              <a:rPr lang="fr-FR" sz="2400" b="0" i="0" smtClean="0">
+                                <a:latin typeface="Cambria Math" panose="02040503050406030204" pitchFamily="18" charset="0"/>
+                              </a:rPr>
+                              <m:t>Δ</m:t>
+                            </m:r>
+                            <m:sSup>
+                              <m:sSupPr>
+                                <m:ctrlPr>
+                                  <a:rPr lang="fr-FR" sz="2400" b="0" i="1" smtClean="0">
+                                    <a:latin typeface="Cambria Math" panose="02040503050406030204" pitchFamily="18" charset="0"/>
+                                  </a:rPr>
+                                </m:ctrlPr>
+                              </m:sSupPr>
+                              <m:e>
+                                <m:r>
+                                  <a:rPr lang="fr-FR" sz="2400" b="0" i="1" smtClean="0">
+                                    <a:latin typeface="Cambria Math" panose="02040503050406030204" pitchFamily="18" charset="0"/>
+                                  </a:rPr>
+                                  <m:t>𝑟</m:t>
+                                </m:r>
+                              </m:e>
+                              <m:sup>
+                                <m:r>
+                                  <a:rPr lang="fr-FR" sz="2400" b="0" i="1" smtClean="0">
+                                    <a:latin typeface="Cambria Math" panose="02040503050406030204" pitchFamily="18" charset="0"/>
+                                  </a:rPr>
+                                  <m:t>2</m:t>
+                                </m:r>
+                              </m:sup>
+                            </m:sSup>
+                          </m:den>
+                        </m:f>
+                        <m:r>
+                          <a:rPr lang="fr-FR" sz="2400" b="0" i="0" smtClean="0">
+                            <a:latin typeface="Cambria Math" panose="02040503050406030204" pitchFamily="18" charset="0"/>
+                          </a:rPr>
+                          <m:t>+</m:t>
+                        </m:r>
+                        <m:f>
+                          <m:fPr>
+                            <m:ctrlPr>
+                              <a:rPr lang="fr-FR" sz="2400" b="0" i="1" smtClean="0">
+                                <a:latin typeface="Cambria Math" panose="02040503050406030204" pitchFamily="18" charset="0"/>
+                              </a:rPr>
+                            </m:ctrlPr>
+                          </m:fPr>
+                          <m:num>
+                            <m:r>
+                              <a:rPr lang="fr-FR" sz="2400" b="0" i="0" smtClean="0">
+                                <a:latin typeface="Cambria Math" panose="02040503050406030204" pitchFamily="18" charset="0"/>
+                              </a:rPr>
+                              <m:t>1</m:t>
+                            </m:r>
+                          </m:num>
+                          <m:den>
+                            <m:sSub>
+                              <m:sSubPr>
+                                <m:ctrlPr>
+                                  <a:rPr lang="fr-FR" sz="2400" b="0" i="1" smtClean="0">
+                                    <a:latin typeface="Cambria Math" panose="02040503050406030204" pitchFamily="18" charset="0"/>
+                                  </a:rPr>
+                                </m:ctrlPr>
+                              </m:sSubPr>
+                              <m:e>
+                                <m:r>
+                                  <m:rPr>
+                                    <m:sty m:val="p"/>
+                                  </m:rPr>
+                                  <a:rPr lang="fr-FR" sz="2400" b="0" i="0" smtClean="0">
+                                    <a:latin typeface="Cambria Math" panose="02040503050406030204" pitchFamily="18" charset="0"/>
+                                  </a:rPr>
+                                  <m:t>r</m:t>
+                                </m:r>
+                              </m:e>
+                              <m:sub>
+                                <m:r>
+                                  <m:rPr>
+                                    <m:sty m:val="p"/>
+                                  </m:rPr>
+                                  <a:rPr lang="fr-FR" sz="2400" b="0" i="0" smtClean="0">
+                                    <a:latin typeface="Cambria Math" panose="02040503050406030204" pitchFamily="18" charset="0"/>
+                                  </a:rPr>
+                                  <m:t>i</m:t>
+                                </m:r>
+                              </m:sub>
+                            </m:sSub>
+                          </m:den>
+                        </m:f>
+                        <m:f>
+                          <m:fPr>
+                            <m:ctrlPr>
+                              <a:rPr lang="fr-FR" sz="2400" b="0" i="1" smtClean="0">
+                                <a:latin typeface="Cambria Math" panose="02040503050406030204" pitchFamily="18" charset="0"/>
+                              </a:rPr>
+                            </m:ctrlPr>
+                          </m:fPr>
+                          <m:num>
+                            <m:sSubSup>
+                              <m:sSubSupPr>
+                                <m:ctrlPr>
+                                  <a:rPr lang="fr-FR" sz="2400" b="0" i="1" smtClean="0">
+                                    <a:latin typeface="Cambria Math" panose="02040503050406030204" pitchFamily="18" charset="0"/>
+                                  </a:rPr>
+                                </m:ctrlPr>
+                              </m:sSubSupPr>
+                              <m:e>
+                                <m:r>
+                                  <a:rPr lang="fr-FR" sz="2400" b="0" i="1" smtClean="0">
+                                    <a:latin typeface="Cambria Math" panose="02040503050406030204" pitchFamily="18" charset="0"/>
+                                  </a:rPr>
+                                  <m:t>𝐶</m:t>
+                                </m:r>
+                              </m:e>
+                              <m:sub>
+                                <m:r>
+                                  <a:rPr lang="fr-FR" sz="2400" b="0" i="1" smtClean="0">
+                                    <a:latin typeface="Cambria Math" panose="02040503050406030204" pitchFamily="18" charset="0"/>
+                                  </a:rPr>
+                                  <m:t>𝑖</m:t>
+                                </m:r>
+                                <m:r>
+                                  <a:rPr lang="fr-FR" sz="2400" b="0" i="1" smtClean="0">
+                                    <a:latin typeface="Cambria Math" panose="02040503050406030204" pitchFamily="18" charset="0"/>
+                                  </a:rPr>
+                                  <m:t>+1</m:t>
+                                </m:r>
+                              </m:sub>
+                              <m:sup>
+                                <m:r>
+                                  <a:rPr lang="fr-FR" sz="2400" b="0" i="1" smtClean="0">
+                                    <a:latin typeface="Cambria Math" panose="02040503050406030204" pitchFamily="18" charset="0"/>
+                                  </a:rPr>
+                                  <m:t>𝑡</m:t>
+                                </m:r>
+                              </m:sup>
+                            </m:sSubSup>
+                            <m:r>
+                              <a:rPr lang="fr-FR" sz="2400" b="0" i="1" smtClean="0">
+                                <a:latin typeface="Cambria Math" panose="02040503050406030204" pitchFamily="18" charset="0"/>
+                              </a:rPr>
+                              <m:t>−</m:t>
+                            </m:r>
+                            <m:sSubSup>
+                              <m:sSubSupPr>
+                                <m:ctrlPr>
+                                  <a:rPr lang="fr-FR" sz="2400" b="0" i="1" smtClean="0">
+                                    <a:latin typeface="Cambria Math" panose="02040503050406030204" pitchFamily="18" charset="0"/>
+                                  </a:rPr>
+                                </m:ctrlPr>
+                              </m:sSubSupPr>
+                              <m:e>
+                                <m:r>
+                                  <a:rPr lang="fr-FR" sz="2400" b="0" i="1" smtClean="0">
+                                    <a:latin typeface="Cambria Math" panose="02040503050406030204" pitchFamily="18" charset="0"/>
+                                  </a:rPr>
+                                  <m:t>𝐶</m:t>
+                                </m:r>
+                              </m:e>
+                              <m:sub>
+                                <m:r>
+                                  <a:rPr lang="fr-FR" sz="2400" b="0" i="1" smtClean="0">
+                                    <a:latin typeface="Cambria Math" panose="02040503050406030204" pitchFamily="18" charset="0"/>
+                                  </a:rPr>
+                                  <m:t>𝑖</m:t>
+                                </m:r>
+                                <m:r>
+                                  <a:rPr lang="fr-FR" sz="2400" b="0" i="1" smtClean="0">
+                                    <a:latin typeface="Cambria Math" panose="02040503050406030204" pitchFamily="18" charset="0"/>
+                                  </a:rPr>
+                                  <m:t>−1</m:t>
+                                </m:r>
+                              </m:sub>
+                              <m:sup>
+                                <m:r>
+                                  <a:rPr lang="fr-FR" sz="2400" b="0" i="1" smtClean="0">
+                                    <a:latin typeface="Cambria Math" panose="02040503050406030204" pitchFamily="18" charset="0"/>
+                                  </a:rPr>
+                                  <m:t>𝑡</m:t>
+                                </m:r>
+                              </m:sup>
+                            </m:sSubSup>
+                          </m:num>
+                          <m:den>
+                            <m:r>
+                              <a:rPr lang="fr-FR" sz="2400" b="0" i="0" smtClean="0">
+                                <a:latin typeface="Cambria Math" panose="02040503050406030204" pitchFamily="18" charset="0"/>
+                              </a:rPr>
+                              <m:t>2</m:t>
+                            </m:r>
+                            <m:r>
+                              <m:rPr>
+                                <m:sty m:val="p"/>
+                              </m:rPr>
+                              <a:rPr lang="fr-FR" sz="2400" b="0" i="0" smtClean="0">
+                                <a:latin typeface="Cambria Math" panose="02040503050406030204" pitchFamily="18" charset="0"/>
+                              </a:rPr>
+                              <m:t>Δ</m:t>
+                            </m:r>
+                            <m:r>
+                              <a:rPr lang="fr-FR" sz="2400" b="0" i="1" smtClean="0">
+                                <a:latin typeface="Cambria Math" panose="02040503050406030204" pitchFamily="18" charset="0"/>
+                              </a:rPr>
+                              <m:t>𝑟</m:t>
+                            </m:r>
+                          </m:den>
+                        </m:f>
+                      </m:e>
+                    </m:d>
+                    <m:r>
+                      <a:rPr lang="fr-FR" sz="2400" b="0" i="0" smtClean="0">
+                        <a:latin typeface="Cambria Math" panose="02040503050406030204" pitchFamily="18" charset="0"/>
+                      </a:rPr>
+                      <m:t>−</m:t>
+                    </m:r>
+                    <m:r>
+                      <m:rPr>
+                        <m:sty m:val="p"/>
+                      </m:rPr>
+                      <a:rPr lang="fr-FR" sz="2400" b="0" i="0" smtClean="0">
+                        <a:latin typeface="Cambria Math" panose="02040503050406030204" pitchFamily="18" charset="0"/>
+                      </a:rPr>
+                      <m:t>S</m:t>
+                    </m:r>
+                  </m:oMath>
+                </a14:m>
+                <a:endParaRPr lang="fr-FR" sz="2400" dirty="0"/>
+              </a:p>
+              <a:p>
+                <a:pPr marL="0" indent="0">
+                  <a:buNone/>
+                </a:pPr>
+                <a:r>
+                  <a:rPr lang="fr-FR" sz="2400" dirty="0"/>
+                  <a:t>Soit en changeant d’indice </a:t>
+                </a:r>
+                <a14:m>
+                  <m:oMath xmlns:m="http://schemas.openxmlformats.org/officeDocument/2006/math">
+                    <m:r>
+                      <a:rPr lang="fr-FR" sz="2400" b="0" i="1" smtClean="0">
+                        <a:latin typeface="Cambria Math" panose="02040503050406030204" pitchFamily="18" charset="0"/>
+                      </a:rPr>
+                      <m:t>𝑡</m:t>
+                    </m:r>
+                    <m:r>
+                      <a:rPr lang="fr-FR" sz="2400" b="0" i="1" smtClean="0">
+                        <a:latin typeface="Cambria Math" panose="02040503050406030204" pitchFamily="18" charset="0"/>
+                      </a:rPr>
+                      <m:t>→</m:t>
+                    </m:r>
+                    <m:r>
+                      <a:rPr lang="fr-FR" sz="2400" b="0" i="1" smtClean="0">
+                        <a:latin typeface="Cambria Math" panose="02040503050406030204" pitchFamily="18" charset="0"/>
+                      </a:rPr>
+                      <m:t>𝑡</m:t>
+                    </m:r>
+                    <m:r>
+                      <a:rPr lang="fr-FR" sz="2400" b="0" i="1" smtClean="0">
+                        <a:latin typeface="Cambria Math" panose="02040503050406030204" pitchFamily="18" charset="0"/>
+                      </a:rPr>
+                      <m:t>+1</m:t>
+                    </m:r>
+                  </m:oMath>
+                </a14:m>
+                <a:r>
+                  <a:rPr lang="fr-FR" sz="2400" dirty="0"/>
+                  <a:t> :</a:t>
+                </a:r>
+              </a:p>
+              <a:p>
+                <a:pPr marL="0" indent="0">
+                  <a:buNone/>
+                </a:pPr>
+                <a14:m>
+                  <m:oMath xmlns:m="http://schemas.openxmlformats.org/officeDocument/2006/math">
+                    <m:f>
+                      <m:fPr>
+                        <m:ctrlPr>
+                          <a:rPr lang="fr-FR" sz="2400" b="0" i="1" smtClean="0">
+                            <a:solidFill>
+                              <a:srgbClr val="C00000"/>
+                            </a:solidFill>
+                            <a:latin typeface="Cambria Math" panose="02040503050406030204" pitchFamily="18" charset="0"/>
+                          </a:rPr>
+                        </m:ctrlPr>
+                      </m:fPr>
+                      <m:num>
+                        <m:sSubSup>
+                          <m:sSubSupPr>
+                            <m:ctrlPr>
+                              <a:rPr lang="fr-FR" sz="2400" b="0" i="1" smtClean="0">
+                                <a:solidFill>
+                                  <a:srgbClr val="C00000"/>
+                                </a:solidFill>
+                                <a:latin typeface="Cambria Math" panose="02040503050406030204" pitchFamily="18" charset="0"/>
+                              </a:rPr>
+                            </m:ctrlPr>
+                          </m:sSubSupPr>
+                          <m:e>
+                            <m:r>
+                              <a:rPr lang="fr-FR" sz="2400" b="0" i="1" smtClean="0">
+                                <a:solidFill>
+                                  <a:srgbClr val="C00000"/>
+                                </a:solidFill>
+                                <a:latin typeface="Cambria Math" panose="02040503050406030204" pitchFamily="18" charset="0"/>
+                              </a:rPr>
+                              <m:t>𝐶</m:t>
+                            </m:r>
+                          </m:e>
+                          <m:sub>
+                            <m:r>
+                              <a:rPr lang="fr-FR" sz="2400" b="0" i="1" smtClean="0">
+                                <a:solidFill>
+                                  <a:srgbClr val="C00000"/>
+                                </a:solidFill>
+                                <a:latin typeface="Cambria Math" panose="02040503050406030204" pitchFamily="18" charset="0"/>
+                              </a:rPr>
+                              <m:t>𝑖</m:t>
+                            </m:r>
+                          </m:sub>
+                          <m:sup>
+                            <m:r>
+                              <a:rPr lang="fr-FR" sz="2400" b="0" i="1" smtClean="0">
+                                <a:solidFill>
+                                  <a:srgbClr val="C00000"/>
+                                </a:solidFill>
+                                <a:latin typeface="Cambria Math" panose="02040503050406030204" pitchFamily="18" charset="0"/>
+                              </a:rPr>
+                              <m:t>𝑡</m:t>
+                            </m:r>
+                            <m:r>
+                              <a:rPr lang="fr-FR" sz="2400" b="0" i="1" smtClean="0">
+                                <a:solidFill>
+                                  <a:srgbClr val="C00000"/>
+                                </a:solidFill>
+                                <a:latin typeface="Cambria Math" panose="02040503050406030204" pitchFamily="18" charset="0"/>
+                              </a:rPr>
+                              <m:t>+1</m:t>
+                            </m:r>
+                          </m:sup>
+                        </m:sSubSup>
+                        <m:r>
+                          <a:rPr lang="fr-FR" sz="2400" b="0" i="1" smtClean="0">
+                            <a:solidFill>
+                              <a:srgbClr val="C00000"/>
+                            </a:solidFill>
+                            <a:latin typeface="Cambria Math" panose="02040503050406030204" pitchFamily="18" charset="0"/>
+                          </a:rPr>
+                          <m:t>−</m:t>
+                        </m:r>
+                        <m:sSubSup>
+                          <m:sSubSupPr>
+                            <m:ctrlPr>
+                              <a:rPr lang="fr-FR" sz="2400" b="0" i="1" smtClean="0">
+                                <a:solidFill>
+                                  <a:srgbClr val="C00000"/>
+                                </a:solidFill>
+                                <a:latin typeface="Cambria Math" panose="02040503050406030204" pitchFamily="18" charset="0"/>
+                              </a:rPr>
+                            </m:ctrlPr>
+                          </m:sSubSupPr>
+                          <m:e>
+                            <m:r>
+                              <a:rPr lang="fr-FR" sz="2400" b="0" i="1" smtClean="0">
+                                <a:solidFill>
+                                  <a:srgbClr val="C00000"/>
+                                </a:solidFill>
+                                <a:latin typeface="Cambria Math" panose="02040503050406030204" pitchFamily="18" charset="0"/>
+                              </a:rPr>
+                              <m:t>𝐶</m:t>
+                            </m:r>
+                          </m:e>
+                          <m:sub>
+                            <m:r>
+                              <a:rPr lang="fr-FR" sz="2400" b="0" i="1" smtClean="0">
+                                <a:solidFill>
+                                  <a:srgbClr val="C00000"/>
+                                </a:solidFill>
+                                <a:latin typeface="Cambria Math" panose="02040503050406030204" pitchFamily="18" charset="0"/>
+                              </a:rPr>
+                              <m:t>𝑖</m:t>
+                            </m:r>
+                          </m:sub>
+                          <m:sup>
+                            <m:r>
+                              <a:rPr lang="fr-FR" sz="2400" b="0" i="1" smtClean="0">
+                                <a:solidFill>
+                                  <a:srgbClr val="C00000"/>
+                                </a:solidFill>
+                                <a:latin typeface="Cambria Math" panose="02040503050406030204" pitchFamily="18" charset="0"/>
+                              </a:rPr>
+                              <m:t>𝑡</m:t>
+                            </m:r>
+                          </m:sup>
+                        </m:sSubSup>
+                      </m:num>
+                      <m:den>
+                        <m:r>
+                          <m:rPr>
+                            <m:sty m:val="p"/>
+                          </m:rPr>
+                          <a:rPr lang="fr-FR" sz="2400" b="0" i="0" smtClean="0">
+                            <a:solidFill>
+                              <a:srgbClr val="C00000"/>
+                            </a:solidFill>
+                            <a:latin typeface="Cambria Math" panose="02040503050406030204" pitchFamily="18" charset="0"/>
+                          </a:rPr>
+                          <m:t>Δ</m:t>
+                        </m:r>
+                        <m:r>
+                          <a:rPr lang="fr-FR" sz="2400" b="0" i="1" smtClean="0">
+                            <a:solidFill>
+                              <a:srgbClr val="C00000"/>
+                            </a:solidFill>
+                            <a:latin typeface="Cambria Math" panose="02040503050406030204" pitchFamily="18" charset="0"/>
+                          </a:rPr>
+                          <m:t>𝑡</m:t>
+                        </m:r>
+                      </m:den>
+                    </m:f>
+                    <m:r>
+                      <a:rPr lang="fr-FR" sz="2400" b="0" i="1" smtClean="0">
+                        <a:solidFill>
+                          <a:srgbClr val="C00000"/>
+                        </a:solidFill>
+                        <a:latin typeface="Cambria Math" panose="02040503050406030204" pitchFamily="18" charset="0"/>
+                      </a:rPr>
+                      <m:t>=</m:t>
+                    </m:r>
+                    <m:sSub>
+                      <m:sSubPr>
+                        <m:ctrlPr>
+                          <a:rPr lang="fr-FR" sz="2400" b="0" i="1" smtClean="0">
+                            <a:solidFill>
+                              <a:srgbClr val="C00000"/>
+                            </a:solidFill>
+                            <a:latin typeface="Cambria Math" panose="02040503050406030204" pitchFamily="18" charset="0"/>
+                          </a:rPr>
+                        </m:ctrlPr>
+                      </m:sSubPr>
+                      <m:e>
+                        <m:r>
+                          <a:rPr lang="fr-FR" sz="2400" b="0" i="1" smtClean="0">
+                            <a:solidFill>
+                              <a:srgbClr val="C00000"/>
+                            </a:solidFill>
+                            <a:latin typeface="Cambria Math" panose="02040503050406030204" pitchFamily="18" charset="0"/>
+                          </a:rPr>
+                          <m:t>𝐷</m:t>
+                        </m:r>
+                      </m:e>
+                      <m:sub>
+                        <m:r>
+                          <a:rPr lang="fr-FR" sz="2400" b="0" i="1" smtClean="0">
+                            <a:solidFill>
+                              <a:srgbClr val="C00000"/>
+                            </a:solidFill>
+                            <a:latin typeface="Cambria Math" panose="02040503050406030204" pitchFamily="18" charset="0"/>
+                          </a:rPr>
+                          <m:t>𝑒𝑓𝑓</m:t>
+                        </m:r>
+                      </m:sub>
+                    </m:sSub>
+                    <m:d>
+                      <m:dPr>
+                        <m:ctrlPr>
+                          <a:rPr lang="fr-FR" sz="2400" b="0" i="1" smtClean="0">
+                            <a:solidFill>
+                              <a:srgbClr val="C00000"/>
+                            </a:solidFill>
+                            <a:latin typeface="Cambria Math" panose="02040503050406030204" pitchFamily="18" charset="0"/>
+                          </a:rPr>
+                        </m:ctrlPr>
+                      </m:dPr>
+                      <m:e>
+                        <m:f>
+                          <m:fPr>
+                            <m:ctrlPr>
+                              <a:rPr lang="fr-FR" sz="2400" b="0" i="1" smtClean="0">
+                                <a:solidFill>
+                                  <a:srgbClr val="C00000"/>
+                                </a:solidFill>
+                                <a:latin typeface="Cambria Math" panose="02040503050406030204" pitchFamily="18" charset="0"/>
+                              </a:rPr>
+                            </m:ctrlPr>
+                          </m:fPr>
+                          <m:num>
+                            <m:sSubSup>
+                              <m:sSubSupPr>
+                                <m:ctrlPr>
+                                  <a:rPr lang="fr-FR" sz="2400" b="0" i="1" smtClean="0">
+                                    <a:solidFill>
+                                      <a:srgbClr val="C00000"/>
+                                    </a:solidFill>
+                                    <a:latin typeface="Cambria Math" panose="02040503050406030204" pitchFamily="18" charset="0"/>
+                                  </a:rPr>
+                                </m:ctrlPr>
+                              </m:sSubSupPr>
+                              <m:e>
+                                <m:r>
+                                  <a:rPr lang="fr-FR" sz="2400" b="0" i="1" smtClean="0">
+                                    <a:solidFill>
+                                      <a:srgbClr val="C00000"/>
+                                    </a:solidFill>
+                                    <a:latin typeface="Cambria Math" panose="02040503050406030204" pitchFamily="18" charset="0"/>
+                                  </a:rPr>
+                                  <m:t>𝐶</m:t>
+                                </m:r>
+                              </m:e>
+                              <m:sub>
+                                <m:r>
+                                  <a:rPr lang="fr-FR" sz="2400" b="0" i="1" smtClean="0">
+                                    <a:solidFill>
+                                      <a:srgbClr val="C00000"/>
+                                    </a:solidFill>
+                                    <a:latin typeface="Cambria Math" panose="02040503050406030204" pitchFamily="18" charset="0"/>
+                                  </a:rPr>
+                                  <m:t>𝑖</m:t>
+                                </m:r>
+                                <m:r>
+                                  <a:rPr lang="fr-FR" sz="2400" b="0" i="1" smtClean="0">
+                                    <a:solidFill>
+                                      <a:srgbClr val="C00000"/>
+                                    </a:solidFill>
+                                    <a:latin typeface="Cambria Math" panose="02040503050406030204" pitchFamily="18" charset="0"/>
+                                  </a:rPr>
+                                  <m:t>+1</m:t>
+                                </m:r>
+                              </m:sub>
+                              <m:sup>
+                                <m:r>
+                                  <a:rPr lang="fr-FR" sz="2400" b="0" i="1" smtClean="0">
+                                    <a:solidFill>
+                                      <a:srgbClr val="C00000"/>
+                                    </a:solidFill>
+                                    <a:latin typeface="Cambria Math" panose="02040503050406030204" pitchFamily="18" charset="0"/>
+                                  </a:rPr>
+                                  <m:t>𝑡</m:t>
+                                </m:r>
+                                <m:r>
+                                  <a:rPr lang="fr-FR" sz="2400" b="0" i="1" smtClean="0">
+                                    <a:solidFill>
+                                      <a:srgbClr val="C00000"/>
+                                    </a:solidFill>
+                                    <a:latin typeface="Cambria Math" panose="02040503050406030204" pitchFamily="18" charset="0"/>
+                                  </a:rPr>
+                                  <m:t>+1</m:t>
+                                </m:r>
+                              </m:sup>
+                            </m:sSubSup>
+                            <m:r>
+                              <a:rPr lang="fr-FR" sz="2400" b="0" i="1" smtClean="0">
+                                <a:solidFill>
+                                  <a:srgbClr val="C00000"/>
+                                </a:solidFill>
+                                <a:latin typeface="Cambria Math" panose="02040503050406030204" pitchFamily="18" charset="0"/>
+                              </a:rPr>
+                              <m:t>−2</m:t>
+                            </m:r>
+                            <m:sSubSup>
+                              <m:sSubSupPr>
+                                <m:ctrlPr>
+                                  <a:rPr lang="fr-FR" sz="2400" b="0" i="1" smtClean="0">
+                                    <a:solidFill>
+                                      <a:srgbClr val="C00000"/>
+                                    </a:solidFill>
+                                    <a:latin typeface="Cambria Math" panose="02040503050406030204" pitchFamily="18" charset="0"/>
+                                  </a:rPr>
+                                </m:ctrlPr>
+                              </m:sSubSupPr>
+                              <m:e>
+                                <m:r>
+                                  <a:rPr lang="fr-FR" sz="2400" b="0" i="1" smtClean="0">
+                                    <a:solidFill>
+                                      <a:srgbClr val="C00000"/>
+                                    </a:solidFill>
+                                    <a:latin typeface="Cambria Math" panose="02040503050406030204" pitchFamily="18" charset="0"/>
+                                  </a:rPr>
+                                  <m:t>𝐶</m:t>
+                                </m:r>
+                              </m:e>
+                              <m:sub>
+                                <m:r>
+                                  <a:rPr lang="fr-FR" sz="2400" b="0" i="1" smtClean="0">
+                                    <a:solidFill>
+                                      <a:srgbClr val="C00000"/>
+                                    </a:solidFill>
+                                    <a:latin typeface="Cambria Math" panose="02040503050406030204" pitchFamily="18" charset="0"/>
+                                  </a:rPr>
+                                  <m:t>𝑖</m:t>
+                                </m:r>
+                              </m:sub>
+                              <m:sup>
+                                <m:r>
+                                  <a:rPr lang="fr-FR" sz="2400" b="0" i="1" smtClean="0">
+                                    <a:solidFill>
+                                      <a:srgbClr val="C00000"/>
+                                    </a:solidFill>
+                                    <a:latin typeface="Cambria Math" panose="02040503050406030204" pitchFamily="18" charset="0"/>
+                                  </a:rPr>
+                                  <m:t>𝑡</m:t>
+                                </m:r>
+                                <m:r>
+                                  <a:rPr lang="fr-FR" sz="2400" b="0" i="1" smtClean="0">
+                                    <a:solidFill>
+                                      <a:srgbClr val="C00000"/>
+                                    </a:solidFill>
+                                    <a:latin typeface="Cambria Math" panose="02040503050406030204" pitchFamily="18" charset="0"/>
+                                  </a:rPr>
+                                  <m:t>+1</m:t>
+                                </m:r>
+                              </m:sup>
+                            </m:sSubSup>
+                            <m:r>
+                              <a:rPr lang="fr-FR" sz="2400" b="0" i="1" smtClean="0">
+                                <a:solidFill>
+                                  <a:srgbClr val="C00000"/>
+                                </a:solidFill>
+                                <a:latin typeface="Cambria Math" panose="02040503050406030204" pitchFamily="18" charset="0"/>
+                              </a:rPr>
+                              <m:t>+</m:t>
+                            </m:r>
+                            <m:sSubSup>
+                              <m:sSubSupPr>
+                                <m:ctrlPr>
+                                  <a:rPr lang="fr-FR" sz="2400" b="0" i="1" smtClean="0">
+                                    <a:solidFill>
+                                      <a:srgbClr val="C00000"/>
+                                    </a:solidFill>
+                                    <a:latin typeface="Cambria Math" panose="02040503050406030204" pitchFamily="18" charset="0"/>
+                                  </a:rPr>
+                                </m:ctrlPr>
+                              </m:sSubSupPr>
+                              <m:e>
+                                <m:r>
+                                  <a:rPr lang="fr-FR" sz="2400" b="0" i="1" smtClean="0">
+                                    <a:solidFill>
+                                      <a:srgbClr val="C00000"/>
+                                    </a:solidFill>
+                                    <a:latin typeface="Cambria Math" panose="02040503050406030204" pitchFamily="18" charset="0"/>
+                                  </a:rPr>
+                                  <m:t>𝐶</m:t>
+                                </m:r>
+                              </m:e>
+                              <m:sub>
+                                <m:r>
+                                  <a:rPr lang="fr-FR" sz="2400" b="0" i="1" smtClean="0">
+                                    <a:solidFill>
+                                      <a:srgbClr val="C00000"/>
+                                    </a:solidFill>
+                                    <a:latin typeface="Cambria Math" panose="02040503050406030204" pitchFamily="18" charset="0"/>
+                                  </a:rPr>
+                                  <m:t>𝑖</m:t>
+                                </m:r>
+                                <m:r>
+                                  <a:rPr lang="fr-FR" sz="2400" b="0" i="1" smtClean="0">
+                                    <a:solidFill>
+                                      <a:srgbClr val="C00000"/>
+                                    </a:solidFill>
+                                    <a:latin typeface="Cambria Math" panose="02040503050406030204" pitchFamily="18" charset="0"/>
+                                  </a:rPr>
+                                  <m:t>−1</m:t>
+                                </m:r>
+                              </m:sub>
+                              <m:sup>
+                                <m:r>
+                                  <a:rPr lang="fr-FR" sz="2400" b="0" i="1" smtClean="0">
+                                    <a:solidFill>
+                                      <a:srgbClr val="C00000"/>
+                                    </a:solidFill>
+                                    <a:latin typeface="Cambria Math" panose="02040503050406030204" pitchFamily="18" charset="0"/>
+                                  </a:rPr>
+                                  <m:t>𝑡</m:t>
+                                </m:r>
+                                <m:r>
+                                  <a:rPr lang="fr-FR" sz="2400" b="0" i="1" smtClean="0">
+                                    <a:solidFill>
+                                      <a:srgbClr val="C00000"/>
+                                    </a:solidFill>
+                                    <a:latin typeface="Cambria Math" panose="02040503050406030204" pitchFamily="18" charset="0"/>
+                                  </a:rPr>
+                                  <m:t>+1</m:t>
+                                </m:r>
+                              </m:sup>
+                            </m:sSubSup>
+                          </m:num>
+                          <m:den>
+                            <m:r>
+                              <m:rPr>
+                                <m:sty m:val="p"/>
+                              </m:rPr>
+                              <a:rPr lang="fr-FR" sz="2400" b="0" i="0" smtClean="0">
+                                <a:solidFill>
+                                  <a:srgbClr val="C00000"/>
+                                </a:solidFill>
+                                <a:latin typeface="Cambria Math" panose="02040503050406030204" pitchFamily="18" charset="0"/>
+                              </a:rPr>
+                              <m:t>Δ</m:t>
+                            </m:r>
+                            <m:sSup>
+                              <m:sSupPr>
+                                <m:ctrlPr>
+                                  <a:rPr lang="fr-FR" sz="2400" b="0" i="1" smtClean="0">
+                                    <a:solidFill>
+                                      <a:srgbClr val="C00000"/>
+                                    </a:solidFill>
+                                    <a:latin typeface="Cambria Math" panose="02040503050406030204" pitchFamily="18" charset="0"/>
+                                  </a:rPr>
+                                </m:ctrlPr>
+                              </m:sSupPr>
+                              <m:e>
+                                <m:r>
+                                  <a:rPr lang="fr-FR" sz="2400" b="0" i="1" smtClean="0">
+                                    <a:solidFill>
+                                      <a:srgbClr val="C00000"/>
+                                    </a:solidFill>
+                                    <a:latin typeface="Cambria Math" panose="02040503050406030204" pitchFamily="18" charset="0"/>
+                                  </a:rPr>
+                                  <m:t>𝑟</m:t>
+                                </m:r>
+                              </m:e>
+                              <m:sup>
+                                <m:r>
+                                  <a:rPr lang="fr-FR" sz="2400" b="0" i="1" smtClean="0">
+                                    <a:solidFill>
+                                      <a:srgbClr val="C00000"/>
+                                    </a:solidFill>
+                                    <a:latin typeface="Cambria Math" panose="02040503050406030204" pitchFamily="18" charset="0"/>
+                                  </a:rPr>
+                                  <m:t>2</m:t>
+                                </m:r>
+                              </m:sup>
+                            </m:sSup>
+                          </m:den>
+                        </m:f>
+                        <m:r>
+                          <a:rPr lang="fr-FR" sz="2400" b="0" i="0" smtClean="0">
+                            <a:solidFill>
+                              <a:srgbClr val="C00000"/>
+                            </a:solidFill>
+                            <a:latin typeface="Cambria Math" panose="02040503050406030204" pitchFamily="18" charset="0"/>
+                          </a:rPr>
+                          <m:t>+</m:t>
+                        </m:r>
+                        <m:f>
+                          <m:fPr>
+                            <m:ctrlPr>
+                              <a:rPr lang="fr-FR" sz="2400" b="0" i="1" smtClean="0">
+                                <a:solidFill>
+                                  <a:srgbClr val="C00000"/>
+                                </a:solidFill>
+                                <a:latin typeface="Cambria Math" panose="02040503050406030204" pitchFamily="18" charset="0"/>
+                              </a:rPr>
+                            </m:ctrlPr>
+                          </m:fPr>
+                          <m:num>
+                            <m:r>
+                              <a:rPr lang="fr-FR" sz="2400" b="0" i="0" smtClean="0">
+                                <a:solidFill>
+                                  <a:srgbClr val="C00000"/>
+                                </a:solidFill>
+                                <a:latin typeface="Cambria Math" panose="02040503050406030204" pitchFamily="18" charset="0"/>
+                              </a:rPr>
+                              <m:t>1</m:t>
+                            </m:r>
+                          </m:num>
+                          <m:den>
+                            <m:sSub>
+                              <m:sSubPr>
+                                <m:ctrlPr>
+                                  <a:rPr lang="fr-FR" sz="2400" b="0" i="1" smtClean="0">
+                                    <a:solidFill>
+                                      <a:srgbClr val="C00000"/>
+                                    </a:solidFill>
+                                    <a:latin typeface="Cambria Math" panose="02040503050406030204" pitchFamily="18" charset="0"/>
+                                  </a:rPr>
+                                </m:ctrlPr>
+                              </m:sSubPr>
+                              <m:e>
+                                <m:r>
+                                  <m:rPr>
+                                    <m:sty m:val="p"/>
+                                  </m:rPr>
+                                  <a:rPr lang="fr-FR" sz="2400" b="0" i="0" smtClean="0">
+                                    <a:solidFill>
+                                      <a:srgbClr val="C00000"/>
+                                    </a:solidFill>
+                                    <a:latin typeface="Cambria Math" panose="02040503050406030204" pitchFamily="18" charset="0"/>
+                                  </a:rPr>
+                                  <m:t>r</m:t>
+                                </m:r>
+                              </m:e>
+                              <m:sub>
+                                <m:r>
+                                  <m:rPr>
+                                    <m:sty m:val="p"/>
+                                  </m:rPr>
+                                  <a:rPr lang="fr-FR" sz="2400" b="0" i="0" smtClean="0">
+                                    <a:solidFill>
+                                      <a:srgbClr val="C00000"/>
+                                    </a:solidFill>
+                                    <a:latin typeface="Cambria Math" panose="02040503050406030204" pitchFamily="18" charset="0"/>
+                                  </a:rPr>
+                                  <m:t>i</m:t>
+                                </m:r>
+                              </m:sub>
+                            </m:sSub>
+                          </m:den>
+                        </m:f>
+                        <m:f>
+                          <m:fPr>
+                            <m:ctrlPr>
+                              <a:rPr lang="fr-FR" sz="2400" b="0" i="1" smtClean="0">
+                                <a:solidFill>
+                                  <a:srgbClr val="C00000"/>
+                                </a:solidFill>
+                                <a:latin typeface="Cambria Math" panose="02040503050406030204" pitchFamily="18" charset="0"/>
+                              </a:rPr>
+                            </m:ctrlPr>
+                          </m:fPr>
+                          <m:num>
+                            <m:sSubSup>
+                              <m:sSubSupPr>
+                                <m:ctrlPr>
+                                  <a:rPr lang="fr-FR" sz="2400" b="0" i="1" smtClean="0">
+                                    <a:solidFill>
+                                      <a:srgbClr val="C00000"/>
+                                    </a:solidFill>
+                                    <a:latin typeface="Cambria Math" panose="02040503050406030204" pitchFamily="18" charset="0"/>
+                                  </a:rPr>
+                                </m:ctrlPr>
+                              </m:sSubSupPr>
+                              <m:e>
+                                <m:r>
+                                  <a:rPr lang="fr-FR" sz="2400" b="0" i="1" smtClean="0">
+                                    <a:solidFill>
+                                      <a:srgbClr val="C00000"/>
+                                    </a:solidFill>
+                                    <a:latin typeface="Cambria Math" panose="02040503050406030204" pitchFamily="18" charset="0"/>
+                                  </a:rPr>
+                                  <m:t>𝐶</m:t>
+                                </m:r>
+                              </m:e>
+                              <m:sub>
+                                <m:r>
+                                  <a:rPr lang="fr-FR" sz="2400" b="0" i="1" smtClean="0">
+                                    <a:solidFill>
+                                      <a:srgbClr val="C00000"/>
+                                    </a:solidFill>
+                                    <a:latin typeface="Cambria Math" panose="02040503050406030204" pitchFamily="18" charset="0"/>
+                                  </a:rPr>
+                                  <m:t>𝑖</m:t>
+                                </m:r>
+                                <m:r>
+                                  <a:rPr lang="fr-FR" sz="2400" b="0" i="1" smtClean="0">
+                                    <a:solidFill>
+                                      <a:srgbClr val="C00000"/>
+                                    </a:solidFill>
+                                    <a:latin typeface="Cambria Math" panose="02040503050406030204" pitchFamily="18" charset="0"/>
+                                  </a:rPr>
+                                  <m:t>+1</m:t>
+                                </m:r>
+                              </m:sub>
+                              <m:sup>
+                                <m:r>
+                                  <a:rPr lang="fr-FR" sz="2400" b="0" i="1" smtClean="0">
+                                    <a:solidFill>
+                                      <a:srgbClr val="C00000"/>
+                                    </a:solidFill>
+                                    <a:latin typeface="Cambria Math" panose="02040503050406030204" pitchFamily="18" charset="0"/>
+                                  </a:rPr>
+                                  <m:t>𝑡</m:t>
+                                </m:r>
+                                <m:r>
+                                  <a:rPr lang="fr-FR" sz="2400" b="0" i="1" smtClean="0">
+                                    <a:solidFill>
+                                      <a:srgbClr val="C00000"/>
+                                    </a:solidFill>
+                                    <a:latin typeface="Cambria Math" panose="02040503050406030204" pitchFamily="18" charset="0"/>
+                                  </a:rPr>
+                                  <m:t>+1</m:t>
+                                </m:r>
+                              </m:sup>
+                            </m:sSubSup>
+                            <m:r>
+                              <a:rPr lang="fr-FR" sz="2400" b="0" i="1" smtClean="0">
+                                <a:solidFill>
+                                  <a:srgbClr val="C00000"/>
+                                </a:solidFill>
+                                <a:latin typeface="Cambria Math" panose="02040503050406030204" pitchFamily="18" charset="0"/>
+                              </a:rPr>
+                              <m:t>−</m:t>
+                            </m:r>
+                            <m:sSubSup>
+                              <m:sSubSupPr>
+                                <m:ctrlPr>
+                                  <a:rPr lang="fr-FR" sz="2400" b="0" i="1" smtClean="0">
+                                    <a:solidFill>
+                                      <a:srgbClr val="C00000"/>
+                                    </a:solidFill>
+                                    <a:latin typeface="Cambria Math" panose="02040503050406030204" pitchFamily="18" charset="0"/>
+                                  </a:rPr>
+                                </m:ctrlPr>
+                              </m:sSubSupPr>
+                              <m:e>
+                                <m:r>
+                                  <a:rPr lang="fr-FR" sz="2400" b="0" i="1" smtClean="0">
+                                    <a:solidFill>
+                                      <a:srgbClr val="C00000"/>
+                                    </a:solidFill>
+                                    <a:latin typeface="Cambria Math" panose="02040503050406030204" pitchFamily="18" charset="0"/>
+                                  </a:rPr>
+                                  <m:t>𝐶</m:t>
+                                </m:r>
+                              </m:e>
+                              <m:sub>
+                                <m:r>
+                                  <a:rPr lang="fr-FR" sz="2400" b="0" i="1" smtClean="0">
+                                    <a:solidFill>
+                                      <a:srgbClr val="C00000"/>
+                                    </a:solidFill>
+                                    <a:latin typeface="Cambria Math" panose="02040503050406030204" pitchFamily="18" charset="0"/>
+                                  </a:rPr>
+                                  <m:t>𝑖</m:t>
+                                </m:r>
+                                <m:r>
+                                  <a:rPr lang="fr-FR" sz="2400" b="0" i="1" smtClean="0">
+                                    <a:solidFill>
+                                      <a:srgbClr val="C00000"/>
+                                    </a:solidFill>
+                                    <a:latin typeface="Cambria Math" panose="02040503050406030204" pitchFamily="18" charset="0"/>
+                                  </a:rPr>
+                                  <m:t>−1</m:t>
+                                </m:r>
+                              </m:sub>
+                              <m:sup>
+                                <m:r>
+                                  <a:rPr lang="fr-FR" sz="2400" b="0" i="1" smtClean="0">
+                                    <a:solidFill>
+                                      <a:srgbClr val="C00000"/>
+                                    </a:solidFill>
+                                    <a:latin typeface="Cambria Math" panose="02040503050406030204" pitchFamily="18" charset="0"/>
+                                  </a:rPr>
+                                  <m:t>𝑡</m:t>
+                                </m:r>
+                                <m:r>
+                                  <a:rPr lang="fr-FR" sz="2400" b="0" i="1" smtClean="0">
+                                    <a:solidFill>
+                                      <a:srgbClr val="C00000"/>
+                                    </a:solidFill>
+                                    <a:latin typeface="Cambria Math" panose="02040503050406030204" pitchFamily="18" charset="0"/>
+                                  </a:rPr>
+                                  <m:t>+1</m:t>
+                                </m:r>
+                              </m:sup>
+                            </m:sSubSup>
+                          </m:num>
+                          <m:den>
+                            <m:r>
+                              <a:rPr lang="fr-FR" sz="2400" b="0" i="0" smtClean="0">
+                                <a:solidFill>
+                                  <a:srgbClr val="C00000"/>
+                                </a:solidFill>
+                                <a:latin typeface="Cambria Math" panose="02040503050406030204" pitchFamily="18" charset="0"/>
+                              </a:rPr>
+                              <m:t>2</m:t>
+                            </m:r>
+                            <m:r>
+                              <m:rPr>
+                                <m:sty m:val="p"/>
+                              </m:rPr>
+                              <a:rPr lang="fr-FR" sz="2400" b="0" i="0" smtClean="0">
+                                <a:solidFill>
+                                  <a:srgbClr val="C00000"/>
+                                </a:solidFill>
+                                <a:latin typeface="Cambria Math" panose="02040503050406030204" pitchFamily="18" charset="0"/>
+                              </a:rPr>
+                              <m:t>Δ</m:t>
+                            </m:r>
+                            <m:r>
+                              <a:rPr lang="fr-FR" sz="2400" b="0" i="1" smtClean="0">
+                                <a:solidFill>
+                                  <a:srgbClr val="C00000"/>
+                                </a:solidFill>
+                                <a:latin typeface="Cambria Math" panose="02040503050406030204" pitchFamily="18" charset="0"/>
+                              </a:rPr>
+                              <m:t>𝑟</m:t>
+                            </m:r>
+                          </m:den>
+                        </m:f>
+                      </m:e>
+                    </m:d>
+                    <m:r>
+                      <a:rPr lang="fr-FR" sz="2400" b="0" i="0" smtClean="0">
+                        <a:solidFill>
+                          <a:srgbClr val="C00000"/>
+                        </a:solidFill>
+                        <a:latin typeface="Cambria Math" panose="02040503050406030204" pitchFamily="18" charset="0"/>
+                      </a:rPr>
+                      <m:t>−</m:t>
+                    </m:r>
+                    <m:r>
+                      <m:rPr>
+                        <m:sty m:val="p"/>
+                      </m:rPr>
+                      <a:rPr lang="fr-FR" sz="2400" b="0" i="0" smtClean="0">
+                        <a:solidFill>
+                          <a:srgbClr val="C00000"/>
+                        </a:solidFill>
+                        <a:latin typeface="Cambria Math" panose="02040503050406030204" pitchFamily="18" charset="0"/>
+                      </a:rPr>
+                      <m:t>S</m:t>
+                    </m:r>
+                  </m:oMath>
+                </a14:m>
+                <a:r>
+                  <a:rPr lang="fr-FR" sz="2400" dirty="0">
+                    <a:solidFill>
+                      <a:srgbClr val="C00000"/>
+                    </a:solidFill>
+                  </a:rPr>
+                  <a:t> </a:t>
+                </a:r>
+              </a:p>
+              <a:p>
+                <a:r>
+                  <a:rPr lang="fr-FR" sz="2400" dirty="0"/>
+                  <a:t>Conditions aux frontières </a:t>
+                </a:r>
+              </a:p>
+              <a:p>
+                <a:pPr lvl="1"/>
+                <a:r>
+                  <a:rPr lang="fr-FR" sz="2000" dirty="0"/>
+                  <a:t>de Dirichlet discrètes : </a:t>
+                </a:r>
+                <a14:m>
+                  <m:oMath xmlns:m="http://schemas.openxmlformats.org/officeDocument/2006/math">
+                    <m:r>
+                      <a:rPr lang="fr-FR" sz="2000" i="1">
+                        <a:latin typeface="Cambria Math" panose="02040503050406030204" pitchFamily="18" charset="0"/>
+                      </a:rPr>
+                      <m:t>∀</m:t>
+                    </m:r>
+                    <m:r>
+                      <a:rPr lang="fr-FR" sz="2000" i="1">
+                        <a:latin typeface="Cambria Math" panose="02040503050406030204" pitchFamily="18" charset="0"/>
+                      </a:rPr>
+                      <m:t>𝑡</m:t>
+                    </m:r>
+                    <m:r>
+                      <a:rPr lang="fr-FR" sz="2000" i="1">
+                        <a:latin typeface="Cambria Math" panose="02040503050406030204" pitchFamily="18" charset="0"/>
+                      </a:rPr>
+                      <m:t>, </m:t>
+                    </m:r>
+                    <m:sSubSup>
+                      <m:sSubSupPr>
+                        <m:ctrlPr>
+                          <a:rPr lang="fr-FR" sz="2000" i="1">
+                            <a:latin typeface="Cambria Math" panose="02040503050406030204" pitchFamily="18" charset="0"/>
+                          </a:rPr>
+                        </m:ctrlPr>
+                      </m:sSubSupPr>
+                      <m:e>
+                        <m:r>
+                          <a:rPr lang="fr-FR" sz="2000" i="1">
+                            <a:latin typeface="Cambria Math" panose="02040503050406030204" pitchFamily="18" charset="0"/>
+                          </a:rPr>
+                          <m:t>𝐶</m:t>
+                        </m:r>
+                      </m:e>
+                      <m:sub>
+                        <m:r>
+                          <a:rPr lang="fr-FR" sz="2000" i="1">
+                            <a:latin typeface="Cambria Math" panose="02040503050406030204" pitchFamily="18" charset="0"/>
+                          </a:rPr>
+                          <m:t>5</m:t>
+                        </m:r>
+                      </m:sub>
+                      <m:sup>
+                        <m:r>
+                          <a:rPr lang="fr-FR" sz="2000" i="1">
+                            <a:latin typeface="Cambria Math" panose="02040503050406030204" pitchFamily="18" charset="0"/>
+                          </a:rPr>
+                          <m:t>𝑡</m:t>
+                        </m:r>
+                      </m:sup>
+                    </m:sSubSup>
+                    <m:r>
+                      <a:rPr lang="fr-FR" sz="2000" i="1">
+                        <a:latin typeface="Cambria Math" panose="02040503050406030204" pitchFamily="18" charset="0"/>
+                      </a:rPr>
+                      <m:t>=</m:t>
+                    </m:r>
+                    <m:sSub>
+                      <m:sSubPr>
+                        <m:ctrlPr>
+                          <a:rPr lang="fr-FR" sz="2000" i="1">
+                            <a:latin typeface="Cambria Math" panose="02040503050406030204" pitchFamily="18" charset="0"/>
+                          </a:rPr>
+                        </m:ctrlPr>
+                      </m:sSubPr>
+                      <m:e>
+                        <m:r>
+                          <a:rPr lang="fr-FR" sz="2000" i="1">
+                            <a:latin typeface="Cambria Math" panose="02040503050406030204" pitchFamily="18" charset="0"/>
+                          </a:rPr>
+                          <m:t>𝐶</m:t>
+                        </m:r>
+                      </m:e>
+                      <m:sub>
+                        <m:r>
+                          <a:rPr lang="fr-FR" sz="2000" i="1">
+                            <a:latin typeface="Cambria Math" panose="02040503050406030204" pitchFamily="18" charset="0"/>
+                          </a:rPr>
+                          <m:t>𝑒</m:t>
+                        </m:r>
+                      </m:sub>
+                    </m:sSub>
+                  </m:oMath>
+                </a14:m>
+                <a:endParaRPr lang="fr-FR" sz="2000" dirty="0"/>
+              </a:p>
+              <a:p>
+                <a:pPr lvl="1"/>
+                <a:r>
+                  <a:rPr lang="fr-FR" sz="2000" dirty="0"/>
+                  <a:t>De Neumann discrètes : </a:t>
+                </a:r>
+                <a14:m>
+                  <m:oMath xmlns:m="http://schemas.openxmlformats.org/officeDocument/2006/math">
+                    <m:r>
+                      <a:rPr lang="fr-FR" sz="2000" i="1">
+                        <a:latin typeface="Cambria Math" panose="02040503050406030204" pitchFamily="18" charset="0"/>
+                      </a:rPr>
+                      <m:t>∀</m:t>
+                    </m:r>
+                    <m:r>
+                      <a:rPr lang="fr-FR" sz="2000" i="1">
+                        <a:latin typeface="Cambria Math" panose="02040503050406030204" pitchFamily="18" charset="0"/>
+                      </a:rPr>
+                      <m:t>𝑡</m:t>
+                    </m:r>
+                    <m:r>
+                      <a:rPr lang="fr-FR" sz="2000" i="1">
+                        <a:latin typeface="Cambria Math" panose="02040503050406030204" pitchFamily="18" charset="0"/>
+                      </a:rPr>
+                      <m:t>,</m:t>
+                    </m:r>
+                    <m:f>
+                      <m:fPr>
+                        <m:ctrlPr>
+                          <a:rPr lang="fr-FR" sz="2000" i="1">
+                            <a:latin typeface="Cambria Math" panose="02040503050406030204" pitchFamily="18" charset="0"/>
+                          </a:rPr>
+                        </m:ctrlPr>
+                      </m:fPr>
+                      <m:num>
+                        <m:sSubSup>
+                          <m:sSubSupPr>
+                            <m:ctrlPr>
+                              <a:rPr lang="fr-FR" sz="2000" i="1">
+                                <a:latin typeface="Cambria Math" panose="02040503050406030204" pitchFamily="18" charset="0"/>
+                              </a:rPr>
+                            </m:ctrlPr>
+                          </m:sSubSupPr>
+                          <m:e>
+                            <m:r>
+                              <a:rPr lang="fr-FR" sz="2000" i="1">
+                                <a:latin typeface="Cambria Math" panose="02040503050406030204" pitchFamily="18" charset="0"/>
+                              </a:rPr>
+                              <m:t>𝐶</m:t>
+                            </m:r>
+                          </m:e>
+                          <m:sub>
+                            <m:r>
+                              <a:rPr lang="fr-FR" sz="2000" i="1">
+                                <a:latin typeface="Cambria Math" panose="02040503050406030204" pitchFamily="18" charset="0"/>
+                              </a:rPr>
+                              <m:t>1</m:t>
+                            </m:r>
+                          </m:sub>
+                          <m:sup>
+                            <m:r>
+                              <a:rPr lang="fr-FR" sz="2000" i="1">
+                                <a:latin typeface="Cambria Math" panose="02040503050406030204" pitchFamily="18" charset="0"/>
+                              </a:rPr>
+                              <m:t>𝑡</m:t>
+                            </m:r>
+                          </m:sup>
+                        </m:sSubSup>
+                        <m:r>
+                          <a:rPr lang="fr-FR" sz="2000" i="1">
+                            <a:latin typeface="Cambria Math" panose="02040503050406030204" pitchFamily="18" charset="0"/>
+                          </a:rPr>
+                          <m:t>−</m:t>
+                        </m:r>
+                        <m:sSubSup>
+                          <m:sSubSupPr>
+                            <m:ctrlPr>
+                              <a:rPr lang="fr-FR" sz="2000" i="1">
+                                <a:latin typeface="Cambria Math" panose="02040503050406030204" pitchFamily="18" charset="0"/>
+                              </a:rPr>
+                            </m:ctrlPr>
+                          </m:sSubSupPr>
+                          <m:e>
+                            <m:r>
+                              <a:rPr lang="fr-FR" sz="2000" i="1">
+                                <a:latin typeface="Cambria Math" panose="02040503050406030204" pitchFamily="18" charset="0"/>
+                              </a:rPr>
+                              <m:t>𝐶</m:t>
+                            </m:r>
+                          </m:e>
+                          <m:sub>
+                            <m:r>
+                              <a:rPr lang="fr-FR" sz="2000" i="1">
+                                <a:latin typeface="Cambria Math" panose="02040503050406030204" pitchFamily="18" charset="0"/>
+                              </a:rPr>
+                              <m:t>0</m:t>
+                            </m:r>
+                          </m:sub>
+                          <m:sup>
+                            <m:r>
+                              <a:rPr lang="fr-FR" sz="2000" i="1">
+                                <a:latin typeface="Cambria Math" panose="02040503050406030204" pitchFamily="18" charset="0"/>
+                              </a:rPr>
+                              <m:t>𝑡</m:t>
+                            </m:r>
+                          </m:sup>
+                        </m:sSubSup>
+                      </m:num>
+                      <m:den>
+                        <m:r>
+                          <m:rPr>
+                            <m:sty m:val="p"/>
+                          </m:rPr>
+                          <a:rPr lang="fr-FR" sz="2000">
+                            <a:latin typeface="Cambria Math" panose="02040503050406030204" pitchFamily="18" charset="0"/>
+                          </a:rPr>
+                          <m:t>Δr</m:t>
+                        </m:r>
+                      </m:den>
+                    </m:f>
+                    <m:r>
+                      <a:rPr lang="fr-FR" sz="2000" i="1">
+                        <a:latin typeface="Cambria Math" panose="02040503050406030204" pitchFamily="18" charset="0"/>
+                      </a:rPr>
+                      <m:t>=0⇒∀</m:t>
+                    </m:r>
+                    <m:r>
+                      <a:rPr lang="fr-FR" sz="2000" i="1">
+                        <a:latin typeface="Cambria Math" panose="02040503050406030204" pitchFamily="18" charset="0"/>
+                      </a:rPr>
+                      <m:t>𝑡</m:t>
+                    </m:r>
+                    <m:r>
+                      <a:rPr lang="fr-FR" sz="2000" i="1">
+                        <a:latin typeface="Cambria Math" panose="02040503050406030204" pitchFamily="18" charset="0"/>
+                      </a:rPr>
+                      <m:t>, </m:t>
+                    </m:r>
+                    <m:sSubSup>
+                      <m:sSubSupPr>
+                        <m:ctrlPr>
+                          <a:rPr lang="fr-FR" sz="2000" i="1">
+                            <a:latin typeface="Cambria Math" panose="02040503050406030204" pitchFamily="18" charset="0"/>
+                          </a:rPr>
+                        </m:ctrlPr>
+                      </m:sSubSupPr>
+                      <m:e>
+                        <m:r>
+                          <a:rPr lang="fr-FR" sz="2000" i="1">
+                            <a:latin typeface="Cambria Math" panose="02040503050406030204" pitchFamily="18" charset="0"/>
+                          </a:rPr>
+                          <m:t>𝐶</m:t>
+                        </m:r>
+                      </m:e>
+                      <m:sub>
+                        <m:r>
+                          <a:rPr lang="fr-FR" sz="2000" i="1">
+                            <a:latin typeface="Cambria Math" panose="02040503050406030204" pitchFamily="18" charset="0"/>
+                          </a:rPr>
+                          <m:t>0</m:t>
+                        </m:r>
+                      </m:sub>
+                      <m:sup>
+                        <m:r>
+                          <a:rPr lang="fr-FR" sz="2000" i="1">
+                            <a:latin typeface="Cambria Math" panose="02040503050406030204" pitchFamily="18" charset="0"/>
+                          </a:rPr>
+                          <m:t>𝑡</m:t>
+                        </m:r>
+                      </m:sup>
+                    </m:sSubSup>
+                    <m:r>
+                      <a:rPr lang="fr-FR" sz="2000" i="1">
+                        <a:latin typeface="Cambria Math" panose="02040503050406030204" pitchFamily="18" charset="0"/>
+                      </a:rPr>
+                      <m:t>=</m:t>
+                    </m:r>
+                    <m:sSubSup>
+                      <m:sSubSupPr>
+                        <m:ctrlPr>
+                          <a:rPr lang="fr-FR" sz="2000" i="1">
+                            <a:latin typeface="Cambria Math" panose="02040503050406030204" pitchFamily="18" charset="0"/>
+                          </a:rPr>
+                        </m:ctrlPr>
+                      </m:sSubSupPr>
+                      <m:e>
+                        <m:r>
+                          <a:rPr lang="fr-FR" sz="2000" i="1">
+                            <a:latin typeface="Cambria Math" panose="02040503050406030204" pitchFamily="18" charset="0"/>
+                          </a:rPr>
+                          <m:t>𝐶</m:t>
+                        </m:r>
+                      </m:e>
+                      <m:sub>
+                        <m:r>
+                          <a:rPr lang="fr-FR" sz="2000" i="1">
+                            <a:latin typeface="Cambria Math" panose="02040503050406030204" pitchFamily="18" charset="0"/>
+                          </a:rPr>
+                          <m:t>1</m:t>
+                        </m:r>
+                      </m:sub>
+                      <m:sup>
+                        <m:r>
+                          <a:rPr lang="fr-FR" sz="2000" i="1">
+                            <a:latin typeface="Cambria Math" panose="02040503050406030204" pitchFamily="18" charset="0"/>
+                          </a:rPr>
+                          <m:t>𝑡</m:t>
+                        </m:r>
+                      </m:sup>
+                    </m:sSubSup>
+                  </m:oMath>
+                </a14:m>
+                <a:endParaRPr lang="fr-FR" sz="2000" dirty="0"/>
+              </a:p>
+              <a:p>
+                <a:r>
+                  <a:rPr lang="fr-FR" sz="2400" dirty="0"/>
+                  <a:t>Conditions initiales :</a:t>
+                </a:r>
+                <a14:m>
+                  <m:oMath xmlns:m="http://schemas.openxmlformats.org/officeDocument/2006/math">
+                    <m:r>
+                      <a:rPr lang="fr-FR" sz="2400" i="1">
+                        <a:latin typeface="Cambria Math" panose="02040503050406030204" pitchFamily="18" charset="0"/>
+                      </a:rPr>
+                      <m:t>∀</m:t>
+                    </m:r>
+                    <m:r>
+                      <a:rPr lang="fr-FR" sz="2400" i="1">
+                        <a:latin typeface="Cambria Math" panose="02040503050406030204" pitchFamily="18" charset="0"/>
+                      </a:rPr>
+                      <m:t>𝑖</m:t>
+                    </m:r>
+                    <m:r>
+                      <a:rPr lang="fr-FR" sz="2400" i="1">
+                        <a:latin typeface="Cambria Math" panose="02040503050406030204" pitchFamily="18" charset="0"/>
+                      </a:rPr>
+                      <m:t>∈</m:t>
+                    </m:r>
+                    <m:d>
+                      <m:dPr>
+                        <m:begChr m:val="{"/>
+                        <m:endChr m:val="}"/>
+                        <m:ctrlPr>
+                          <a:rPr lang="fr-FR" sz="2400" i="1">
+                            <a:latin typeface="Cambria Math" panose="02040503050406030204" pitchFamily="18" charset="0"/>
+                          </a:rPr>
+                        </m:ctrlPr>
+                      </m:dPr>
+                      <m:e>
+                        <m:r>
+                          <a:rPr lang="fr-FR" sz="2400" i="1">
+                            <a:latin typeface="Cambria Math" panose="02040503050406030204" pitchFamily="18" charset="0"/>
+                          </a:rPr>
+                          <m:t>1;2;3</m:t>
+                        </m:r>
+                      </m:e>
+                    </m:d>
+                    <m:r>
+                      <a:rPr lang="fr-FR" sz="2400" i="1">
+                        <a:latin typeface="Cambria Math" panose="02040503050406030204" pitchFamily="18" charset="0"/>
+                      </a:rPr>
+                      <m:t> , </m:t>
+                    </m:r>
+                    <m:sSubSup>
+                      <m:sSubSupPr>
+                        <m:ctrlPr>
+                          <a:rPr lang="fr-FR" sz="2400" i="1">
+                            <a:latin typeface="Cambria Math" panose="02040503050406030204" pitchFamily="18" charset="0"/>
+                          </a:rPr>
+                        </m:ctrlPr>
+                      </m:sSubSupPr>
+                      <m:e>
+                        <m:r>
+                          <a:rPr lang="fr-FR" sz="2400" i="1">
+                            <a:latin typeface="Cambria Math" panose="02040503050406030204" pitchFamily="18" charset="0"/>
+                          </a:rPr>
+                          <m:t>𝐶</m:t>
+                        </m:r>
+                      </m:e>
+                      <m:sub>
+                        <m:r>
+                          <a:rPr lang="fr-FR" sz="2400" i="1">
+                            <a:latin typeface="Cambria Math" panose="02040503050406030204" pitchFamily="18" charset="0"/>
+                          </a:rPr>
+                          <m:t>𝑖</m:t>
+                        </m:r>
+                      </m:sub>
+                      <m:sup>
+                        <m:r>
+                          <a:rPr lang="fr-FR" sz="2400" i="1">
+                            <a:latin typeface="Cambria Math" panose="02040503050406030204" pitchFamily="18" charset="0"/>
+                          </a:rPr>
+                          <m:t>0</m:t>
+                        </m:r>
+                      </m:sup>
+                    </m:sSubSup>
+                    <m:r>
+                      <a:rPr lang="fr-FR" sz="2400" i="1">
+                        <a:latin typeface="Cambria Math" panose="02040503050406030204" pitchFamily="18" charset="0"/>
+                      </a:rPr>
+                      <m:t>=0</m:t>
+                    </m:r>
+                  </m:oMath>
+                </a14:m>
+                <a:r>
+                  <a:rPr lang="fr-FR" sz="2400" dirty="0"/>
+                  <a:t> (et </a:t>
+                </a:r>
+                <a14:m>
+                  <m:oMath xmlns:m="http://schemas.openxmlformats.org/officeDocument/2006/math">
+                    <m:sSubSup>
+                      <m:sSubSupPr>
+                        <m:ctrlPr>
+                          <a:rPr lang="fr-FR" sz="2400" i="1">
+                            <a:latin typeface="Cambria Math" panose="02040503050406030204" pitchFamily="18" charset="0"/>
+                          </a:rPr>
+                        </m:ctrlPr>
+                      </m:sSubSupPr>
+                      <m:e>
+                        <m:r>
+                          <a:rPr lang="fr-FR" sz="2400" i="1">
+                            <a:latin typeface="Cambria Math" panose="02040503050406030204" pitchFamily="18" charset="0"/>
+                          </a:rPr>
+                          <m:t>𝐶</m:t>
+                        </m:r>
+                      </m:e>
+                      <m:sub>
+                        <m:r>
+                          <a:rPr lang="fr-FR" sz="2400" i="1">
+                            <a:latin typeface="Cambria Math" panose="02040503050406030204" pitchFamily="18" charset="0"/>
+                          </a:rPr>
+                          <m:t>5</m:t>
+                        </m:r>
+                      </m:sub>
+                      <m:sup>
+                        <m:r>
+                          <a:rPr lang="fr-FR" sz="2400" i="1">
+                            <a:latin typeface="Cambria Math" panose="02040503050406030204" pitchFamily="18" charset="0"/>
+                          </a:rPr>
+                          <m:t>0</m:t>
+                        </m:r>
+                      </m:sup>
+                    </m:sSubSup>
+                    <m:r>
+                      <a:rPr lang="fr-FR" sz="2400" i="1">
+                        <a:latin typeface="Cambria Math" panose="02040503050406030204" pitchFamily="18" charset="0"/>
+                      </a:rPr>
+                      <m:t>=</m:t>
+                    </m:r>
+                    <m:sSub>
+                      <m:sSubPr>
+                        <m:ctrlPr>
+                          <a:rPr lang="fr-FR" sz="2400" i="1">
+                            <a:latin typeface="Cambria Math" panose="02040503050406030204" pitchFamily="18" charset="0"/>
+                          </a:rPr>
+                        </m:ctrlPr>
+                      </m:sSubPr>
+                      <m:e>
+                        <m:r>
+                          <a:rPr lang="fr-FR" sz="2400" i="1">
+                            <a:latin typeface="Cambria Math" panose="02040503050406030204" pitchFamily="18" charset="0"/>
+                          </a:rPr>
+                          <m:t>𝐶</m:t>
+                        </m:r>
+                      </m:e>
+                      <m:sub>
+                        <m:r>
+                          <a:rPr lang="fr-FR" sz="2400" i="1">
+                            <a:latin typeface="Cambria Math" panose="02040503050406030204" pitchFamily="18" charset="0"/>
+                          </a:rPr>
+                          <m:t>𝑒</m:t>
+                        </m:r>
+                      </m:sub>
+                    </m:sSub>
+                  </m:oMath>
+                </a14:m>
+                <a:r>
+                  <a:rPr lang="fr-FR" sz="2400" dirty="0"/>
+                  <a:t>)</a:t>
+                </a:r>
+              </a:p>
+            </p:txBody>
+          </p:sp>
+        </mc:Choice>
+        <mc:Fallback>
+          <p:sp>
+            <p:nvSpPr>
+              <p:cNvPr id="3" name="Espace réservé du contenu 2">
+                <a:extLst>
+                  <a:ext uri="{FF2B5EF4-FFF2-40B4-BE49-F238E27FC236}">
+                    <a16:creationId xmlns:a16="http://schemas.microsoft.com/office/drawing/2014/main" id="{6E1117CA-2622-ED0A-F430-A468DA4A0EDF}"/>
+                  </a:ext>
+                </a:extLst>
+              </p:cNvPr>
+              <p:cNvSpPr>
+                <a:spLocks noGrp="1" noRot="1" noChangeAspect="1" noMove="1" noResize="1" noEditPoints="1" noAdjustHandles="1" noChangeArrowheads="1" noChangeShapeType="1" noTextEdit="1"/>
+              </p:cNvSpPr>
+              <p:nvPr>
+                <p:ph idx="1"/>
+              </p:nvPr>
+            </p:nvSpPr>
+            <p:spPr>
+              <a:xfrm>
+                <a:off x="838200" y="1580225"/>
+                <a:ext cx="10515600" cy="4596738"/>
+              </a:xfrm>
+              <a:blipFill>
+                <a:blip r:embed="rId2"/>
+                <a:stretch>
+                  <a:fillRect l="-754"/>
+                </a:stretch>
+              </a:blipFill>
+            </p:spPr>
+            <p:txBody>
+              <a:bodyPr/>
+              <a:lstStyle/>
+              <a:p>
+                <a:r>
+                  <a:rPr lang="fr-FR">
+                    <a:noFill/>
+                  </a:rPr>
+                  <a:t> </a:t>
+                </a:r>
+              </a:p>
+            </p:txBody>
+          </p:sp>
+        </mc:Fallback>
+      </mc:AlternateContent>
       <p:sp>
         <p:nvSpPr>
-          <p:cNvPr id="3" name="Espace réservé du contenu 2">
+          <p:cNvPr id="4" name="Espace réservé du numéro de diapositive 3">
             <a:extLst>
               <a:ext uri="{FF2B5EF4-FFF2-40B4-BE49-F238E27FC236}">
-                <a16:creationId xmlns:a16="http://schemas.microsoft.com/office/drawing/2014/main" id="{2757AFD5-9954-A900-C0B4-64E799DA7D0A}"/>
+                <a16:creationId xmlns:a16="http://schemas.microsoft.com/office/drawing/2014/main" id="{84ED95D8-7C3E-DADB-0E55-22B9BF5E06C9}"/>
               </a:ext>
             </a:extLst>
           </p:cNvPr>
@@ -13191,7 +18282,7 @@
             <a:spLocks noGrp="1"/>
           </p:cNvSpPr>
           <p:nvPr>
-            <p:ph idx="1"/>
+            <p:ph type="sldNum" sz="quarter" idx="12"/>
           </p:nvPr>
         </p:nvSpPr>
         <p:spPr/>
@@ -13199,19 +18290,140 @@
           <a:bodyPr/>
           <a:lstStyle/>
           <a:p>
+            <a:fld id="{D1861D36-3F08-40F2-A6FB-3D64786A8D8E}" type="slidenum">
+              <a:rPr lang="fr-FR" smtClean="0"/>
+              <a:t>8</a:t>
+            </a:fld>
+            <a:endParaRPr lang="fr-FR"/>
+          </a:p>
+        </p:txBody>
+      </p:sp>
+    </p:spTree>
+    <p:extLst>
+      <p:ext uri="{BB962C8B-B14F-4D97-AF65-F5344CB8AC3E}">
+        <p14:creationId xmlns:p14="http://schemas.microsoft.com/office/powerpoint/2010/main" val="3389125875"/>
+      </p:ext>
+    </p:extLst>
+  </p:cSld>
+  <p:clrMapOvr>
+    <a:masterClrMapping/>
+  </p:clrMapOvr>
+</p:sld>
+</file>
+
+<file path=ppt/slides/slide9.xml><?xml version="1.0" encoding="utf-8"?>
+<p:sld xmlns:a="http://schemas.openxmlformats.org/drawingml/2006/main" xmlns:r="http://schemas.openxmlformats.org/officeDocument/2006/relationships" xmlns:p="http://schemas.openxmlformats.org/presentationml/2006/main">
+  <p:cSld>
+    <p:spTree>
+      <p:nvGrpSpPr>
+        <p:cNvPr id="1" name=""/>
+        <p:cNvGrpSpPr/>
+        <p:nvPr/>
+      </p:nvGrpSpPr>
+      <p:grpSpPr>
+        <a:xfrm>
+          <a:off x="0" y="0"/>
+          <a:ext cx="0" cy="0"/>
+          <a:chOff x="0" y="0"/>
+          <a:chExt cx="0" cy="0"/>
+        </a:xfrm>
+      </p:grpSpPr>
+      <p:sp>
+        <p:nvSpPr>
+          <p:cNvPr id="4" name="Espace réservé du numéro de diapositive 3">
+            <a:extLst>
+              <a:ext uri="{FF2B5EF4-FFF2-40B4-BE49-F238E27FC236}">
+                <a16:creationId xmlns:a16="http://schemas.microsoft.com/office/drawing/2014/main" id="{06E08532-8FED-B5D6-C5EA-64535A59BFDF}"/>
+              </a:ext>
+            </a:extLst>
+          </p:cNvPr>
+          <p:cNvSpPr>
+            <a:spLocks noGrp="1"/>
+          </p:cNvSpPr>
+          <p:nvPr>
+            <p:ph type="sldNum" sz="quarter" idx="12"/>
+          </p:nvPr>
+        </p:nvSpPr>
+        <p:spPr/>
+        <p:txBody>
+          <a:bodyPr/>
+          <a:lstStyle/>
+          <a:p>
+            <a:fld id="{D1861D36-3F08-40F2-A6FB-3D64786A8D8E}" type="slidenum">
+              <a:rPr lang="fr-FR" smtClean="0"/>
+              <a:t>9</a:t>
+            </a:fld>
+            <a:endParaRPr lang="fr-FR"/>
+          </a:p>
+        </p:txBody>
+      </p:sp>
+      <p:pic>
+        <p:nvPicPr>
+          <p:cNvPr id="8" name="Image 7">
+            <a:extLst>
+              <a:ext uri="{FF2B5EF4-FFF2-40B4-BE49-F238E27FC236}">
+                <a16:creationId xmlns:a16="http://schemas.microsoft.com/office/drawing/2014/main" id="{5CFD00C9-38F7-ED55-CD23-38581A6A0100}"/>
+              </a:ext>
+            </a:extLst>
+          </p:cNvPr>
+          <p:cNvPicPr>
+            <a:picLocks noChangeAspect="1"/>
+          </p:cNvPicPr>
+          <p:nvPr/>
+        </p:nvPicPr>
+        <p:blipFill>
+          <a:blip r:embed="rId2">
+            <a:extLst>
+              <a:ext uri="{28A0092B-C50C-407E-A947-70E740481C1C}">
+                <a14:useLocalDpi xmlns:a14="http://schemas.microsoft.com/office/drawing/2010/main" val="0"/>
+              </a:ext>
+            </a:extLst>
+          </a:blip>
+          <a:stretch>
+            <a:fillRect/>
+          </a:stretch>
+        </p:blipFill>
+        <p:spPr>
+          <a:xfrm>
+            <a:off x="238957" y="136525"/>
+            <a:ext cx="11114843" cy="5514004"/>
+          </a:xfrm>
+          <a:prstGeom prst="rect">
+            <a:avLst/>
+          </a:prstGeom>
+        </p:spPr>
+      </p:pic>
+      <p:sp>
+        <p:nvSpPr>
+          <p:cNvPr id="9" name="ZoneTexte 8">
+            <a:extLst>
+              <a:ext uri="{FF2B5EF4-FFF2-40B4-BE49-F238E27FC236}">
+                <a16:creationId xmlns:a16="http://schemas.microsoft.com/office/drawing/2014/main" id="{2A1EB7D2-9983-CCAD-5D62-423AF0007D03}"/>
+              </a:ext>
+            </a:extLst>
+          </p:cNvPr>
+          <p:cNvSpPr txBox="1"/>
+          <p:nvPr/>
+        </p:nvSpPr>
+        <p:spPr>
+          <a:xfrm>
+            <a:off x="692458" y="5433134"/>
+            <a:ext cx="8691239" cy="646331"/>
+          </a:xfrm>
+          <a:prstGeom prst="rect">
+            <a:avLst/>
+          </a:prstGeom>
+          <a:noFill/>
+        </p:spPr>
+        <p:txBody>
+          <a:bodyPr wrap="square" rtlCol="0">
+            <a:spAutoFit/>
+          </a:bodyPr>
+          <a:lstStyle/>
+          <a:p>
             <a:r>
               <a:rPr lang="fr-FR" dirty="0"/>
-              <a:t>Lien du répertoire Git : </a:t>
-            </a:r>
-            <a:r>
-              <a:rPr lang="fr-FR" dirty="0">
-                <a:hlinkClick r:id="rId2"/>
-              </a:rPr>
-              <a:t>https://github.com/emiliestud/mec8211_devoirs.git</a:t>
-            </a:r>
-            <a:r>
-              <a:rPr lang="fr-FR" dirty="0"/>
-              <a:t> </a:t>
+              <a:t>L’erreur infinie est toujours bien plus supérieure aux autres erreurs, mais ce nouveau schéma de différences finies semble moins précis pour les 3 erreurs.</a:t>
             </a:r>
           </a:p>
         </p:txBody>
@@ -13219,7 +18431,7 @@
     </p:spTree>
     <p:extLst>
       <p:ext uri="{BB962C8B-B14F-4D97-AF65-F5344CB8AC3E}">
-        <p14:creationId xmlns:p14="http://schemas.microsoft.com/office/powerpoint/2010/main" val="2654368298"/>
+        <p14:creationId xmlns:p14="http://schemas.microsoft.com/office/powerpoint/2010/main" val="1964480038"/>
       </p:ext>
     </p:extLst>
   </p:cSld>
@@ -13522,4 +18734,299 @@
     </a:ext>
   </a:extLst>
 </a:theme>
+</file>
+
+<file path=ppt/theme/theme2.xml><?xml version="1.0" encoding="utf-8"?>
+<a:theme xmlns:a="http://schemas.openxmlformats.org/drawingml/2006/main" name="Thème Office">
+  <a:themeElements>
+    <a:clrScheme name="Office">
+      <a:dk1>
+        <a:sysClr val="windowText" lastClr="000000"/>
+      </a:dk1>
+      <a:lt1>
+        <a:sysClr val="window" lastClr="FFFFFF"/>
+      </a:lt1>
+      <a:dk2>
+        <a:srgbClr val="44546A"/>
+      </a:dk2>
+      <a:lt2>
+        <a:srgbClr val="E7E6E6"/>
+      </a:lt2>
+      <a:accent1>
+        <a:srgbClr val="4472C4"/>
+      </a:accent1>
+      <a:accent2>
+        <a:srgbClr val="ED7D31"/>
+      </a:accent2>
+      <a:accent3>
+        <a:srgbClr val="A5A5A5"/>
+      </a:accent3>
+      <a:accent4>
+        <a:srgbClr val="FFC000"/>
+      </a:accent4>
+      <a:accent5>
+        <a:srgbClr val="5B9BD5"/>
+      </a:accent5>
+      <a:accent6>
+        <a:srgbClr val="70AD47"/>
+      </a:accent6>
+      <a:hlink>
+        <a:srgbClr val="0563C1"/>
+      </a:hlink>
+      <a:folHlink>
+        <a:srgbClr val="954F72"/>
+      </a:folHlink>
+    </a:clrScheme>
+    <a:fontScheme name="Office">
+      <a:majorFont>
+        <a:latin typeface="Calibri Light" panose="020F0302020204030204"/>
+        <a:ea typeface=""/>
+        <a:cs typeface=""/>
+        <a:font script="Jpan" typeface="游ゴシック Light"/>
+        <a:font script="Hang" typeface="맑은 고딕"/>
+        <a:font script="Hans" typeface="等线 Light"/>
+        <a:font script="Hant" typeface="新細明體"/>
+        <a:font script="Arab" typeface="Times New Roman"/>
+        <a:font script="Hebr" typeface="Times New Roman"/>
+        <a:font script="Thai" typeface="Angsana New"/>
+        <a:font script="Ethi" typeface="Nyala"/>
+        <a:font script="Beng" typeface="Vrinda"/>
+        <a:font script="Gujr" typeface="Shruti"/>
+        <a:font script="Khmr" typeface="MoolBoran"/>
+        <a:font script="Knda" typeface="Tunga"/>
+        <a:font script="Guru" typeface="Raavi"/>
+        <a:font script="Cans" typeface="Euphemia"/>
+        <a:font script="Cher" typeface="Plantagenet Cherokee"/>
+        <a:font script="Yiii" typeface="Microsoft Yi Baiti"/>
+        <a:font script="Tibt" typeface="Microsoft Himalaya"/>
+        <a:font script="Thaa" typeface="MV Boli"/>
+        <a:font script="Deva" typeface="Mangal"/>
+        <a:font script="Telu" typeface="Gautami"/>
+        <a:font script="Taml" typeface="Latha"/>
+        <a:font script="Syrc" typeface="Estrangelo Edessa"/>
+        <a:font script="Orya" typeface="Kalinga"/>
+        <a:font script="Mlym" typeface="Kartika"/>
+        <a:font script="Laoo" typeface="DokChampa"/>
+        <a:font script="Sinh" typeface="Iskoola Pota"/>
+        <a:font script="Mong" typeface="Mongolian Baiti"/>
+        <a:font script="Viet" typeface="Times New Roman"/>
+        <a:font script="Uigh" typeface="Microsoft Uighur"/>
+        <a:font script="Geor" typeface="Sylfaen"/>
+        <a:font script="Armn" typeface="Arial"/>
+        <a:font script="Bugi" typeface="Leelawadee UI"/>
+        <a:font script="Bopo" typeface="Microsoft JhengHei"/>
+        <a:font script="Java" typeface="Javanese Text"/>
+        <a:font script="Lisu" typeface="Segoe UI"/>
+        <a:font script="Mymr" typeface="Myanmar Text"/>
+        <a:font script="Nkoo" typeface="Ebrima"/>
+        <a:font script="Olck" typeface="Nirmala UI"/>
+        <a:font script="Osma" typeface="Ebrima"/>
+        <a:font script="Phag" typeface="Phagspa"/>
+        <a:font script="Syrn" typeface="Estrangelo Edessa"/>
+        <a:font script="Syrj" typeface="Estrangelo Edessa"/>
+        <a:font script="Syre" typeface="Estrangelo Edessa"/>
+        <a:font script="Sora" typeface="Nirmala UI"/>
+        <a:font script="Tale" typeface="Microsoft Tai Le"/>
+        <a:font script="Talu" typeface="Microsoft New Tai Lue"/>
+        <a:font script="Tfng" typeface="Ebrima"/>
+      </a:majorFont>
+      <a:minorFont>
+        <a:latin typeface="Calibri" panose="020F0502020204030204"/>
+        <a:ea typeface=""/>
+        <a:cs typeface=""/>
+        <a:font script="Jpan" typeface="游ゴシック"/>
+        <a:font script="Hang" typeface="맑은 고딕"/>
+        <a:font script="Hans" typeface="等线"/>
+        <a:font script="Hant" typeface="新細明體"/>
+        <a:font script="Arab" typeface="Arial"/>
+        <a:font script="Hebr" typeface="Arial"/>
+        <a:font script="Thai" typeface="Cordia New"/>
+        <a:font script="Ethi" typeface="Nyala"/>
+        <a:font script="Beng" typeface="Vrinda"/>
+        <a:font script="Gujr" typeface="Shruti"/>
+        <a:font script="Khmr" typeface="DaunPenh"/>
+        <a:font script="Knda" typeface="Tunga"/>
+        <a:font script="Guru" typeface="Raavi"/>
+        <a:font script="Cans" typeface="Euphemia"/>
+        <a:font script="Cher" typeface="Plantagenet Cherokee"/>
+        <a:font script="Yiii" typeface="Microsoft Yi Baiti"/>
+        <a:font script="Tibt" typeface="Microsoft Himalaya"/>
+        <a:font script="Thaa" typeface="MV Boli"/>
+        <a:font script="Deva" typeface="Mangal"/>
+        <a:font script="Telu" typeface="Gautami"/>
+        <a:font script="Taml" typeface="Latha"/>
+        <a:font script="Syrc" typeface="Estrangelo Edessa"/>
+        <a:font script="Orya" typeface="Kalinga"/>
+        <a:font script="Mlym" typeface="Kartika"/>
+        <a:font script="Laoo" typeface="DokChampa"/>
+        <a:font script="Sinh" typeface="Iskoola Pota"/>
+        <a:font script="Mong" typeface="Mongolian Baiti"/>
+        <a:font script="Viet" typeface="Arial"/>
+        <a:font script="Uigh" typeface="Microsoft Uighur"/>
+        <a:font script="Geor" typeface="Sylfaen"/>
+        <a:font script="Armn" typeface="Arial"/>
+        <a:font script="Bugi" typeface="Leelawadee UI"/>
+        <a:font script="Bopo" typeface="Microsoft JhengHei"/>
+        <a:font script="Java" typeface="Javanese Text"/>
+        <a:font script="Lisu" typeface="Segoe UI"/>
+        <a:font script="Mymr" typeface="Myanmar Text"/>
+        <a:font script="Nkoo" typeface="Ebrima"/>
+        <a:font script="Olck" typeface="Nirmala UI"/>
+        <a:font script="Osma" typeface="Ebrima"/>
+        <a:font script="Phag" typeface="Phagspa"/>
+        <a:font script="Syrn" typeface="Estrangelo Edessa"/>
+        <a:font script="Syrj" typeface="Estrangelo Edessa"/>
+        <a:font script="Syre" typeface="Estrangelo Edessa"/>
+        <a:font script="Sora" typeface="Nirmala UI"/>
+        <a:font script="Tale" typeface="Microsoft Tai Le"/>
+        <a:font script="Talu" typeface="Microsoft New Tai Lue"/>
+        <a:font script="Tfng" typeface="Ebrima"/>
+      </a:minorFont>
+    </a:fontScheme>
+    <a:fmtScheme name="Office">
+      <a:fillStyleLst>
+        <a:solidFill>
+          <a:schemeClr val="phClr"/>
+        </a:solidFill>
+        <a:gradFill rotWithShape="1">
+          <a:gsLst>
+            <a:gs pos="0">
+              <a:schemeClr val="phClr">
+                <a:lumMod val="110000"/>
+                <a:satMod val="105000"/>
+                <a:tint val="67000"/>
+              </a:schemeClr>
+            </a:gs>
+            <a:gs pos="50000">
+              <a:schemeClr val="phClr">
+                <a:lumMod val="105000"/>
+                <a:satMod val="103000"/>
+                <a:tint val="73000"/>
+              </a:schemeClr>
+            </a:gs>
+            <a:gs pos="100000">
+              <a:schemeClr val="phClr">
+                <a:lumMod val="105000"/>
+                <a:satMod val="109000"/>
+                <a:tint val="81000"/>
+              </a:schemeClr>
+            </a:gs>
+          </a:gsLst>
+          <a:lin ang="5400000" scaled="0"/>
+        </a:gradFill>
+        <a:gradFill rotWithShape="1">
+          <a:gsLst>
+            <a:gs pos="0">
+              <a:schemeClr val="phClr">
+                <a:satMod val="103000"/>
+                <a:lumMod val="102000"/>
+                <a:tint val="94000"/>
+              </a:schemeClr>
+            </a:gs>
+            <a:gs pos="50000">
+              <a:schemeClr val="phClr">
+                <a:satMod val="110000"/>
+                <a:lumMod val="100000"/>
+                <a:shade val="100000"/>
+              </a:schemeClr>
+            </a:gs>
+            <a:gs pos="100000">
+              <a:schemeClr val="phClr">
+                <a:lumMod val="99000"/>
+                <a:satMod val="120000"/>
+                <a:shade val="78000"/>
+              </a:schemeClr>
+            </a:gs>
+          </a:gsLst>
+          <a:lin ang="5400000" scaled="0"/>
+        </a:gradFill>
+      </a:fillStyleLst>
+      <a:lnStyleLst>
+        <a:ln w="6350" cap="flat" cmpd="sng" algn="ctr">
+          <a:solidFill>
+            <a:schemeClr val="phClr"/>
+          </a:solidFill>
+          <a:prstDash val="solid"/>
+          <a:miter lim="800000"/>
+        </a:ln>
+        <a:ln w="12700" cap="flat" cmpd="sng" algn="ctr">
+          <a:solidFill>
+            <a:schemeClr val="phClr"/>
+          </a:solidFill>
+          <a:prstDash val="solid"/>
+          <a:miter lim="800000"/>
+        </a:ln>
+        <a:ln w="19050" cap="flat" cmpd="sng" algn="ctr">
+          <a:solidFill>
+            <a:schemeClr val="phClr"/>
+          </a:solidFill>
+          <a:prstDash val="solid"/>
+          <a:miter lim="800000"/>
+        </a:ln>
+      </a:lnStyleLst>
+      <a:effectStyleLst>
+        <a:effectStyle>
+          <a:effectLst/>
+        </a:effectStyle>
+        <a:effectStyle>
+          <a:effectLst/>
+        </a:effectStyle>
+        <a:effectStyle>
+          <a:effectLst>
+            <a:outerShdw blurRad="57150" dist="19050" dir="5400000" algn="ctr" rotWithShape="0">
+              <a:srgbClr val="000000">
+                <a:alpha val="63000"/>
+              </a:srgbClr>
+            </a:outerShdw>
+          </a:effectLst>
+        </a:effectStyle>
+      </a:effectStyleLst>
+      <a:bgFillStyleLst>
+        <a:solidFill>
+          <a:schemeClr val="phClr"/>
+        </a:solidFill>
+        <a:solidFill>
+          <a:schemeClr val="phClr">
+            <a:tint val="95000"/>
+            <a:satMod val="170000"/>
+          </a:schemeClr>
+        </a:solidFill>
+        <a:gradFill rotWithShape="1">
+          <a:gsLst>
+            <a:gs pos="0">
+              <a:schemeClr val="phClr">
+                <a:tint val="93000"/>
+                <a:satMod val="150000"/>
+                <a:shade val="98000"/>
+                <a:lumMod val="102000"/>
+              </a:schemeClr>
+            </a:gs>
+            <a:gs pos="50000">
+              <a:schemeClr val="phClr">
+                <a:tint val="98000"/>
+                <a:satMod val="130000"/>
+                <a:shade val="90000"/>
+                <a:lumMod val="103000"/>
+              </a:schemeClr>
+            </a:gs>
+            <a:gs pos="100000">
+              <a:schemeClr val="phClr">
+                <a:shade val="63000"/>
+                <a:satMod val="120000"/>
+              </a:schemeClr>
+            </a:gs>
+          </a:gsLst>
+          <a:lin ang="5400000" scaled="0"/>
+        </a:gradFill>
+      </a:bgFillStyleLst>
+    </a:fmtScheme>
+  </a:themeElements>
+  <a:objectDefaults/>
+  <a:extraClrSchemeLst/>
+  <a:extLst>
+    <a:ext uri="{05A4C25C-085E-4340-85A3-A5531E510DB2}">
+      <thm15:themeFamily xmlns:thm15="http://schemas.microsoft.com/office/thememl/2012/main" name="Office Theme" id="{62F939B6-93AF-4DB8-9C6B-D6C7DFDC589F}" vid="{4A3C46E8-61CC-4603-A589-7422A47A8E4A}"/>
+    </a:ext>
+  </a:extLst>
+</a:theme>
 </file>